--- a/Concepts.pptx
+++ b/Concepts.pptx
@@ -9,18 +9,18 @@
   </p:notesMasterIdLst>
   <p:sldIdLst>
     <p:sldId id="257" r:id="rId2"/>
-    <p:sldId id="266" r:id="rId3"/>
-    <p:sldId id="268" r:id="rId4"/>
-    <p:sldId id="269" r:id="rId5"/>
-    <p:sldId id="270" r:id="rId6"/>
-    <p:sldId id="271" r:id="rId7"/>
-    <p:sldId id="272" r:id="rId8"/>
-    <p:sldId id="273" r:id="rId9"/>
-    <p:sldId id="274" r:id="rId10"/>
-    <p:sldId id="275" r:id="rId11"/>
-    <p:sldId id="276" r:id="rId12"/>
-    <p:sldId id="277" r:id="rId13"/>
-    <p:sldId id="278" r:id="rId14"/>
+    <p:sldId id="279" r:id="rId3"/>
+    <p:sldId id="266" r:id="rId4"/>
+    <p:sldId id="268" r:id="rId5"/>
+    <p:sldId id="269" r:id="rId6"/>
+    <p:sldId id="270" r:id="rId7"/>
+    <p:sldId id="271" r:id="rId8"/>
+    <p:sldId id="272" r:id="rId9"/>
+    <p:sldId id="273" r:id="rId10"/>
+    <p:sldId id="274" r:id="rId11"/>
+    <p:sldId id="275" r:id="rId12"/>
+    <p:sldId id="276" r:id="rId13"/>
+    <p:sldId id="277" r:id="rId14"/>
   </p:sldIdLst>
   <p:sldSz cx="9144000" cy="6858000" type="screen4x3"/>
   <p:notesSz cx="6858000" cy="9144000"/>
@@ -625,7 +625,7 @@
           <a:p>
             <a:fld id="{1429A0AF-F560-FE44-8C25-3129ED7AE0CD}" type="slidenum">
               <a:rPr lang="en-US" smtClean="0"/>
-              <a:t>4</a:t>
+              <a:t>5</a:t>
             </a:fld>
             <a:endParaRPr lang="en-US"/>
           </a:p>
@@ -6627,6 +6627,91 @@
           <a:chExt cx="0" cy="0"/>
         </a:xfrm>
       </p:grpSpPr>
+      <p:pic>
+        <p:nvPicPr>
+          <p:cNvPr id="2" name="Picture 1"/>
+          <p:cNvPicPr>
+            <a:picLocks noChangeAspect="1"/>
+          </p:cNvPicPr>
+          <p:nvPr/>
+        </p:nvPicPr>
+        <p:blipFill>
+          <a:blip r:embed="rId2"/>
+          <a:stretch>
+            <a:fillRect/>
+          </a:stretch>
+        </p:blipFill>
+        <p:spPr>
+          <a:xfrm>
+            <a:off x="679804" y="32665"/>
+            <a:ext cx="8204200" cy="2184400"/>
+          </a:xfrm>
+          <a:prstGeom prst="rect">
+            <a:avLst/>
+          </a:prstGeom>
+        </p:spPr>
+      </p:pic>
+      <p:pic>
+        <p:nvPicPr>
+          <p:cNvPr id="3" name="Picture 2"/>
+          <p:cNvPicPr>
+            <a:picLocks noChangeAspect="1"/>
+          </p:cNvPicPr>
+          <p:nvPr/>
+        </p:nvPicPr>
+        <p:blipFill>
+          <a:blip r:embed="rId3"/>
+          <a:stretch>
+            <a:fillRect/>
+          </a:stretch>
+        </p:blipFill>
+        <p:spPr>
+          <a:xfrm>
+            <a:off x="964490" y="2436424"/>
+            <a:ext cx="6362700" cy="2959100"/>
+          </a:xfrm>
+          <a:prstGeom prst="rect">
+            <a:avLst/>
+          </a:prstGeom>
+        </p:spPr>
+      </p:pic>
+    </p:spTree>
+    <p:extLst>
+      <p:ext uri="{BB962C8B-B14F-4D97-AF65-F5344CB8AC3E}">
+        <p14:creationId xmlns:p14="http://schemas.microsoft.com/office/powerpoint/2010/main" val="3882563729"/>
+      </p:ext>
+    </p:extLst>
+  </p:cSld>
+  <p:clrMapOvr>
+    <a:masterClrMapping/>
+  </p:clrMapOvr>
+  <p:timing>
+    <p:tnLst>
+      <p:par>
+        <p:cTn xmlns:p14="http://schemas.microsoft.com/office/powerpoint/2010/main" id="1" dur="indefinite" restart="never" nodeType="tmRoot"/>
+      </p:par>
+    </p:tnLst>
+  </p:timing>
+</p:sld>
+</file>
+
+<file path=ppt/slides/slide11.xml><?xml version="1.0" encoding="utf-8"?>
+<p:sld xmlns:a="http://schemas.openxmlformats.org/drawingml/2006/main" xmlns:r="http://schemas.openxmlformats.org/officeDocument/2006/relationships" xmlns:p="http://schemas.openxmlformats.org/presentationml/2006/main">
+  <p:cSld>
+    <p:spTree>
+      <p:nvGrpSpPr>
+        <p:cNvPr id="1" name=""/>
+        <p:cNvGrpSpPr/>
+        <p:nvPr/>
+      </p:nvGrpSpPr>
+      <p:grpSpPr>
+        <a:xfrm>
+          <a:off x="0" y="0"/>
+          <a:ext cx="0" cy="0"/>
+          <a:chOff x="0" y="0"/>
+          <a:chExt cx="0" cy="0"/>
+        </a:xfrm>
+      </p:grpSpPr>
       <p:sp>
         <p:nvSpPr>
           <p:cNvPr id="2" name="Rounded Rectangle 1"/>
@@ -7236,7 +7321,7 @@
 </p:sld>
 </file>
 
-<file path=ppt/slides/slide11.xml><?xml version="1.0" encoding="utf-8"?>
+<file path=ppt/slides/slide12.xml><?xml version="1.0" encoding="utf-8"?>
 <p:sld xmlns:a="http://schemas.openxmlformats.org/drawingml/2006/main" xmlns:r="http://schemas.openxmlformats.org/officeDocument/2006/relationships" xmlns:p="http://schemas.openxmlformats.org/presentationml/2006/main">
   <p:cSld>
     <p:spTree>
@@ -9120,1268 +9205,6 @@
 </p:sld>
 </file>
 
-<file path=ppt/slides/slide12.xml><?xml version="1.0" encoding="utf-8"?>
-<p:sld xmlns:a="http://schemas.openxmlformats.org/drawingml/2006/main" xmlns:r="http://schemas.openxmlformats.org/officeDocument/2006/relationships" xmlns:p="http://schemas.openxmlformats.org/presentationml/2006/main">
-  <p:cSld>
-    <p:spTree>
-      <p:nvGrpSpPr>
-        <p:cNvPr id="1" name=""/>
-        <p:cNvGrpSpPr/>
-        <p:nvPr/>
-      </p:nvGrpSpPr>
-      <p:grpSpPr>
-        <a:xfrm>
-          <a:off x="0" y="0"/>
-          <a:ext cx="0" cy="0"/>
-          <a:chOff x="0" y="0"/>
-          <a:chExt cx="0" cy="0"/>
-        </a:xfrm>
-      </p:grpSpPr>
-      <p:sp>
-        <p:nvSpPr>
-          <p:cNvPr id="4" name="Rounded Rectangle 3"/>
-          <p:cNvSpPr/>
-          <p:nvPr/>
-        </p:nvSpPr>
-        <p:spPr>
-          <a:xfrm>
-            <a:off x="1195328" y="744149"/>
-            <a:ext cx="2203898" cy="522988"/>
-          </a:xfrm>
-          <a:prstGeom prst="roundRect">
-            <a:avLst/>
-          </a:prstGeom>
-          <a:ln>
-            <a:solidFill>
-              <a:srgbClr val="008000"/>
-            </a:solidFill>
-          </a:ln>
-        </p:spPr>
-        <p:style>
-          <a:lnRef idx="2">
-            <a:schemeClr val="dk1"/>
-          </a:lnRef>
-          <a:fillRef idx="1">
-            <a:schemeClr val="lt1"/>
-          </a:fillRef>
-          <a:effectRef idx="0">
-            <a:schemeClr val="dk1"/>
-          </a:effectRef>
-          <a:fontRef idx="minor">
-            <a:schemeClr val="dk1"/>
-          </a:fontRef>
-        </p:style>
-        <p:txBody>
-          <a:bodyPr rtlCol="0" anchor="ctr"/>
-          <a:lstStyle/>
-          <a:p>
-            <a:pPr algn="ctr"/>
-            <a:r>
-              <a:rPr lang="en-US" sz="1400" b="1" i="1" dirty="0" smtClean="0">
-                <a:latin typeface="Times New Roman"/>
-                <a:cs typeface="Times New Roman"/>
-              </a:rPr>
-              <a:t>Pairwise Sequence  Similarity Network</a:t>
-            </a:r>
-            <a:endParaRPr lang="en-US" sz="1400" b="1" i="1" dirty="0">
-              <a:latin typeface="Times New Roman"/>
-              <a:cs typeface="Times New Roman"/>
-            </a:endParaRPr>
-          </a:p>
-        </p:txBody>
-      </p:sp>
-      <p:sp>
-        <p:nvSpPr>
-          <p:cNvPr id="5" name="Rounded Rectangle 4"/>
-          <p:cNvSpPr/>
-          <p:nvPr/>
-        </p:nvSpPr>
-        <p:spPr>
-          <a:xfrm>
-            <a:off x="3884849" y="747124"/>
-            <a:ext cx="1870692" cy="522988"/>
-          </a:xfrm>
-          <a:prstGeom prst="roundRect">
-            <a:avLst/>
-          </a:prstGeom>
-          <a:ln>
-            <a:solidFill>
-              <a:srgbClr val="008000"/>
-            </a:solidFill>
-          </a:ln>
-        </p:spPr>
-        <p:style>
-          <a:lnRef idx="2">
-            <a:schemeClr val="dk1"/>
-          </a:lnRef>
-          <a:fillRef idx="1">
-            <a:schemeClr val="lt1"/>
-          </a:fillRef>
-          <a:effectRef idx="0">
-            <a:schemeClr val="dk1"/>
-          </a:effectRef>
-          <a:fontRef idx="minor">
-            <a:schemeClr val="dk1"/>
-          </a:fontRef>
-        </p:style>
-        <p:txBody>
-          <a:bodyPr rtlCol="0" anchor="ctr"/>
-          <a:lstStyle/>
-          <a:p>
-            <a:pPr algn="ctr"/>
-            <a:r>
-              <a:rPr lang="en-US" sz="1400" b="1" i="1" dirty="0" smtClean="0">
-                <a:latin typeface="Times New Roman"/>
-                <a:cs typeface="Times New Roman"/>
-              </a:rPr>
-              <a:t>Network </a:t>
-            </a:r>
-          </a:p>
-          <a:p>
-            <a:pPr algn="ctr"/>
-            <a:r>
-              <a:rPr lang="en-US" sz="1400" b="1" i="1" dirty="0" smtClean="0">
-                <a:latin typeface="Times New Roman"/>
-                <a:cs typeface="Times New Roman"/>
-              </a:rPr>
-              <a:t>Flow Module</a:t>
-            </a:r>
-            <a:endParaRPr lang="en-US" sz="1400" b="1" i="1" dirty="0">
-              <a:latin typeface="Times New Roman"/>
-              <a:cs typeface="Times New Roman"/>
-            </a:endParaRPr>
-          </a:p>
-        </p:txBody>
-      </p:sp>
-      <p:sp>
-        <p:nvSpPr>
-          <p:cNvPr id="6" name="Rounded Rectangle 5"/>
-          <p:cNvSpPr/>
-          <p:nvPr/>
-        </p:nvSpPr>
-        <p:spPr>
-          <a:xfrm>
-            <a:off x="6263063" y="811806"/>
-            <a:ext cx="1581321" cy="393073"/>
-          </a:xfrm>
-          <a:prstGeom prst="roundRect">
-            <a:avLst/>
-          </a:prstGeom>
-          <a:ln>
-            <a:solidFill>
-              <a:srgbClr val="008000"/>
-            </a:solidFill>
-          </a:ln>
-        </p:spPr>
-        <p:style>
-          <a:lnRef idx="2">
-            <a:schemeClr val="dk1"/>
-          </a:lnRef>
-          <a:fillRef idx="1">
-            <a:schemeClr val="lt1"/>
-          </a:fillRef>
-          <a:effectRef idx="0">
-            <a:schemeClr val="dk1"/>
-          </a:effectRef>
-          <a:fontRef idx="minor">
-            <a:schemeClr val="dk1"/>
-          </a:fontRef>
-        </p:style>
-        <p:txBody>
-          <a:bodyPr rtlCol="0" anchor="ctr"/>
-          <a:lstStyle/>
-          <a:p>
-            <a:pPr algn="ctr"/>
-            <a:r>
-              <a:rPr lang="en-US" sz="1400" b="1" i="1" dirty="0" smtClean="0">
-                <a:latin typeface="Times New Roman"/>
-                <a:cs typeface="Times New Roman"/>
-              </a:rPr>
-              <a:t>Gene-Set</a:t>
-            </a:r>
-            <a:endParaRPr lang="en-US" sz="1400" b="1" i="1" dirty="0">
-              <a:latin typeface="Times New Roman"/>
-              <a:cs typeface="Times New Roman"/>
-            </a:endParaRPr>
-          </a:p>
-        </p:txBody>
-      </p:sp>
-      <p:sp>
-        <p:nvSpPr>
-          <p:cNvPr id="7" name="Rounded Rectangle 6"/>
-          <p:cNvSpPr/>
-          <p:nvPr/>
-        </p:nvSpPr>
-        <p:spPr>
-          <a:xfrm>
-            <a:off x="3884849" y="1684008"/>
-            <a:ext cx="1870692" cy="460619"/>
-          </a:xfrm>
-          <a:prstGeom prst="roundRect">
-            <a:avLst/>
-          </a:prstGeom>
-          <a:ln>
-            <a:solidFill>
-              <a:srgbClr val="008000"/>
-            </a:solidFill>
-          </a:ln>
-        </p:spPr>
-        <p:style>
-          <a:lnRef idx="2">
-            <a:schemeClr val="dk1"/>
-          </a:lnRef>
-          <a:fillRef idx="1">
-            <a:schemeClr val="lt1"/>
-          </a:fillRef>
-          <a:effectRef idx="0">
-            <a:schemeClr val="dk1"/>
-          </a:effectRef>
-          <a:fontRef idx="minor">
-            <a:schemeClr val="dk1"/>
-          </a:fontRef>
-        </p:style>
-        <p:txBody>
-          <a:bodyPr rtlCol="0" anchor="ctr"/>
-          <a:lstStyle/>
-          <a:p>
-            <a:pPr algn="ctr"/>
-            <a:r>
-              <a:rPr lang="en-US" sz="1400" b="1" i="1" dirty="0" smtClean="0">
-                <a:latin typeface="Times New Roman"/>
-                <a:cs typeface="Times New Roman"/>
-              </a:rPr>
-              <a:t>Summarize Expression</a:t>
-            </a:r>
-            <a:endParaRPr lang="en-US" sz="1400" b="1" i="1" dirty="0">
-              <a:latin typeface="Times New Roman"/>
-              <a:cs typeface="Times New Roman"/>
-            </a:endParaRPr>
-          </a:p>
-        </p:txBody>
-      </p:sp>
-      <p:cxnSp>
-        <p:nvCxnSpPr>
-          <p:cNvPr id="14" name="Straight Arrow Connector 13"/>
-          <p:cNvCxnSpPr>
-            <a:stCxn id="4" idx="3"/>
-            <a:endCxn id="5" idx="1"/>
-          </p:cNvCxnSpPr>
-          <p:nvPr/>
-        </p:nvCxnSpPr>
-        <p:spPr>
-          <a:xfrm>
-            <a:off x="3399226" y="1005643"/>
-            <a:ext cx="485623" cy="2975"/>
-          </a:xfrm>
-          <a:prstGeom prst="straightConnector1">
-            <a:avLst/>
-          </a:prstGeom>
-          <a:ln>
-            <a:tailEnd type="arrow"/>
-          </a:ln>
-        </p:spPr>
-        <p:style>
-          <a:lnRef idx="2">
-            <a:schemeClr val="accent1"/>
-          </a:lnRef>
-          <a:fillRef idx="0">
-            <a:schemeClr val="accent1"/>
-          </a:fillRef>
-          <a:effectRef idx="1">
-            <a:schemeClr val="accent1"/>
-          </a:effectRef>
-          <a:fontRef idx="minor">
-            <a:schemeClr val="tx1"/>
-          </a:fontRef>
-        </p:style>
-      </p:cxnSp>
-      <p:cxnSp>
-        <p:nvCxnSpPr>
-          <p:cNvPr id="15" name="Straight Arrow Connector 14"/>
-          <p:cNvCxnSpPr>
-            <a:stCxn id="6" idx="1"/>
-            <a:endCxn id="5" idx="3"/>
-          </p:cNvCxnSpPr>
-          <p:nvPr/>
-        </p:nvCxnSpPr>
-        <p:spPr>
-          <a:xfrm flipH="1">
-            <a:off x="5755541" y="1008343"/>
-            <a:ext cx="507522" cy="275"/>
-          </a:xfrm>
-          <a:prstGeom prst="straightConnector1">
-            <a:avLst/>
-          </a:prstGeom>
-          <a:ln>
-            <a:tailEnd type="arrow"/>
-          </a:ln>
-        </p:spPr>
-        <p:style>
-          <a:lnRef idx="2">
-            <a:schemeClr val="accent1"/>
-          </a:lnRef>
-          <a:fillRef idx="0">
-            <a:schemeClr val="accent1"/>
-          </a:fillRef>
-          <a:effectRef idx="1">
-            <a:schemeClr val="accent1"/>
-          </a:effectRef>
-          <a:fontRef idx="minor">
-            <a:schemeClr val="tx1"/>
-          </a:fontRef>
-        </p:style>
-      </p:cxnSp>
-      <p:cxnSp>
-        <p:nvCxnSpPr>
-          <p:cNvPr id="18" name="Straight Arrow Connector 17"/>
-          <p:cNvCxnSpPr>
-            <a:stCxn id="5" idx="2"/>
-            <a:endCxn id="7" idx="0"/>
-          </p:cNvCxnSpPr>
-          <p:nvPr/>
-        </p:nvCxnSpPr>
-        <p:spPr>
-          <a:xfrm>
-            <a:off x="4820195" y="1270112"/>
-            <a:ext cx="0" cy="413896"/>
-          </a:xfrm>
-          <a:prstGeom prst="straightConnector1">
-            <a:avLst/>
-          </a:prstGeom>
-          <a:ln>
-            <a:tailEnd type="arrow"/>
-          </a:ln>
-        </p:spPr>
-        <p:style>
-          <a:lnRef idx="2">
-            <a:schemeClr val="accent1"/>
-          </a:lnRef>
-          <a:fillRef idx="0">
-            <a:schemeClr val="accent1"/>
-          </a:fillRef>
-          <a:effectRef idx="1">
-            <a:schemeClr val="accent1"/>
-          </a:effectRef>
-          <a:fontRef idx="minor">
-            <a:schemeClr val="tx1"/>
-          </a:fontRef>
-        </p:style>
-      </p:cxnSp>
-      <p:sp>
-        <p:nvSpPr>
-          <p:cNvPr id="36" name="Rounded Rectangle 35"/>
-          <p:cNvSpPr/>
-          <p:nvPr/>
-        </p:nvSpPr>
-        <p:spPr>
-          <a:xfrm>
-            <a:off x="1880158" y="1709020"/>
-            <a:ext cx="1519068" cy="398251"/>
-          </a:xfrm>
-          <a:prstGeom prst="roundRect">
-            <a:avLst/>
-          </a:prstGeom>
-          <a:ln>
-            <a:solidFill>
-              <a:srgbClr val="008000"/>
-            </a:solidFill>
-          </a:ln>
-        </p:spPr>
-        <p:style>
-          <a:lnRef idx="2">
-            <a:schemeClr val="dk1"/>
-          </a:lnRef>
-          <a:fillRef idx="1">
-            <a:schemeClr val="lt1"/>
-          </a:fillRef>
-          <a:effectRef idx="0">
-            <a:schemeClr val="dk1"/>
-          </a:effectRef>
-          <a:fontRef idx="minor">
-            <a:schemeClr val="dk1"/>
-          </a:fontRef>
-        </p:style>
-        <p:txBody>
-          <a:bodyPr rtlCol="0" anchor="ctr"/>
-          <a:lstStyle/>
-          <a:p>
-            <a:pPr algn="ctr"/>
-            <a:r>
-              <a:rPr lang="en-US" sz="1400" b="1" i="1" dirty="0" smtClean="0">
-                <a:latin typeface="Times New Roman"/>
-                <a:cs typeface="Times New Roman"/>
-              </a:rPr>
-              <a:t>Expression Data</a:t>
-            </a:r>
-            <a:endParaRPr lang="en-US" sz="1400" b="1" i="1" dirty="0">
-              <a:latin typeface="Times New Roman"/>
-              <a:cs typeface="Times New Roman"/>
-            </a:endParaRPr>
-          </a:p>
-        </p:txBody>
-      </p:sp>
-      <p:cxnSp>
-        <p:nvCxnSpPr>
-          <p:cNvPr id="37" name="Straight Arrow Connector 36"/>
-          <p:cNvCxnSpPr>
-            <a:stCxn id="36" idx="3"/>
-            <a:endCxn id="7" idx="1"/>
-          </p:cNvCxnSpPr>
-          <p:nvPr/>
-        </p:nvCxnSpPr>
-        <p:spPr>
-          <a:xfrm>
-            <a:off x="3399226" y="1908146"/>
-            <a:ext cx="485623" cy="6172"/>
-          </a:xfrm>
-          <a:prstGeom prst="straightConnector1">
-            <a:avLst/>
-          </a:prstGeom>
-          <a:ln>
-            <a:tailEnd type="arrow"/>
-          </a:ln>
-        </p:spPr>
-        <p:style>
-          <a:lnRef idx="2">
-            <a:schemeClr val="accent1"/>
-          </a:lnRef>
-          <a:fillRef idx="0">
-            <a:schemeClr val="accent1"/>
-          </a:fillRef>
-          <a:effectRef idx="1">
-            <a:schemeClr val="accent1"/>
-          </a:effectRef>
-          <a:fontRef idx="minor">
-            <a:schemeClr val="tx1"/>
-          </a:fontRef>
-        </p:style>
-      </p:cxnSp>
-      <p:sp>
-        <p:nvSpPr>
-          <p:cNvPr id="57" name="TextBox 56"/>
-          <p:cNvSpPr txBox="1"/>
-          <p:nvPr/>
-        </p:nvSpPr>
-        <p:spPr>
-          <a:xfrm>
-            <a:off x="617849" y="2443264"/>
-            <a:ext cx="7483294" cy="369332"/>
-          </a:xfrm>
-          <a:prstGeom prst="rect">
-            <a:avLst/>
-          </a:prstGeom>
-          <a:noFill/>
-        </p:spPr>
-        <p:txBody>
-          <a:bodyPr wrap="square" rtlCol="0">
-            <a:spAutoFit/>
-          </a:bodyPr>
-          <a:lstStyle/>
-          <a:p>
-            <a:pPr algn="ctr"/>
-            <a:r>
-              <a:rPr lang="en-US" i="1" dirty="0" smtClean="0">
-                <a:latin typeface="Times New Roman"/>
-                <a:cs typeface="Times New Roman"/>
-              </a:rPr>
-              <a:t>Figure: Protocol used for estimating expression levels of gene-sets</a:t>
-            </a:r>
-            <a:endParaRPr lang="en-US" i="1" dirty="0">
-              <a:latin typeface="Times New Roman"/>
-              <a:cs typeface="Times New Roman"/>
-            </a:endParaRPr>
-          </a:p>
-        </p:txBody>
-      </p:sp>
-      <p:sp>
-        <p:nvSpPr>
-          <p:cNvPr id="31" name="Rounded Rectangle 30"/>
-          <p:cNvSpPr/>
-          <p:nvPr/>
-        </p:nvSpPr>
-        <p:spPr>
-          <a:xfrm>
-            <a:off x="1294946" y="3466057"/>
-            <a:ext cx="2004672" cy="522988"/>
-          </a:xfrm>
-          <a:prstGeom prst="roundRect">
-            <a:avLst/>
-          </a:prstGeom>
-          <a:ln>
-            <a:solidFill>
-              <a:srgbClr val="008000"/>
-            </a:solidFill>
-          </a:ln>
-        </p:spPr>
-        <p:style>
-          <a:lnRef idx="2">
-            <a:schemeClr val="dk1"/>
-          </a:lnRef>
-          <a:fillRef idx="1">
-            <a:schemeClr val="lt1"/>
-          </a:fillRef>
-          <a:effectRef idx="0">
-            <a:schemeClr val="dk1"/>
-          </a:effectRef>
-          <a:fontRef idx="minor">
-            <a:schemeClr val="dk1"/>
-          </a:fontRef>
-        </p:style>
-        <p:txBody>
-          <a:bodyPr rtlCol="0" anchor="ctr"/>
-          <a:lstStyle/>
-          <a:p>
-            <a:pPr algn="ctr"/>
-            <a:r>
-              <a:rPr lang="en-US" sz="1400" b="1" i="1" dirty="0" smtClean="0">
-                <a:latin typeface="Times New Roman"/>
-                <a:cs typeface="Times New Roman"/>
-              </a:rPr>
-              <a:t>Pairwise Sequence  Similarity Network</a:t>
-            </a:r>
-            <a:endParaRPr lang="en-US" sz="1400" b="1" i="1" dirty="0">
-              <a:latin typeface="Times New Roman"/>
-              <a:cs typeface="Times New Roman"/>
-            </a:endParaRPr>
-          </a:p>
-        </p:txBody>
-      </p:sp>
-      <p:sp>
-        <p:nvSpPr>
-          <p:cNvPr id="32" name="Rounded Rectangle 31"/>
-          <p:cNvSpPr/>
-          <p:nvPr/>
-        </p:nvSpPr>
-        <p:spPr>
-          <a:xfrm>
-            <a:off x="3872389" y="3469032"/>
-            <a:ext cx="1683935" cy="522988"/>
-          </a:xfrm>
-          <a:prstGeom prst="roundRect">
-            <a:avLst/>
-          </a:prstGeom>
-          <a:ln>
-            <a:solidFill>
-              <a:srgbClr val="008000"/>
-            </a:solidFill>
-          </a:ln>
-        </p:spPr>
-        <p:style>
-          <a:lnRef idx="2">
-            <a:schemeClr val="dk1"/>
-          </a:lnRef>
-          <a:fillRef idx="1">
-            <a:schemeClr val="lt1"/>
-          </a:fillRef>
-          <a:effectRef idx="0">
-            <a:schemeClr val="dk1"/>
-          </a:effectRef>
-          <a:fontRef idx="minor">
-            <a:schemeClr val="dk1"/>
-          </a:fontRef>
-        </p:style>
-        <p:txBody>
-          <a:bodyPr rtlCol="0" anchor="ctr"/>
-          <a:lstStyle/>
-          <a:p>
-            <a:pPr algn="ctr"/>
-            <a:r>
-              <a:rPr lang="en-US" sz="1400" b="1" i="1" dirty="0" smtClean="0">
-                <a:latin typeface="Times New Roman"/>
-                <a:cs typeface="Times New Roman"/>
-              </a:rPr>
-              <a:t>Network </a:t>
-            </a:r>
-          </a:p>
-          <a:p>
-            <a:pPr algn="ctr"/>
-            <a:r>
-              <a:rPr lang="en-US" sz="1400" b="1" i="1" dirty="0" smtClean="0">
-                <a:latin typeface="Times New Roman"/>
-                <a:cs typeface="Times New Roman"/>
-              </a:rPr>
-              <a:t>Flow Module</a:t>
-            </a:r>
-            <a:endParaRPr lang="en-US" sz="1400" b="1" i="1" dirty="0">
-              <a:latin typeface="Times New Roman"/>
-              <a:cs typeface="Times New Roman"/>
-            </a:endParaRPr>
-          </a:p>
-        </p:txBody>
-      </p:sp>
-      <p:sp>
-        <p:nvSpPr>
-          <p:cNvPr id="33" name="Rounded Rectangle 32"/>
-          <p:cNvSpPr/>
-          <p:nvPr/>
-        </p:nvSpPr>
-        <p:spPr>
-          <a:xfrm>
-            <a:off x="6163455" y="3496358"/>
-            <a:ext cx="1581321" cy="458306"/>
-          </a:xfrm>
-          <a:prstGeom prst="roundRect">
-            <a:avLst/>
-          </a:prstGeom>
-          <a:ln>
-            <a:solidFill>
-              <a:srgbClr val="008000"/>
-            </a:solidFill>
-          </a:ln>
-        </p:spPr>
-        <p:style>
-          <a:lnRef idx="2">
-            <a:schemeClr val="dk1"/>
-          </a:lnRef>
-          <a:fillRef idx="1">
-            <a:schemeClr val="lt1"/>
-          </a:fillRef>
-          <a:effectRef idx="0">
-            <a:schemeClr val="dk1"/>
-          </a:effectRef>
-          <a:fontRef idx="minor">
-            <a:schemeClr val="dk1"/>
-          </a:fontRef>
-        </p:style>
-        <p:txBody>
-          <a:bodyPr rtlCol="0" anchor="ctr"/>
-          <a:lstStyle/>
-          <a:p>
-            <a:pPr algn="ctr"/>
-            <a:r>
-              <a:rPr lang="en-US" sz="1400" b="1" i="1" dirty="0" smtClean="0">
-                <a:latin typeface="Times New Roman"/>
-                <a:cs typeface="Times New Roman"/>
-              </a:rPr>
-              <a:t>Sequences with Interaction Data</a:t>
-            </a:r>
-            <a:endParaRPr lang="en-US" sz="1400" b="1" i="1" dirty="0">
-              <a:latin typeface="Times New Roman"/>
-              <a:cs typeface="Times New Roman"/>
-            </a:endParaRPr>
-          </a:p>
-        </p:txBody>
-      </p:sp>
-      <p:sp>
-        <p:nvSpPr>
-          <p:cNvPr id="34" name="Rounded Rectangle 33"/>
-          <p:cNvSpPr/>
-          <p:nvPr/>
-        </p:nvSpPr>
-        <p:spPr>
-          <a:xfrm>
-            <a:off x="3785241" y="4381012"/>
-            <a:ext cx="1870692" cy="522988"/>
-          </a:xfrm>
-          <a:prstGeom prst="roundRect">
-            <a:avLst/>
-          </a:prstGeom>
-          <a:ln>
-            <a:solidFill>
-              <a:srgbClr val="008000"/>
-            </a:solidFill>
-          </a:ln>
-        </p:spPr>
-        <p:style>
-          <a:lnRef idx="2">
-            <a:schemeClr val="dk1"/>
-          </a:lnRef>
-          <a:fillRef idx="1">
-            <a:schemeClr val="lt1"/>
-          </a:fillRef>
-          <a:effectRef idx="0">
-            <a:schemeClr val="dk1"/>
-          </a:effectRef>
-          <a:fontRef idx="minor">
-            <a:schemeClr val="dk1"/>
-          </a:fontRef>
-        </p:style>
-        <p:txBody>
-          <a:bodyPr rtlCol="0" anchor="ctr"/>
-          <a:lstStyle/>
-          <a:p>
-            <a:pPr algn="ctr"/>
-            <a:r>
-              <a:rPr lang="en-US" sz="1400" b="1" i="1" dirty="0" smtClean="0">
-                <a:latin typeface="Times New Roman"/>
-                <a:cs typeface="Times New Roman"/>
-              </a:rPr>
-              <a:t>Predict Interaction Network</a:t>
-            </a:r>
-            <a:endParaRPr lang="en-US" sz="1400" b="1" i="1" dirty="0">
-              <a:latin typeface="Times New Roman"/>
-              <a:cs typeface="Times New Roman"/>
-            </a:endParaRPr>
-          </a:p>
-        </p:txBody>
-      </p:sp>
-      <p:cxnSp>
-        <p:nvCxnSpPr>
-          <p:cNvPr id="35" name="Straight Arrow Connector 34"/>
-          <p:cNvCxnSpPr>
-            <a:stCxn id="31" idx="3"/>
-            <a:endCxn id="32" idx="1"/>
-          </p:cNvCxnSpPr>
-          <p:nvPr/>
-        </p:nvCxnSpPr>
-        <p:spPr>
-          <a:xfrm>
-            <a:off x="3299618" y="3727551"/>
-            <a:ext cx="572771" cy="2975"/>
-          </a:xfrm>
-          <a:prstGeom prst="straightConnector1">
-            <a:avLst/>
-          </a:prstGeom>
-          <a:ln>
-            <a:tailEnd type="arrow"/>
-          </a:ln>
-        </p:spPr>
-        <p:style>
-          <a:lnRef idx="2">
-            <a:schemeClr val="accent1"/>
-          </a:lnRef>
-          <a:fillRef idx="0">
-            <a:schemeClr val="accent1"/>
-          </a:fillRef>
-          <a:effectRef idx="1">
-            <a:schemeClr val="accent1"/>
-          </a:effectRef>
-          <a:fontRef idx="minor">
-            <a:schemeClr val="tx1"/>
-          </a:fontRef>
-        </p:style>
-      </p:cxnSp>
-      <p:cxnSp>
-        <p:nvCxnSpPr>
-          <p:cNvPr id="38" name="Straight Arrow Connector 37"/>
-          <p:cNvCxnSpPr>
-            <a:stCxn id="33" idx="1"/>
-            <a:endCxn id="32" idx="3"/>
-          </p:cNvCxnSpPr>
-          <p:nvPr/>
-        </p:nvCxnSpPr>
-        <p:spPr>
-          <a:xfrm flipH="1">
-            <a:off x="5556324" y="3725511"/>
-            <a:ext cx="607131" cy="5015"/>
-          </a:xfrm>
-          <a:prstGeom prst="straightConnector1">
-            <a:avLst/>
-          </a:prstGeom>
-          <a:ln>
-            <a:tailEnd type="arrow"/>
-          </a:ln>
-        </p:spPr>
-        <p:style>
-          <a:lnRef idx="2">
-            <a:schemeClr val="accent1"/>
-          </a:lnRef>
-          <a:fillRef idx="0">
-            <a:schemeClr val="accent1"/>
-          </a:fillRef>
-          <a:effectRef idx="1">
-            <a:schemeClr val="accent1"/>
-          </a:effectRef>
-          <a:fontRef idx="minor">
-            <a:schemeClr val="tx1"/>
-          </a:fontRef>
-        </p:style>
-      </p:cxnSp>
-      <p:cxnSp>
-        <p:nvCxnSpPr>
-          <p:cNvPr id="39" name="Straight Arrow Connector 38"/>
-          <p:cNvCxnSpPr>
-            <a:stCxn id="32" idx="2"/>
-            <a:endCxn id="34" idx="0"/>
-          </p:cNvCxnSpPr>
-          <p:nvPr/>
-        </p:nvCxnSpPr>
-        <p:spPr>
-          <a:xfrm>
-            <a:off x="4714357" y="3992020"/>
-            <a:ext cx="6230" cy="388992"/>
-          </a:xfrm>
-          <a:prstGeom prst="straightConnector1">
-            <a:avLst/>
-          </a:prstGeom>
-          <a:ln>
-            <a:tailEnd type="arrow"/>
-          </a:ln>
-        </p:spPr>
-        <p:style>
-          <a:lnRef idx="2">
-            <a:schemeClr val="accent1"/>
-          </a:lnRef>
-          <a:fillRef idx="0">
-            <a:schemeClr val="accent1"/>
-          </a:fillRef>
-          <a:effectRef idx="1">
-            <a:schemeClr val="accent1"/>
-          </a:effectRef>
-          <a:fontRef idx="minor">
-            <a:schemeClr val="tx1"/>
-          </a:fontRef>
-        </p:style>
-      </p:cxnSp>
-      <p:sp>
-        <p:nvSpPr>
-          <p:cNvPr id="42" name="TextBox 41"/>
-          <p:cNvSpPr txBox="1"/>
-          <p:nvPr/>
-        </p:nvSpPr>
-        <p:spPr>
-          <a:xfrm>
-            <a:off x="555591" y="5915734"/>
-            <a:ext cx="7483294" cy="369332"/>
-          </a:xfrm>
-          <a:prstGeom prst="rect">
-            <a:avLst/>
-          </a:prstGeom>
-          <a:noFill/>
-        </p:spPr>
-        <p:txBody>
-          <a:bodyPr wrap="square" rtlCol="0">
-            <a:spAutoFit/>
-          </a:bodyPr>
-          <a:lstStyle/>
-          <a:p>
-            <a:pPr algn="ctr"/>
-            <a:r>
-              <a:rPr lang="en-US" i="1" dirty="0" smtClean="0">
-                <a:latin typeface="Times New Roman"/>
-                <a:cs typeface="Times New Roman"/>
-              </a:rPr>
-              <a:t>Figure: Protocol used for estimating expression levels of gene-sets</a:t>
-            </a:r>
-            <a:endParaRPr lang="en-US" i="1" dirty="0">
-              <a:latin typeface="Times New Roman"/>
-              <a:cs typeface="Times New Roman"/>
-            </a:endParaRPr>
-          </a:p>
-        </p:txBody>
-      </p:sp>
-      <p:sp>
-        <p:nvSpPr>
-          <p:cNvPr id="44" name="Rounded Rectangle 43"/>
-          <p:cNvSpPr/>
-          <p:nvPr/>
-        </p:nvSpPr>
-        <p:spPr>
-          <a:xfrm>
-            <a:off x="6166472" y="4418278"/>
-            <a:ext cx="1581321" cy="458306"/>
-          </a:xfrm>
-          <a:prstGeom prst="roundRect">
-            <a:avLst/>
-          </a:prstGeom>
-          <a:ln>
-            <a:solidFill>
-              <a:srgbClr val="008000"/>
-            </a:solidFill>
-          </a:ln>
-        </p:spPr>
-        <p:style>
-          <a:lnRef idx="2">
-            <a:schemeClr val="dk1"/>
-          </a:lnRef>
-          <a:fillRef idx="1">
-            <a:schemeClr val="lt1"/>
-          </a:fillRef>
-          <a:effectRef idx="0">
-            <a:schemeClr val="dk1"/>
-          </a:effectRef>
-          <a:fontRef idx="minor">
-            <a:schemeClr val="dk1"/>
-          </a:fontRef>
-        </p:style>
-        <p:txBody>
-          <a:bodyPr rtlCol="0" anchor="ctr"/>
-          <a:lstStyle/>
-          <a:p>
-            <a:pPr algn="ctr"/>
-            <a:r>
-              <a:rPr lang="en-US" sz="1400" b="1" i="1" dirty="0" smtClean="0">
-                <a:latin typeface="Times New Roman"/>
-                <a:cs typeface="Times New Roman"/>
-              </a:rPr>
-              <a:t>Interaction Network Data</a:t>
-            </a:r>
-            <a:endParaRPr lang="en-US" sz="1400" b="1" i="1" dirty="0">
-              <a:latin typeface="Times New Roman"/>
-              <a:cs typeface="Times New Roman"/>
-            </a:endParaRPr>
-          </a:p>
-        </p:txBody>
-      </p:sp>
-      <p:cxnSp>
-        <p:nvCxnSpPr>
-          <p:cNvPr id="45" name="Straight Arrow Connector 44"/>
-          <p:cNvCxnSpPr>
-            <a:stCxn id="44" idx="0"/>
-            <a:endCxn id="33" idx="2"/>
-          </p:cNvCxnSpPr>
-          <p:nvPr/>
-        </p:nvCxnSpPr>
-        <p:spPr>
-          <a:xfrm flipH="1" flipV="1">
-            <a:off x="6954116" y="3954664"/>
-            <a:ext cx="3017" cy="463614"/>
-          </a:xfrm>
-          <a:prstGeom prst="straightConnector1">
-            <a:avLst/>
-          </a:prstGeom>
-          <a:ln>
-            <a:tailEnd type="arrow"/>
-          </a:ln>
-        </p:spPr>
-        <p:style>
-          <a:lnRef idx="2">
-            <a:schemeClr val="accent1"/>
-          </a:lnRef>
-          <a:fillRef idx="0">
-            <a:schemeClr val="accent1"/>
-          </a:fillRef>
-          <a:effectRef idx="1">
-            <a:schemeClr val="accent1"/>
-          </a:effectRef>
-          <a:fontRef idx="minor">
-            <a:schemeClr val="tx1"/>
-          </a:fontRef>
-        </p:style>
-      </p:cxnSp>
-      <p:sp>
-        <p:nvSpPr>
-          <p:cNvPr id="46" name="Rounded Rectangle 45"/>
-          <p:cNvSpPr/>
-          <p:nvPr/>
-        </p:nvSpPr>
-        <p:spPr>
-          <a:xfrm>
-            <a:off x="2253726" y="5205827"/>
-            <a:ext cx="1967300" cy="522988"/>
-          </a:xfrm>
-          <a:prstGeom prst="roundRect">
-            <a:avLst/>
-          </a:prstGeom>
-          <a:ln>
-            <a:solidFill>
-              <a:srgbClr val="008000"/>
-            </a:solidFill>
-          </a:ln>
-        </p:spPr>
-        <p:style>
-          <a:lnRef idx="2">
-            <a:schemeClr val="dk1"/>
-          </a:lnRef>
-          <a:fillRef idx="1">
-            <a:schemeClr val="lt1"/>
-          </a:fillRef>
-          <a:effectRef idx="0">
-            <a:schemeClr val="dk1"/>
-          </a:effectRef>
-          <a:fontRef idx="minor">
-            <a:schemeClr val="dk1"/>
-          </a:fontRef>
-        </p:style>
-        <p:txBody>
-          <a:bodyPr rtlCol="0" anchor="ctr"/>
-          <a:lstStyle/>
-          <a:p>
-            <a:pPr algn="ctr"/>
-            <a:r>
-              <a:rPr lang="en-US" sz="1400" b="1" i="1" dirty="0" smtClean="0">
-                <a:latin typeface="Times New Roman"/>
-                <a:cs typeface="Times New Roman"/>
-              </a:rPr>
-              <a:t>Summarize Expression </a:t>
-            </a:r>
-          </a:p>
-          <a:p>
-            <a:pPr algn="ctr"/>
-            <a:r>
-              <a:rPr lang="en-US" sz="1400" b="1" i="1" dirty="0" smtClean="0">
-                <a:latin typeface="Times New Roman"/>
-                <a:cs typeface="Times New Roman"/>
-              </a:rPr>
-              <a:t>for Interaction Units</a:t>
-            </a:r>
-            <a:endParaRPr lang="en-US" sz="1400" b="1" i="1" dirty="0">
-              <a:latin typeface="Times New Roman"/>
-              <a:cs typeface="Times New Roman"/>
-            </a:endParaRPr>
-          </a:p>
-        </p:txBody>
-      </p:sp>
-      <p:sp>
-        <p:nvSpPr>
-          <p:cNvPr id="47" name="Rounded Rectangle 46"/>
-          <p:cNvSpPr/>
-          <p:nvPr/>
-        </p:nvSpPr>
-        <p:spPr>
-          <a:xfrm>
-            <a:off x="1319878" y="4631506"/>
-            <a:ext cx="1519068" cy="398251"/>
-          </a:xfrm>
-          <a:prstGeom prst="roundRect">
-            <a:avLst/>
-          </a:prstGeom>
-          <a:ln>
-            <a:solidFill>
-              <a:srgbClr val="008000"/>
-            </a:solidFill>
-          </a:ln>
-        </p:spPr>
-        <p:style>
-          <a:lnRef idx="2">
-            <a:schemeClr val="dk1"/>
-          </a:lnRef>
-          <a:fillRef idx="1">
-            <a:schemeClr val="lt1"/>
-          </a:fillRef>
-          <a:effectRef idx="0">
-            <a:schemeClr val="dk1"/>
-          </a:effectRef>
-          <a:fontRef idx="minor">
-            <a:schemeClr val="dk1"/>
-          </a:fontRef>
-        </p:style>
-        <p:txBody>
-          <a:bodyPr rtlCol="0" anchor="ctr"/>
-          <a:lstStyle/>
-          <a:p>
-            <a:pPr algn="ctr"/>
-            <a:r>
-              <a:rPr lang="en-US" sz="1400" b="1" i="1" dirty="0" smtClean="0">
-                <a:latin typeface="Times New Roman"/>
-                <a:cs typeface="Times New Roman"/>
-              </a:rPr>
-              <a:t>Expression Data</a:t>
-            </a:r>
-            <a:endParaRPr lang="en-US" sz="1400" b="1" i="1" dirty="0">
-              <a:latin typeface="Times New Roman"/>
-              <a:cs typeface="Times New Roman"/>
-            </a:endParaRPr>
-          </a:p>
-        </p:txBody>
-      </p:sp>
-      <p:cxnSp>
-        <p:nvCxnSpPr>
-          <p:cNvPr id="48" name="Straight Arrow Connector 47"/>
-          <p:cNvCxnSpPr>
-            <a:stCxn id="47" idx="3"/>
-            <a:endCxn id="46" idx="0"/>
-          </p:cNvCxnSpPr>
-          <p:nvPr/>
-        </p:nvCxnSpPr>
-        <p:spPr>
-          <a:xfrm>
-            <a:off x="2838946" y="4830632"/>
-            <a:ext cx="398430" cy="375195"/>
-          </a:xfrm>
-          <a:prstGeom prst="straightConnector1">
-            <a:avLst/>
-          </a:prstGeom>
-          <a:ln>
-            <a:tailEnd type="arrow"/>
-          </a:ln>
-        </p:spPr>
-        <p:style>
-          <a:lnRef idx="2">
-            <a:schemeClr val="accent1"/>
-          </a:lnRef>
-          <a:fillRef idx="0">
-            <a:schemeClr val="accent1"/>
-          </a:fillRef>
-          <a:effectRef idx="1">
-            <a:schemeClr val="accent1"/>
-          </a:effectRef>
-          <a:fontRef idx="minor">
-            <a:schemeClr val="tx1"/>
-          </a:fontRef>
-        </p:style>
-      </p:cxnSp>
-      <p:cxnSp>
-        <p:nvCxnSpPr>
-          <p:cNvPr id="69" name="Straight Arrow Connector 68"/>
-          <p:cNvCxnSpPr>
-            <a:stCxn id="44" idx="1"/>
-            <a:endCxn id="34" idx="3"/>
-          </p:cNvCxnSpPr>
-          <p:nvPr/>
-        </p:nvCxnSpPr>
-        <p:spPr>
-          <a:xfrm flipH="1" flipV="1">
-            <a:off x="5655933" y="4642506"/>
-            <a:ext cx="510539" cy="4925"/>
-          </a:xfrm>
-          <a:prstGeom prst="straightConnector1">
-            <a:avLst/>
-          </a:prstGeom>
-          <a:ln>
-            <a:tailEnd type="arrow"/>
-          </a:ln>
-        </p:spPr>
-        <p:style>
-          <a:lnRef idx="2">
-            <a:schemeClr val="accent1"/>
-          </a:lnRef>
-          <a:fillRef idx="0">
-            <a:schemeClr val="accent1"/>
-          </a:fillRef>
-          <a:effectRef idx="1">
-            <a:schemeClr val="accent1"/>
-          </a:effectRef>
-          <a:fontRef idx="minor">
-            <a:schemeClr val="tx1"/>
-          </a:fontRef>
-        </p:style>
-      </p:cxnSp>
-      <p:cxnSp>
-        <p:nvCxnSpPr>
-          <p:cNvPr id="83" name="Elbow Connector 82"/>
-          <p:cNvCxnSpPr>
-            <a:stCxn id="34" idx="1"/>
-            <a:endCxn id="46" idx="0"/>
-          </p:cNvCxnSpPr>
-          <p:nvPr/>
-        </p:nvCxnSpPr>
-        <p:spPr>
-          <a:xfrm rot="10800000" flipV="1">
-            <a:off x="3237377" y="4642505"/>
-            <a:ext cx="547865" cy="563321"/>
-          </a:xfrm>
-          <a:prstGeom prst="bentConnector2">
-            <a:avLst/>
-          </a:prstGeom>
-          <a:ln>
-            <a:tailEnd type="arrow"/>
-          </a:ln>
-        </p:spPr>
-        <p:style>
-          <a:lnRef idx="2">
-            <a:schemeClr val="accent1"/>
-          </a:lnRef>
-          <a:fillRef idx="0">
-            <a:schemeClr val="accent1"/>
-          </a:fillRef>
-          <a:effectRef idx="1">
-            <a:schemeClr val="accent1"/>
-          </a:effectRef>
-          <a:fontRef idx="minor">
-            <a:schemeClr val="tx1"/>
-          </a:fontRef>
-        </p:style>
-      </p:cxnSp>
-      <p:sp>
-        <p:nvSpPr>
-          <p:cNvPr id="88" name="Rounded Rectangle 87"/>
-          <p:cNvSpPr/>
-          <p:nvPr/>
-        </p:nvSpPr>
-        <p:spPr>
-          <a:xfrm>
-            <a:off x="4373451" y="5193375"/>
-            <a:ext cx="1391552" cy="522988"/>
-          </a:xfrm>
-          <a:prstGeom prst="roundRect">
-            <a:avLst/>
-          </a:prstGeom>
-          <a:ln>
-            <a:solidFill>
-              <a:srgbClr val="008000"/>
-            </a:solidFill>
-          </a:ln>
-        </p:spPr>
-        <p:style>
-          <a:lnRef idx="2">
-            <a:schemeClr val="dk1"/>
-          </a:lnRef>
-          <a:fillRef idx="1">
-            <a:schemeClr val="lt1"/>
-          </a:fillRef>
-          <a:effectRef idx="0">
-            <a:schemeClr val="dk1"/>
-          </a:effectRef>
-          <a:fontRef idx="minor">
-            <a:schemeClr val="dk1"/>
-          </a:fontRef>
-        </p:style>
-        <p:txBody>
-          <a:bodyPr rtlCol="0" anchor="ctr"/>
-          <a:lstStyle/>
-          <a:p>
-            <a:pPr algn="ctr"/>
-            <a:r>
-              <a:rPr lang="en-US" sz="1400" b="1" i="1" dirty="0" smtClean="0">
-                <a:latin typeface="Times New Roman"/>
-                <a:cs typeface="Times New Roman"/>
-              </a:rPr>
-              <a:t>Predict Protein Complexes</a:t>
-            </a:r>
-            <a:endParaRPr lang="en-US" sz="1400" b="1" i="1" dirty="0">
-              <a:latin typeface="Times New Roman"/>
-              <a:cs typeface="Times New Roman"/>
-            </a:endParaRPr>
-          </a:p>
-        </p:txBody>
-      </p:sp>
-      <p:cxnSp>
-        <p:nvCxnSpPr>
-          <p:cNvPr id="89" name="Straight Arrow Connector 88"/>
-          <p:cNvCxnSpPr>
-            <a:stCxn id="34" idx="2"/>
-            <a:endCxn id="88" idx="0"/>
-          </p:cNvCxnSpPr>
-          <p:nvPr/>
-        </p:nvCxnSpPr>
-        <p:spPr>
-          <a:xfrm>
-            <a:off x="4720587" y="4904000"/>
-            <a:ext cx="348640" cy="289375"/>
-          </a:xfrm>
-          <a:prstGeom prst="straightConnector1">
-            <a:avLst/>
-          </a:prstGeom>
-          <a:ln>
-            <a:tailEnd type="arrow"/>
-          </a:ln>
-        </p:spPr>
-        <p:style>
-          <a:lnRef idx="2">
-            <a:schemeClr val="accent1"/>
-          </a:lnRef>
-          <a:fillRef idx="0">
-            <a:schemeClr val="accent1"/>
-          </a:fillRef>
-          <a:effectRef idx="1">
-            <a:schemeClr val="accent1"/>
-          </a:effectRef>
-          <a:fontRef idx="minor">
-            <a:schemeClr val="tx1"/>
-          </a:fontRef>
-        </p:style>
-      </p:cxnSp>
-    </p:spTree>
-    <p:extLst>
-      <p:ext uri="{BB962C8B-B14F-4D97-AF65-F5344CB8AC3E}">
-        <p14:creationId xmlns:p14="http://schemas.microsoft.com/office/powerpoint/2010/main" val="1679668269"/>
-      </p:ext>
-    </p:extLst>
-  </p:cSld>
-  <p:clrMapOvr>
-    <a:masterClrMapping/>
-  </p:clrMapOvr>
-  <p:timing>
-    <p:tnLst>
-      <p:par>
-        <p:cTn xmlns:p14="http://schemas.microsoft.com/office/powerpoint/2010/main" id="1" dur="indefinite" restart="never" nodeType="tmRoot"/>
-      </p:par>
-    </p:tnLst>
-  </p:timing>
-</p:sld>
-</file>
-
 <file path=ppt/slides/slide13.xml><?xml version="1.0" encoding="utf-8"?>
 <p:sld xmlns:a="http://schemas.openxmlformats.org/drawingml/2006/main" xmlns:r="http://schemas.openxmlformats.org/officeDocument/2006/relationships" xmlns:p="http://schemas.openxmlformats.org/presentationml/2006/main">
   <p:cSld>
@@ -10401,31 +9224,36 @@
       </p:grpSpPr>
       <p:sp>
         <p:nvSpPr>
-          <p:cNvPr id="3" name="Oval 2"/>
+          <p:cNvPr id="4" name="Rounded Rectangle 3"/>
           <p:cNvSpPr/>
           <p:nvPr/>
         </p:nvSpPr>
         <p:spPr>
           <a:xfrm>
-            <a:off x="1045920" y="1015336"/>
-            <a:ext cx="273930" cy="273946"/>
-          </a:xfrm>
-          <a:prstGeom prst="ellipse">
-            <a:avLst/>
-          </a:prstGeom>
+            <a:off x="1195328" y="744149"/>
+            <a:ext cx="2203898" cy="522988"/>
+          </a:xfrm>
+          <a:prstGeom prst="roundRect">
+            <a:avLst/>
+          </a:prstGeom>
+          <a:ln>
+            <a:solidFill>
+              <a:srgbClr val="008000"/>
+            </a:solidFill>
+          </a:ln>
         </p:spPr>
         <p:style>
-          <a:lnRef idx="1">
-            <a:schemeClr val="accent1"/>
+          <a:lnRef idx="2">
+            <a:schemeClr val="dk1"/>
           </a:lnRef>
-          <a:fillRef idx="3">
-            <a:schemeClr val="accent1"/>
+          <a:fillRef idx="1">
+            <a:schemeClr val="lt1"/>
           </a:fillRef>
-          <a:effectRef idx="2">
-            <a:schemeClr val="accent1"/>
+          <a:effectRef idx="0">
+            <a:schemeClr val="dk1"/>
           </a:effectRef>
           <a:fontRef idx="minor">
-            <a:schemeClr val="lt1"/>
+            <a:schemeClr val="dk1"/>
           </a:fontRef>
         </p:style>
         <p:txBody>
@@ -10433,114 +9261,12 @@
           <a:lstStyle/>
           <a:p>
             <a:pPr algn="ctr"/>
-            <a:endParaRPr lang="en-US"/>
-          </a:p>
-        </p:txBody>
-      </p:sp>
-      <p:sp>
-        <p:nvSpPr>
-          <p:cNvPr id="4" name="Oval 3"/>
-          <p:cNvSpPr/>
-          <p:nvPr/>
-        </p:nvSpPr>
-        <p:spPr>
-          <a:xfrm>
-            <a:off x="2107273" y="1015336"/>
-            <a:ext cx="273930" cy="273946"/>
-          </a:xfrm>
-          <a:prstGeom prst="ellipse">
-            <a:avLst/>
-          </a:prstGeom>
-        </p:spPr>
-        <p:style>
-          <a:lnRef idx="1">
-            <a:schemeClr val="accent1"/>
-          </a:lnRef>
-          <a:fillRef idx="3">
-            <a:schemeClr val="accent1"/>
-          </a:fillRef>
-          <a:effectRef idx="2">
-            <a:schemeClr val="accent1"/>
-          </a:effectRef>
-          <a:fontRef idx="minor">
-            <a:schemeClr val="lt1"/>
-          </a:fontRef>
-        </p:style>
-        <p:txBody>
-          <a:bodyPr rtlCol="0" anchor="ctr"/>
-          <a:lstStyle/>
-          <a:p>
-            <a:pPr algn="ctr"/>
-            <a:endParaRPr lang="en-US"/>
-          </a:p>
-        </p:txBody>
-      </p:sp>
-      <p:sp>
-        <p:nvSpPr>
-          <p:cNvPr id="5" name="Oval 4"/>
-          <p:cNvSpPr/>
-          <p:nvPr/>
-        </p:nvSpPr>
-        <p:spPr>
-          <a:xfrm>
-            <a:off x="6729715" y="556817"/>
-            <a:ext cx="273930" cy="273946"/>
-          </a:xfrm>
-          <a:prstGeom prst="ellipse">
-            <a:avLst/>
-          </a:prstGeom>
-        </p:spPr>
-        <p:style>
-          <a:lnRef idx="1">
-            <a:schemeClr val="accent1"/>
-          </a:lnRef>
-          <a:fillRef idx="3">
-            <a:schemeClr val="accent1"/>
-          </a:fillRef>
-          <a:effectRef idx="2">
-            <a:schemeClr val="accent1"/>
-          </a:effectRef>
-          <a:fontRef idx="minor">
-            <a:schemeClr val="lt1"/>
-          </a:fontRef>
-        </p:style>
-        <p:txBody>
-          <a:bodyPr rtlCol="0" anchor="ctr"/>
-          <a:lstStyle/>
-          <a:p>
-            <a:pPr algn="ctr"/>
-            <a:endParaRPr lang="en-US"/>
-          </a:p>
-        </p:txBody>
-      </p:sp>
-      <p:sp>
-        <p:nvSpPr>
-          <p:cNvPr id="6" name="TextBox 5"/>
-          <p:cNvSpPr txBox="1"/>
-          <p:nvPr/>
-        </p:nvSpPr>
-        <p:spPr>
-          <a:xfrm>
-            <a:off x="7147106" y="473180"/>
-            <a:ext cx="1996894" cy="307777"/>
-          </a:xfrm>
-          <a:prstGeom prst="rect">
-            <a:avLst/>
-          </a:prstGeom>
-          <a:noFill/>
-        </p:spPr>
-        <p:txBody>
-          <a:bodyPr wrap="square" rtlCol="0">
-            <a:spAutoFit/>
-          </a:bodyPr>
-          <a:lstStyle/>
-          <a:p>
             <a:r>
               <a:rPr lang="en-US" sz="1400" b="1" i="1" dirty="0" smtClean="0">
                 <a:latin typeface="Times New Roman"/>
                 <a:cs typeface="Times New Roman"/>
               </a:rPr>
-              <a:t>Source Sequences</a:t>
+              <a:t>Pairwise Sequence  Similarity Network</a:t>
             </a:r>
             <a:endParaRPr lang="en-US" sz="1400" b="1" i="1" dirty="0">
               <a:latin typeface="Times New Roman"/>
@@ -10551,33 +9277,36 @@
       </p:sp>
       <p:sp>
         <p:nvSpPr>
-          <p:cNvPr id="7" name="Oval 6"/>
+          <p:cNvPr id="5" name="Rounded Rectangle 4"/>
           <p:cNvSpPr/>
           <p:nvPr/>
         </p:nvSpPr>
         <p:spPr>
           <a:xfrm>
-            <a:off x="600653" y="1616013"/>
-            <a:ext cx="273930" cy="273946"/>
-          </a:xfrm>
-          <a:prstGeom prst="ellipse">
-            <a:avLst/>
-          </a:prstGeom>
+            <a:off x="3884849" y="747124"/>
+            <a:ext cx="1870692" cy="522988"/>
+          </a:xfrm>
+          <a:prstGeom prst="roundRect">
+            <a:avLst/>
+          </a:prstGeom>
+          <a:ln>
+            <a:solidFill>
+              <a:srgbClr val="008000"/>
+            </a:solidFill>
+          </a:ln>
         </p:spPr>
         <p:style>
           <a:lnRef idx="2">
-            <a:schemeClr val="accent3">
-              <a:shade val="50000"/>
-            </a:schemeClr>
+            <a:schemeClr val="dk1"/>
           </a:lnRef>
           <a:fillRef idx="1">
-            <a:schemeClr val="accent3"/>
+            <a:schemeClr val="lt1"/>
           </a:fillRef>
           <a:effectRef idx="0">
-            <a:schemeClr val="accent3"/>
+            <a:schemeClr val="dk1"/>
           </a:effectRef>
           <a:fontRef idx="minor">
-            <a:schemeClr val="lt1"/>
+            <a:schemeClr val="dk1"/>
           </a:fontRef>
         </p:style>
         <p:txBody>
@@ -10585,198 +9314,22 @@
           <a:lstStyle/>
           <a:p>
             <a:pPr algn="ctr"/>
-            <a:endParaRPr lang="en-US"/>
-          </a:p>
-        </p:txBody>
-      </p:sp>
-      <p:sp>
-        <p:nvSpPr>
-          <p:cNvPr id="8" name="Oval 7"/>
-          <p:cNvSpPr/>
-          <p:nvPr/>
-        </p:nvSpPr>
-        <p:spPr>
-          <a:xfrm>
-            <a:off x="575751" y="523202"/>
-            <a:ext cx="273930" cy="273946"/>
-          </a:xfrm>
-          <a:prstGeom prst="ellipse">
-            <a:avLst/>
-          </a:prstGeom>
-        </p:spPr>
-        <p:style>
-          <a:lnRef idx="2">
-            <a:schemeClr val="accent3">
-              <a:shade val="50000"/>
-            </a:schemeClr>
-          </a:lnRef>
-          <a:fillRef idx="1">
-            <a:schemeClr val="accent3"/>
-          </a:fillRef>
-          <a:effectRef idx="0">
-            <a:schemeClr val="accent3"/>
-          </a:effectRef>
-          <a:fontRef idx="minor">
-            <a:schemeClr val="lt1"/>
-          </a:fontRef>
-        </p:style>
-        <p:txBody>
-          <a:bodyPr rtlCol="0" anchor="ctr"/>
-          <a:lstStyle/>
-          <a:p>
-            <a:pPr algn="ctr"/>
-            <a:endParaRPr lang="en-US"/>
-          </a:p>
-        </p:txBody>
-      </p:sp>
-      <p:sp>
-        <p:nvSpPr>
-          <p:cNvPr id="9" name="Oval 8"/>
-          <p:cNvSpPr/>
-          <p:nvPr/>
-        </p:nvSpPr>
-        <p:spPr>
-          <a:xfrm>
-            <a:off x="2585211" y="1689195"/>
-            <a:ext cx="273930" cy="273946"/>
-          </a:xfrm>
-          <a:prstGeom prst="ellipse">
-            <a:avLst/>
-          </a:prstGeom>
-        </p:spPr>
-        <p:style>
-          <a:lnRef idx="2">
-            <a:schemeClr val="accent3">
-              <a:shade val="50000"/>
-            </a:schemeClr>
-          </a:lnRef>
-          <a:fillRef idx="1">
-            <a:schemeClr val="accent3"/>
-          </a:fillRef>
-          <a:effectRef idx="0">
-            <a:schemeClr val="accent3"/>
-          </a:effectRef>
-          <a:fontRef idx="minor">
-            <a:schemeClr val="lt1"/>
-          </a:fontRef>
-        </p:style>
-        <p:txBody>
-          <a:bodyPr rtlCol="0" anchor="ctr"/>
-          <a:lstStyle/>
-          <a:p>
-            <a:pPr algn="ctr"/>
-            <a:endParaRPr lang="en-US"/>
-          </a:p>
-        </p:txBody>
-      </p:sp>
-      <p:sp>
-        <p:nvSpPr>
-          <p:cNvPr id="10" name="Oval 9"/>
-          <p:cNvSpPr/>
-          <p:nvPr/>
-        </p:nvSpPr>
-        <p:spPr>
-          <a:xfrm>
-            <a:off x="2611074" y="472628"/>
-            <a:ext cx="273930" cy="273946"/>
-          </a:xfrm>
-          <a:prstGeom prst="ellipse">
-            <a:avLst/>
-          </a:prstGeom>
-        </p:spPr>
-        <p:style>
-          <a:lnRef idx="2">
-            <a:schemeClr val="accent3">
-              <a:shade val="50000"/>
-            </a:schemeClr>
-          </a:lnRef>
-          <a:fillRef idx="1">
-            <a:schemeClr val="accent3"/>
-          </a:fillRef>
-          <a:effectRef idx="0">
-            <a:schemeClr val="accent3"/>
-          </a:effectRef>
-          <a:fontRef idx="minor">
-            <a:schemeClr val="lt1"/>
-          </a:fontRef>
-        </p:style>
-        <p:txBody>
-          <a:bodyPr rtlCol="0" anchor="ctr"/>
-          <a:lstStyle/>
-          <a:p>
-            <a:pPr algn="ctr"/>
-            <a:endParaRPr lang="en-US"/>
-          </a:p>
-        </p:txBody>
-      </p:sp>
-      <p:sp>
-        <p:nvSpPr>
-          <p:cNvPr id="11" name="Oval 10"/>
-          <p:cNvSpPr/>
-          <p:nvPr/>
-        </p:nvSpPr>
-        <p:spPr>
-          <a:xfrm>
-            <a:off x="6745150" y="1049413"/>
-            <a:ext cx="273930" cy="273946"/>
-          </a:xfrm>
-          <a:prstGeom prst="ellipse">
-            <a:avLst/>
-          </a:prstGeom>
-        </p:spPr>
-        <p:style>
-          <a:lnRef idx="2">
-            <a:schemeClr val="accent3">
-              <a:shade val="50000"/>
-            </a:schemeClr>
-          </a:lnRef>
-          <a:fillRef idx="1">
-            <a:schemeClr val="accent3"/>
-          </a:fillRef>
-          <a:effectRef idx="0">
-            <a:schemeClr val="accent3"/>
-          </a:effectRef>
-          <a:fontRef idx="minor">
-            <a:schemeClr val="lt1"/>
-          </a:fontRef>
-        </p:style>
-        <p:txBody>
-          <a:bodyPr rtlCol="0" anchor="ctr"/>
-          <a:lstStyle/>
-          <a:p>
-            <a:pPr algn="ctr"/>
-            <a:endParaRPr lang="en-US"/>
-          </a:p>
-        </p:txBody>
-      </p:sp>
-      <p:sp>
-        <p:nvSpPr>
-          <p:cNvPr id="12" name="TextBox 11"/>
-          <p:cNvSpPr txBox="1"/>
-          <p:nvPr/>
-        </p:nvSpPr>
-        <p:spPr>
-          <a:xfrm>
-            <a:off x="7162541" y="965776"/>
-            <a:ext cx="1996894" cy="307777"/>
-          </a:xfrm>
-          <a:prstGeom prst="rect">
-            <a:avLst/>
-          </a:prstGeom>
-          <a:noFill/>
-        </p:spPr>
-        <p:txBody>
-          <a:bodyPr wrap="square" rtlCol="0">
-            <a:spAutoFit/>
-          </a:bodyPr>
-          <a:lstStyle/>
-          <a:p>
             <a:r>
               <a:rPr lang="en-US" sz="1400" b="1" i="1" dirty="0" smtClean="0">
                 <a:latin typeface="Times New Roman"/>
                 <a:cs typeface="Times New Roman"/>
               </a:rPr>
-              <a:t>Target Sequences</a:t>
+              <a:t>Network </a:t>
+            </a:r>
+          </a:p>
+          <a:p>
+            <a:pPr algn="ctr"/>
+            <a:r>
+              <a:rPr lang="en-US" sz="1400" b="1" i="1" dirty="0" smtClean="0">
+                <a:latin typeface="Times New Roman"/>
+                <a:cs typeface="Times New Roman"/>
+              </a:rPr>
+              <a:t>Flow Module</a:t>
             </a:r>
             <a:endParaRPr lang="en-US" sz="1400" b="1" i="1" dirty="0">
               <a:latin typeface="Times New Roman"/>
@@ -10785,28 +9338,131 @@
           </a:p>
         </p:txBody>
       </p:sp>
+      <p:sp>
+        <p:nvSpPr>
+          <p:cNvPr id="6" name="Rounded Rectangle 5"/>
+          <p:cNvSpPr/>
+          <p:nvPr/>
+        </p:nvSpPr>
+        <p:spPr>
+          <a:xfrm>
+            <a:off x="6263063" y="811806"/>
+            <a:ext cx="1581321" cy="393073"/>
+          </a:xfrm>
+          <a:prstGeom prst="roundRect">
+            <a:avLst/>
+          </a:prstGeom>
+          <a:ln>
+            <a:solidFill>
+              <a:srgbClr val="008000"/>
+            </a:solidFill>
+          </a:ln>
+        </p:spPr>
+        <p:style>
+          <a:lnRef idx="2">
+            <a:schemeClr val="dk1"/>
+          </a:lnRef>
+          <a:fillRef idx="1">
+            <a:schemeClr val="lt1"/>
+          </a:fillRef>
+          <a:effectRef idx="0">
+            <a:schemeClr val="dk1"/>
+          </a:effectRef>
+          <a:fontRef idx="minor">
+            <a:schemeClr val="dk1"/>
+          </a:fontRef>
+        </p:style>
+        <p:txBody>
+          <a:bodyPr rtlCol="0" anchor="ctr"/>
+          <a:lstStyle/>
+          <a:p>
+            <a:pPr algn="ctr"/>
+            <a:r>
+              <a:rPr lang="en-US" sz="1400" b="1" i="1" dirty="0" smtClean="0">
+                <a:latin typeface="Times New Roman"/>
+                <a:cs typeface="Times New Roman"/>
+              </a:rPr>
+              <a:t>Gene-Set</a:t>
+            </a:r>
+            <a:endParaRPr lang="en-US" sz="1400" b="1" i="1" dirty="0">
+              <a:latin typeface="Times New Roman"/>
+              <a:cs typeface="Times New Roman"/>
+            </a:endParaRPr>
+          </a:p>
+        </p:txBody>
+      </p:sp>
+      <p:sp>
+        <p:nvSpPr>
+          <p:cNvPr id="7" name="Rounded Rectangle 6"/>
+          <p:cNvSpPr/>
+          <p:nvPr/>
+        </p:nvSpPr>
+        <p:spPr>
+          <a:xfrm>
+            <a:off x="3884849" y="1684008"/>
+            <a:ext cx="1870692" cy="460619"/>
+          </a:xfrm>
+          <a:prstGeom prst="roundRect">
+            <a:avLst/>
+          </a:prstGeom>
+          <a:ln>
+            <a:solidFill>
+              <a:srgbClr val="008000"/>
+            </a:solidFill>
+          </a:ln>
+        </p:spPr>
+        <p:style>
+          <a:lnRef idx="2">
+            <a:schemeClr val="dk1"/>
+          </a:lnRef>
+          <a:fillRef idx="1">
+            <a:schemeClr val="lt1"/>
+          </a:fillRef>
+          <a:effectRef idx="0">
+            <a:schemeClr val="dk1"/>
+          </a:effectRef>
+          <a:fontRef idx="minor">
+            <a:schemeClr val="dk1"/>
+          </a:fontRef>
+        </p:style>
+        <p:txBody>
+          <a:bodyPr rtlCol="0" anchor="ctr"/>
+          <a:lstStyle/>
+          <a:p>
+            <a:pPr algn="ctr"/>
+            <a:r>
+              <a:rPr lang="en-US" sz="1400" b="1" i="1" dirty="0" smtClean="0">
+                <a:latin typeface="Times New Roman"/>
+                <a:cs typeface="Times New Roman"/>
+              </a:rPr>
+              <a:t>Summarize Expression</a:t>
+            </a:r>
+            <a:endParaRPr lang="en-US" sz="1400" b="1" i="1" dirty="0">
+              <a:latin typeface="Times New Roman"/>
+              <a:cs typeface="Times New Roman"/>
+            </a:endParaRPr>
+          </a:p>
+        </p:txBody>
+      </p:sp>
       <p:cxnSp>
         <p:nvCxnSpPr>
-          <p:cNvPr id="13" name="Straight Connector 12"/>
+          <p:cNvPr id="14" name="Straight Arrow Connector 13"/>
           <p:cNvCxnSpPr>
-            <a:stCxn id="8" idx="5"/>
-            <a:endCxn id="3" idx="1"/>
+            <a:stCxn id="4" idx="3"/>
+            <a:endCxn id="5" idx="1"/>
           </p:cNvCxnSpPr>
           <p:nvPr/>
         </p:nvCxnSpPr>
         <p:spPr>
           <a:xfrm>
-            <a:off x="809565" y="757030"/>
-            <a:ext cx="276471" cy="298424"/>
-          </a:xfrm>
-          <a:prstGeom prst="line">
+            <a:off x="3399226" y="1005643"/>
+            <a:ext cx="485623" cy="2975"/>
+          </a:xfrm>
+          <a:prstGeom prst="straightConnector1">
             <a:avLst/>
           </a:prstGeom>
           <a:ln>
-            <a:solidFill>
-              <a:schemeClr val="accent2"/>
-            </a:solidFill>
-            <a:prstDash val="dash"/>
+            <a:tailEnd type="arrow"/>
           </a:ln>
         </p:spPr>
         <p:style>
@@ -10826,26 +9482,23 @@
       </p:cxnSp>
       <p:cxnSp>
         <p:nvCxnSpPr>
-          <p:cNvPr id="14" name="Straight Connector 13"/>
+          <p:cNvPr id="15" name="Straight Arrow Connector 14"/>
           <p:cNvCxnSpPr>
-            <a:stCxn id="7" idx="7"/>
-            <a:endCxn id="3" idx="3"/>
+            <a:stCxn id="6" idx="1"/>
+            <a:endCxn id="5" idx="3"/>
           </p:cNvCxnSpPr>
           <p:nvPr/>
         </p:nvCxnSpPr>
         <p:spPr>
-          <a:xfrm flipV="1">
-            <a:off x="834467" y="1249164"/>
-            <a:ext cx="251569" cy="406967"/>
-          </a:xfrm>
-          <a:prstGeom prst="line">
+          <a:xfrm flipH="1">
+            <a:off x="5755541" y="1008343"/>
+            <a:ext cx="507522" cy="275"/>
+          </a:xfrm>
+          <a:prstGeom prst="straightConnector1">
             <a:avLst/>
           </a:prstGeom>
           <a:ln>
-            <a:solidFill>
-              <a:schemeClr val="accent2"/>
-            </a:solidFill>
-            <a:prstDash val="dash"/>
+            <a:tailEnd type="arrow"/>
           </a:ln>
         </p:spPr>
         <p:style>
@@ -10865,26 +9518,407 @@
       </p:cxnSp>
       <p:cxnSp>
         <p:nvCxnSpPr>
-          <p:cNvPr id="17" name="Straight Connector 16"/>
+          <p:cNvPr id="18" name="Straight Arrow Connector 17"/>
           <p:cNvCxnSpPr>
-            <a:stCxn id="10" idx="3"/>
-            <a:endCxn id="4" idx="7"/>
+            <a:stCxn id="5" idx="2"/>
+            <a:endCxn id="7" idx="0"/>
           </p:cNvCxnSpPr>
           <p:nvPr/>
         </p:nvCxnSpPr>
         <p:spPr>
-          <a:xfrm flipH="1">
-            <a:off x="2341087" y="706456"/>
-            <a:ext cx="310103" cy="348998"/>
-          </a:xfrm>
-          <a:prstGeom prst="line">
+          <a:xfrm>
+            <a:off x="4820195" y="1270112"/>
+            <a:ext cx="0" cy="413896"/>
+          </a:xfrm>
+          <a:prstGeom prst="straightConnector1">
+            <a:avLst/>
+          </a:prstGeom>
+          <a:ln>
+            <a:tailEnd type="arrow"/>
+          </a:ln>
+        </p:spPr>
+        <p:style>
+          <a:lnRef idx="2">
+            <a:schemeClr val="accent1"/>
+          </a:lnRef>
+          <a:fillRef idx="0">
+            <a:schemeClr val="accent1"/>
+          </a:fillRef>
+          <a:effectRef idx="1">
+            <a:schemeClr val="accent1"/>
+          </a:effectRef>
+          <a:fontRef idx="minor">
+            <a:schemeClr val="tx1"/>
+          </a:fontRef>
+        </p:style>
+      </p:cxnSp>
+      <p:sp>
+        <p:nvSpPr>
+          <p:cNvPr id="36" name="Rounded Rectangle 35"/>
+          <p:cNvSpPr/>
+          <p:nvPr/>
+        </p:nvSpPr>
+        <p:spPr>
+          <a:xfrm>
+            <a:off x="1880158" y="1709020"/>
+            <a:ext cx="1519068" cy="398251"/>
+          </a:xfrm>
+          <a:prstGeom prst="roundRect">
             <a:avLst/>
           </a:prstGeom>
           <a:ln>
             <a:solidFill>
-              <a:schemeClr val="accent2"/>
+              <a:srgbClr val="008000"/>
             </a:solidFill>
-            <a:prstDash val="dash"/>
+          </a:ln>
+        </p:spPr>
+        <p:style>
+          <a:lnRef idx="2">
+            <a:schemeClr val="dk1"/>
+          </a:lnRef>
+          <a:fillRef idx="1">
+            <a:schemeClr val="lt1"/>
+          </a:fillRef>
+          <a:effectRef idx="0">
+            <a:schemeClr val="dk1"/>
+          </a:effectRef>
+          <a:fontRef idx="minor">
+            <a:schemeClr val="dk1"/>
+          </a:fontRef>
+        </p:style>
+        <p:txBody>
+          <a:bodyPr rtlCol="0" anchor="ctr"/>
+          <a:lstStyle/>
+          <a:p>
+            <a:pPr algn="ctr"/>
+            <a:r>
+              <a:rPr lang="en-US" sz="1400" b="1" i="1" dirty="0" smtClean="0">
+                <a:latin typeface="Times New Roman"/>
+                <a:cs typeface="Times New Roman"/>
+              </a:rPr>
+              <a:t>Expression Data</a:t>
+            </a:r>
+            <a:endParaRPr lang="en-US" sz="1400" b="1" i="1" dirty="0">
+              <a:latin typeface="Times New Roman"/>
+              <a:cs typeface="Times New Roman"/>
+            </a:endParaRPr>
+          </a:p>
+        </p:txBody>
+      </p:sp>
+      <p:cxnSp>
+        <p:nvCxnSpPr>
+          <p:cNvPr id="37" name="Straight Arrow Connector 36"/>
+          <p:cNvCxnSpPr>
+            <a:stCxn id="36" idx="3"/>
+            <a:endCxn id="7" idx="1"/>
+          </p:cNvCxnSpPr>
+          <p:nvPr/>
+        </p:nvCxnSpPr>
+        <p:spPr>
+          <a:xfrm>
+            <a:off x="3399226" y="1908146"/>
+            <a:ext cx="485623" cy="6172"/>
+          </a:xfrm>
+          <a:prstGeom prst="straightConnector1">
+            <a:avLst/>
+          </a:prstGeom>
+          <a:ln>
+            <a:tailEnd type="arrow"/>
+          </a:ln>
+        </p:spPr>
+        <p:style>
+          <a:lnRef idx="2">
+            <a:schemeClr val="accent1"/>
+          </a:lnRef>
+          <a:fillRef idx="0">
+            <a:schemeClr val="accent1"/>
+          </a:fillRef>
+          <a:effectRef idx="1">
+            <a:schemeClr val="accent1"/>
+          </a:effectRef>
+          <a:fontRef idx="minor">
+            <a:schemeClr val="tx1"/>
+          </a:fontRef>
+        </p:style>
+      </p:cxnSp>
+      <p:sp>
+        <p:nvSpPr>
+          <p:cNvPr id="57" name="TextBox 56"/>
+          <p:cNvSpPr txBox="1"/>
+          <p:nvPr/>
+        </p:nvSpPr>
+        <p:spPr>
+          <a:xfrm>
+            <a:off x="617849" y="2443264"/>
+            <a:ext cx="7483294" cy="369332"/>
+          </a:xfrm>
+          <a:prstGeom prst="rect">
+            <a:avLst/>
+          </a:prstGeom>
+          <a:noFill/>
+        </p:spPr>
+        <p:txBody>
+          <a:bodyPr wrap="square" rtlCol="0">
+            <a:spAutoFit/>
+          </a:bodyPr>
+          <a:lstStyle/>
+          <a:p>
+            <a:pPr algn="ctr"/>
+            <a:r>
+              <a:rPr lang="en-US" i="1" dirty="0" smtClean="0">
+                <a:latin typeface="Times New Roman"/>
+                <a:cs typeface="Times New Roman"/>
+              </a:rPr>
+              <a:t>Figure: Protocol used for estimating expression levels of gene-sets</a:t>
+            </a:r>
+            <a:endParaRPr lang="en-US" i="1" dirty="0">
+              <a:latin typeface="Times New Roman"/>
+              <a:cs typeface="Times New Roman"/>
+            </a:endParaRPr>
+          </a:p>
+        </p:txBody>
+      </p:sp>
+      <p:sp>
+        <p:nvSpPr>
+          <p:cNvPr id="31" name="Rounded Rectangle 30"/>
+          <p:cNvSpPr/>
+          <p:nvPr/>
+        </p:nvSpPr>
+        <p:spPr>
+          <a:xfrm>
+            <a:off x="1294946" y="3466057"/>
+            <a:ext cx="2004672" cy="522988"/>
+          </a:xfrm>
+          <a:prstGeom prst="roundRect">
+            <a:avLst/>
+          </a:prstGeom>
+          <a:ln>
+            <a:solidFill>
+              <a:srgbClr val="008000"/>
+            </a:solidFill>
+          </a:ln>
+        </p:spPr>
+        <p:style>
+          <a:lnRef idx="2">
+            <a:schemeClr val="dk1"/>
+          </a:lnRef>
+          <a:fillRef idx="1">
+            <a:schemeClr val="lt1"/>
+          </a:fillRef>
+          <a:effectRef idx="0">
+            <a:schemeClr val="dk1"/>
+          </a:effectRef>
+          <a:fontRef idx="minor">
+            <a:schemeClr val="dk1"/>
+          </a:fontRef>
+        </p:style>
+        <p:txBody>
+          <a:bodyPr rtlCol="0" anchor="ctr"/>
+          <a:lstStyle/>
+          <a:p>
+            <a:pPr algn="ctr"/>
+            <a:r>
+              <a:rPr lang="en-US" sz="1400" b="1" i="1" dirty="0" smtClean="0">
+                <a:latin typeface="Times New Roman"/>
+                <a:cs typeface="Times New Roman"/>
+              </a:rPr>
+              <a:t>Pairwise Sequence  Similarity Network</a:t>
+            </a:r>
+            <a:endParaRPr lang="en-US" sz="1400" b="1" i="1" dirty="0">
+              <a:latin typeface="Times New Roman"/>
+              <a:cs typeface="Times New Roman"/>
+            </a:endParaRPr>
+          </a:p>
+        </p:txBody>
+      </p:sp>
+      <p:sp>
+        <p:nvSpPr>
+          <p:cNvPr id="32" name="Rounded Rectangle 31"/>
+          <p:cNvSpPr/>
+          <p:nvPr/>
+        </p:nvSpPr>
+        <p:spPr>
+          <a:xfrm>
+            <a:off x="3872389" y="3469032"/>
+            <a:ext cx="1683935" cy="522988"/>
+          </a:xfrm>
+          <a:prstGeom prst="roundRect">
+            <a:avLst/>
+          </a:prstGeom>
+          <a:ln>
+            <a:solidFill>
+              <a:srgbClr val="008000"/>
+            </a:solidFill>
+          </a:ln>
+        </p:spPr>
+        <p:style>
+          <a:lnRef idx="2">
+            <a:schemeClr val="dk1"/>
+          </a:lnRef>
+          <a:fillRef idx="1">
+            <a:schemeClr val="lt1"/>
+          </a:fillRef>
+          <a:effectRef idx="0">
+            <a:schemeClr val="dk1"/>
+          </a:effectRef>
+          <a:fontRef idx="minor">
+            <a:schemeClr val="dk1"/>
+          </a:fontRef>
+        </p:style>
+        <p:txBody>
+          <a:bodyPr rtlCol="0" anchor="ctr"/>
+          <a:lstStyle/>
+          <a:p>
+            <a:pPr algn="ctr"/>
+            <a:r>
+              <a:rPr lang="en-US" sz="1400" b="1" i="1" dirty="0" smtClean="0">
+                <a:latin typeface="Times New Roman"/>
+                <a:cs typeface="Times New Roman"/>
+              </a:rPr>
+              <a:t>Network </a:t>
+            </a:r>
+          </a:p>
+          <a:p>
+            <a:pPr algn="ctr"/>
+            <a:r>
+              <a:rPr lang="en-US" sz="1400" b="1" i="1" dirty="0" smtClean="0">
+                <a:latin typeface="Times New Roman"/>
+                <a:cs typeface="Times New Roman"/>
+              </a:rPr>
+              <a:t>Flow Module</a:t>
+            </a:r>
+            <a:endParaRPr lang="en-US" sz="1400" b="1" i="1" dirty="0">
+              <a:latin typeface="Times New Roman"/>
+              <a:cs typeface="Times New Roman"/>
+            </a:endParaRPr>
+          </a:p>
+        </p:txBody>
+      </p:sp>
+      <p:sp>
+        <p:nvSpPr>
+          <p:cNvPr id="33" name="Rounded Rectangle 32"/>
+          <p:cNvSpPr/>
+          <p:nvPr/>
+        </p:nvSpPr>
+        <p:spPr>
+          <a:xfrm>
+            <a:off x="6163455" y="3496358"/>
+            <a:ext cx="1581321" cy="458306"/>
+          </a:xfrm>
+          <a:prstGeom prst="roundRect">
+            <a:avLst/>
+          </a:prstGeom>
+          <a:ln>
+            <a:solidFill>
+              <a:srgbClr val="008000"/>
+            </a:solidFill>
+          </a:ln>
+        </p:spPr>
+        <p:style>
+          <a:lnRef idx="2">
+            <a:schemeClr val="dk1"/>
+          </a:lnRef>
+          <a:fillRef idx="1">
+            <a:schemeClr val="lt1"/>
+          </a:fillRef>
+          <a:effectRef idx="0">
+            <a:schemeClr val="dk1"/>
+          </a:effectRef>
+          <a:fontRef idx="minor">
+            <a:schemeClr val="dk1"/>
+          </a:fontRef>
+        </p:style>
+        <p:txBody>
+          <a:bodyPr rtlCol="0" anchor="ctr"/>
+          <a:lstStyle/>
+          <a:p>
+            <a:pPr algn="ctr"/>
+            <a:r>
+              <a:rPr lang="en-US" sz="1400" b="1" i="1" dirty="0" smtClean="0">
+                <a:latin typeface="Times New Roman"/>
+                <a:cs typeface="Times New Roman"/>
+              </a:rPr>
+              <a:t>Sequences with Interaction Data</a:t>
+            </a:r>
+            <a:endParaRPr lang="en-US" sz="1400" b="1" i="1" dirty="0">
+              <a:latin typeface="Times New Roman"/>
+              <a:cs typeface="Times New Roman"/>
+            </a:endParaRPr>
+          </a:p>
+        </p:txBody>
+      </p:sp>
+      <p:sp>
+        <p:nvSpPr>
+          <p:cNvPr id="34" name="Rounded Rectangle 33"/>
+          <p:cNvSpPr/>
+          <p:nvPr/>
+        </p:nvSpPr>
+        <p:spPr>
+          <a:xfrm>
+            <a:off x="3785241" y="4381012"/>
+            <a:ext cx="1870692" cy="522988"/>
+          </a:xfrm>
+          <a:prstGeom prst="roundRect">
+            <a:avLst/>
+          </a:prstGeom>
+          <a:ln>
+            <a:solidFill>
+              <a:srgbClr val="008000"/>
+            </a:solidFill>
+          </a:ln>
+        </p:spPr>
+        <p:style>
+          <a:lnRef idx="2">
+            <a:schemeClr val="dk1"/>
+          </a:lnRef>
+          <a:fillRef idx="1">
+            <a:schemeClr val="lt1"/>
+          </a:fillRef>
+          <a:effectRef idx="0">
+            <a:schemeClr val="dk1"/>
+          </a:effectRef>
+          <a:fontRef idx="minor">
+            <a:schemeClr val="dk1"/>
+          </a:fontRef>
+        </p:style>
+        <p:txBody>
+          <a:bodyPr rtlCol="0" anchor="ctr"/>
+          <a:lstStyle/>
+          <a:p>
+            <a:pPr algn="ctr"/>
+            <a:r>
+              <a:rPr lang="en-US" sz="1400" b="1" i="1" dirty="0" smtClean="0">
+                <a:latin typeface="Times New Roman"/>
+                <a:cs typeface="Times New Roman"/>
+              </a:rPr>
+              <a:t>Predict Interaction Network</a:t>
+            </a:r>
+            <a:endParaRPr lang="en-US" sz="1400" b="1" i="1" dirty="0">
+              <a:latin typeface="Times New Roman"/>
+              <a:cs typeface="Times New Roman"/>
+            </a:endParaRPr>
+          </a:p>
+        </p:txBody>
+      </p:sp>
+      <p:cxnSp>
+        <p:nvCxnSpPr>
+          <p:cNvPr id="35" name="Straight Arrow Connector 34"/>
+          <p:cNvCxnSpPr>
+            <a:stCxn id="31" idx="3"/>
+            <a:endCxn id="32" idx="1"/>
+          </p:cNvCxnSpPr>
+          <p:nvPr/>
+        </p:nvCxnSpPr>
+        <p:spPr>
+          <a:xfrm>
+            <a:off x="3299618" y="3727551"/>
+            <a:ext cx="572771" cy="2975"/>
+          </a:xfrm>
+          <a:prstGeom prst="straightConnector1">
+            <a:avLst/>
+          </a:prstGeom>
+          <a:ln>
+            <a:tailEnd type="arrow"/>
           </a:ln>
         </p:spPr>
         <p:style>
@@ -10904,26 +9938,23 @@
       </p:cxnSp>
       <p:cxnSp>
         <p:nvCxnSpPr>
-          <p:cNvPr id="21" name="Straight Connector 20"/>
+          <p:cNvPr id="38" name="Straight Arrow Connector 37"/>
           <p:cNvCxnSpPr>
-            <a:stCxn id="9" idx="1"/>
-            <a:endCxn id="4" idx="5"/>
+            <a:stCxn id="33" idx="1"/>
+            <a:endCxn id="32" idx="3"/>
           </p:cNvCxnSpPr>
           <p:nvPr/>
         </p:nvCxnSpPr>
         <p:spPr>
-          <a:xfrm flipH="1" flipV="1">
-            <a:off x="2341087" y="1249164"/>
-            <a:ext cx="284240" cy="480149"/>
-          </a:xfrm>
-          <a:prstGeom prst="line">
+          <a:xfrm flipH="1">
+            <a:off x="5556324" y="3725511"/>
+            <a:ext cx="607131" cy="5015"/>
+          </a:xfrm>
+          <a:prstGeom prst="straightConnector1">
             <a:avLst/>
           </a:prstGeom>
           <a:ln>
-            <a:solidFill>
-              <a:schemeClr val="accent2"/>
-            </a:solidFill>
-            <a:prstDash val="dash"/>
+            <a:tailEnd type="arrow"/>
           </a:ln>
         </p:spPr>
         <p:style>
@@ -10943,29 +9974,301 @@
       </p:cxnSp>
       <p:cxnSp>
         <p:nvCxnSpPr>
-          <p:cNvPr id="24" name="Straight Connector 23"/>
+          <p:cNvPr id="39" name="Straight Arrow Connector 38"/>
           <p:cNvCxnSpPr>
-            <a:stCxn id="4" idx="2"/>
-            <a:endCxn id="3" idx="6"/>
+            <a:stCxn id="32" idx="2"/>
+            <a:endCxn id="34" idx="0"/>
           </p:cNvCxnSpPr>
           <p:nvPr/>
         </p:nvCxnSpPr>
         <p:spPr>
-          <a:xfrm flipH="1">
-            <a:off x="1319850" y="1152309"/>
-            <a:ext cx="787423" cy="0"/>
-          </a:xfrm>
-          <a:prstGeom prst="line">
+          <a:xfrm>
+            <a:off x="4714357" y="3992020"/>
+            <a:ext cx="6230" cy="388992"/>
+          </a:xfrm>
+          <a:prstGeom prst="straightConnector1">
+            <a:avLst/>
+          </a:prstGeom>
+          <a:ln>
+            <a:tailEnd type="arrow"/>
+          </a:ln>
+        </p:spPr>
+        <p:style>
+          <a:lnRef idx="2">
+            <a:schemeClr val="accent1"/>
+          </a:lnRef>
+          <a:fillRef idx="0">
+            <a:schemeClr val="accent1"/>
+          </a:fillRef>
+          <a:effectRef idx="1">
+            <a:schemeClr val="accent1"/>
+          </a:effectRef>
+          <a:fontRef idx="minor">
+            <a:schemeClr val="tx1"/>
+          </a:fontRef>
+        </p:style>
+      </p:cxnSp>
+      <p:sp>
+        <p:nvSpPr>
+          <p:cNvPr id="42" name="TextBox 41"/>
+          <p:cNvSpPr txBox="1"/>
+          <p:nvPr/>
+        </p:nvSpPr>
+        <p:spPr>
+          <a:xfrm>
+            <a:off x="555591" y="5915734"/>
+            <a:ext cx="7483294" cy="369332"/>
+          </a:xfrm>
+          <a:prstGeom prst="rect">
+            <a:avLst/>
+          </a:prstGeom>
+          <a:noFill/>
+        </p:spPr>
+        <p:txBody>
+          <a:bodyPr wrap="square" rtlCol="0">
+            <a:spAutoFit/>
+          </a:bodyPr>
+          <a:lstStyle/>
+          <a:p>
+            <a:pPr algn="ctr"/>
+            <a:r>
+              <a:rPr lang="en-US" i="1" dirty="0" smtClean="0">
+                <a:latin typeface="Times New Roman"/>
+                <a:cs typeface="Times New Roman"/>
+              </a:rPr>
+              <a:t>Figure: Protocol used for estimating expression levels of gene-sets</a:t>
+            </a:r>
+            <a:endParaRPr lang="en-US" i="1" dirty="0">
+              <a:latin typeface="Times New Roman"/>
+              <a:cs typeface="Times New Roman"/>
+            </a:endParaRPr>
+          </a:p>
+        </p:txBody>
+      </p:sp>
+      <p:sp>
+        <p:nvSpPr>
+          <p:cNvPr id="44" name="Rounded Rectangle 43"/>
+          <p:cNvSpPr/>
+          <p:nvPr/>
+        </p:nvSpPr>
+        <p:spPr>
+          <a:xfrm>
+            <a:off x="6166472" y="4418278"/>
+            <a:ext cx="1581321" cy="458306"/>
+          </a:xfrm>
+          <a:prstGeom prst="roundRect">
             <a:avLst/>
           </a:prstGeom>
           <a:ln>
             <a:solidFill>
-              <a:schemeClr val="tx1">
-                <a:lumMod val="95000"/>
-                <a:lumOff val="5000"/>
-              </a:schemeClr>
+              <a:srgbClr val="008000"/>
             </a:solidFill>
-            <a:prstDash val="solid"/>
+          </a:ln>
+        </p:spPr>
+        <p:style>
+          <a:lnRef idx="2">
+            <a:schemeClr val="dk1"/>
+          </a:lnRef>
+          <a:fillRef idx="1">
+            <a:schemeClr val="lt1"/>
+          </a:fillRef>
+          <a:effectRef idx="0">
+            <a:schemeClr val="dk1"/>
+          </a:effectRef>
+          <a:fontRef idx="minor">
+            <a:schemeClr val="dk1"/>
+          </a:fontRef>
+        </p:style>
+        <p:txBody>
+          <a:bodyPr rtlCol="0" anchor="ctr"/>
+          <a:lstStyle/>
+          <a:p>
+            <a:pPr algn="ctr"/>
+            <a:r>
+              <a:rPr lang="en-US" sz="1400" b="1" i="1" dirty="0" smtClean="0">
+                <a:latin typeface="Times New Roman"/>
+                <a:cs typeface="Times New Roman"/>
+              </a:rPr>
+              <a:t>Interaction Network Data</a:t>
+            </a:r>
+            <a:endParaRPr lang="en-US" sz="1400" b="1" i="1" dirty="0">
+              <a:latin typeface="Times New Roman"/>
+              <a:cs typeface="Times New Roman"/>
+            </a:endParaRPr>
+          </a:p>
+        </p:txBody>
+      </p:sp>
+      <p:cxnSp>
+        <p:nvCxnSpPr>
+          <p:cNvPr id="45" name="Straight Arrow Connector 44"/>
+          <p:cNvCxnSpPr>
+            <a:stCxn id="44" idx="0"/>
+            <a:endCxn id="33" idx="2"/>
+          </p:cNvCxnSpPr>
+          <p:nvPr/>
+        </p:nvCxnSpPr>
+        <p:spPr>
+          <a:xfrm flipH="1" flipV="1">
+            <a:off x="6954116" y="3954664"/>
+            <a:ext cx="3017" cy="463614"/>
+          </a:xfrm>
+          <a:prstGeom prst="straightConnector1">
+            <a:avLst/>
+          </a:prstGeom>
+          <a:ln>
+            <a:tailEnd type="arrow"/>
+          </a:ln>
+        </p:spPr>
+        <p:style>
+          <a:lnRef idx="2">
+            <a:schemeClr val="accent1"/>
+          </a:lnRef>
+          <a:fillRef idx="0">
+            <a:schemeClr val="accent1"/>
+          </a:fillRef>
+          <a:effectRef idx="1">
+            <a:schemeClr val="accent1"/>
+          </a:effectRef>
+          <a:fontRef idx="minor">
+            <a:schemeClr val="tx1"/>
+          </a:fontRef>
+        </p:style>
+      </p:cxnSp>
+      <p:sp>
+        <p:nvSpPr>
+          <p:cNvPr id="46" name="Rounded Rectangle 45"/>
+          <p:cNvSpPr/>
+          <p:nvPr/>
+        </p:nvSpPr>
+        <p:spPr>
+          <a:xfrm>
+            <a:off x="2253726" y="5205827"/>
+            <a:ext cx="1967300" cy="522988"/>
+          </a:xfrm>
+          <a:prstGeom prst="roundRect">
+            <a:avLst/>
+          </a:prstGeom>
+          <a:ln>
+            <a:solidFill>
+              <a:srgbClr val="008000"/>
+            </a:solidFill>
+          </a:ln>
+        </p:spPr>
+        <p:style>
+          <a:lnRef idx="2">
+            <a:schemeClr val="dk1"/>
+          </a:lnRef>
+          <a:fillRef idx="1">
+            <a:schemeClr val="lt1"/>
+          </a:fillRef>
+          <a:effectRef idx="0">
+            <a:schemeClr val="dk1"/>
+          </a:effectRef>
+          <a:fontRef idx="minor">
+            <a:schemeClr val="dk1"/>
+          </a:fontRef>
+        </p:style>
+        <p:txBody>
+          <a:bodyPr rtlCol="0" anchor="ctr"/>
+          <a:lstStyle/>
+          <a:p>
+            <a:pPr algn="ctr"/>
+            <a:r>
+              <a:rPr lang="en-US" sz="1400" b="1" i="1" dirty="0" smtClean="0">
+                <a:latin typeface="Times New Roman"/>
+                <a:cs typeface="Times New Roman"/>
+              </a:rPr>
+              <a:t>Summarize Expression </a:t>
+            </a:r>
+          </a:p>
+          <a:p>
+            <a:pPr algn="ctr"/>
+            <a:r>
+              <a:rPr lang="en-US" sz="1400" b="1" i="1" dirty="0" smtClean="0">
+                <a:latin typeface="Times New Roman"/>
+                <a:cs typeface="Times New Roman"/>
+              </a:rPr>
+              <a:t>for Interaction Units</a:t>
+            </a:r>
+            <a:endParaRPr lang="en-US" sz="1400" b="1" i="1" dirty="0">
+              <a:latin typeface="Times New Roman"/>
+              <a:cs typeface="Times New Roman"/>
+            </a:endParaRPr>
+          </a:p>
+        </p:txBody>
+      </p:sp>
+      <p:sp>
+        <p:nvSpPr>
+          <p:cNvPr id="47" name="Rounded Rectangle 46"/>
+          <p:cNvSpPr/>
+          <p:nvPr/>
+        </p:nvSpPr>
+        <p:spPr>
+          <a:xfrm>
+            <a:off x="1319878" y="4631506"/>
+            <a:ext cx="1519068" cy="398251"/>
+          </a:xfrm>
+          <a:prstGeom prst="roundRect">
+            <a:avLst/>
+          </a:prstGeom>
+          <a:ln>
+            <a:solidFill>
+              <a:srgbClr val="008000"/>
+            </a:solidFill>
+          </a:ln>
+        </p:spPr>
+        <p:style>
+          <a:lnRef idx="2">
+            <a:schemeClr val="dk1"/>
+          </a:lnRef>
+          <a:fillRef idx="1">
+            <a:schemeClr val="lt1"/>
+          </a:fillRef>
+          <a:effectRef idx="0">
+            <a:schemeClr val="dk1"/>
+          </a:effectRef>
+          <a:fontRef idx="minor">
+            <a:schemeClr val="dk1"/>
+          </a:fontRef>
+        </p:style>
+        <p:txBody>
+          <a:bodyPr rtlCol="0" anchor="ctr"/>
+          <a:lstStyle/>
+          <a:p>
+            <a:pPr algn="ctr"/>
+            <a:r>
+              <a:rPr lang="en-US" sz="1400" b="1" i="1" dirty="0" smtClean="0">
+                <a:latin typeface="Times New Roman"/>
+                <a:cs typeface="Times New Roman"/>
+              </a:rPr>
+              <a:t>Expression Data</a:t>
+            </a:r>
+            <a:endParaRPr lang="en-US" sz="1400" b="1" i="1" dirty="0">
+              <a:latin typeface="Times New Roman"/>
+              <a:cs typeface="Times New Roman"/>
+            </a:endParaRPr>
+          </a:p>
+        </p:txBody>
+      </p:sp>
+      <p:cxnSp>
+        <p:nvCxnSpPr>
+          <p:cNvPr id="48" name="Straight Arrow Connector 47"/>
+          <p:cNvCxnSpPr>
+            <a:stCxn id="47" idx="3"/>
+            <a:endCxn id="46" idx="0"/>
+          </p:cNvCxnSpPr>
+          <p:nvPr/>
+        </p:nvCxnSpPr>
+        <p:spPr>
+          <a:xfrm>
+            <a:off x="2838946" y="4830632"/>
+            <a:ext cx="398430" cy="375195"/>
+          </a:xfrm>
+          <a:prstGeom prst="straightConnector1">
+            <a:avLst/>
+          </a:prstGeom>
+          <a:ln>
+            <a:tailEnd type="arrow"/>
           </a:ln>
         </p:spPr>
         <p:style>
@@ -10985,337 +10288,23 @@
       </p:cxnSp>
       <p:cxnSp>
         <p:nvCxnSpPr>
-          <p:cNvPr id="29" name="Straight Connector 28"/>
-          <p:cNvCxnSpPr/>
+          <p:cNvPr id="69" name="Straight Arrow Connector 68"/>
+          <p:cNvCxnSpPr>
+            <a:stCxn id="44" idx="1"/>
+            <a:endCxn id="34" idx="3"/>
+          </p:cNvCxnSpPr>
           <p:nvPr/>
         </p:nvCxnSpPr>
         <p:spPr>
-          <a:xfrm flipH="1">
-            <a:off x="6649061" y="1643126"/>
-            <a:ext cx="513480" cy="0"/>
-          </a:xfrm>
-          <a:prstGeom prst="line">
+          <a:xfrm flipH="1" flipV="1">
+            <a:off x="5655933" y="4642506"/>
+            <a:ext cx="510539" cy="4925"/>
+          </a:xfrm>
+          <a:prstGeom prst="straightConnector1">
             <a:avLst/>
           </a:prstGeom>
           <a:ln>
-            <a:solidFill>
-              <a:schemeClr val="tx1">
-                <a:lumMod val="95000"/>
-                <a:lumOff val="5000"/>
-              </a:schemeClr>
-            </a:solidFill>
-            <a:prstDash val="solid"/>
-          </a:ln>
-        </p:spPr>
-        <p:style>
-          <a:lnRef idx="2">
-            <a:schemeClr val="accent1"/>
-          </a:lnRef>
-          <a:fillRef idx="0">
-            <a:schemeClr val="accent1"/>
-          </a:fillRef>
-          <a:effectRef idx="1">
-            <a:schemeClr val="accent1"/>
-          </a:effectRef>
-          <a:fontRef idx="minor">
-            <a:schemeClr val="tx1"/>
-          </a:fontRef>
-        </p:style>
-      </p:cxnSp>
-      <p:sp>
-        <p:nvSpPr>
-          <p:cNvPr id="31" name="TextBox 30"/>
-          <p:cNvSpPr txBox="1"/>
-          <p:nvPr/>
-        </p:nvSpPr>
-        <p:spPr>
-          <a:xfrm>
-            <a:off x="7162541" y="1473849"/>
-            <a:ext cx="1996894" cy="307777"/>
-          </a:xfrm>
-          <a:prstGeom prst="rect">
-            <a:avLst/>
-          </a:prstGeom>
-          <a:noFill/>
-        </p:spPr>
-        <p:txBody>
-          <a:bodyPr wrap="square" rtlCol="0">
-            <a:spAutoFit/>
-          </a:bodyPr>
-          <a:lstStyle/>
-          <a:p>
-            <a:r>
-              <a:rPr lang="en-US" sz="1400" b="1" i="1" dirty="0" smtClean="0">
-                <a:latin typeface="Times New Roman"/>
-                <a:cs typeface="Times New Roman"/>
-              </a:rPr>
-              <a:t>Known Interaction</a:t>
-            </a:r>
-            <a:endParaRPr lang="en-US" sz="1400" b="1" i="1" dirty="0">
-              <a:latin typeface="Times New Roman"/>
-              <a:cs typeface="Times New Roman"/>
-            </a:endParaRPr>
-          </a:p>
-        </p:txBody>
-      </p:sp>
-      <p:sp>
-        <p:nvSpPr>
-          <p:cNvPr id="32" name="Oval 31"/>
-          <p:cNvSpPr/>
-          <p:nvPr/>
-        </p:nvSpPr>
-        <p:spPr>
-          <a:xfrm>
-            <a:off x="1195336" y="3764065"/>
-            <a:ext cx="273930" cy="273946"/>
-          </a:xfrm>
-          <a:prstGeom prst="ellipse">
-            <a:avLst/>
-          </a:prstGeom>
-        </p:spPr>
-        <p:style>
-          <a:lnRef idx="1">
-            <a:schemeClr val="accent1"/>
-          </a:lnRef>
-          <a:fillRef idx="3">
-            <a:schemeClr val="accent1"/>
-          </a:fillRef>
-          <a:effectRef idx="2">
-            <a:schemeClr val="accent1"/>
-          </a:effectRef>
-          <a:fontRef idx="minor">
-            <a:schemeClr val="lt1"/>
-          </a:fontRef>
-        </p:style>
-        <p:txBody>
-          <a:bodyPr rtlCol="0" anchor="ctr"/>
-          <a:lstStyle/>
-          <a:p>
-            <a:pPr algn="ctr"/>
-            <a:endParaRPr lang="en-US"/>
-          </a:p>
-        </p:txBody>
-      </p:sp>
-      <p:sp>
-        <p:nvSpPr>
-          <p:cNvPr id="33" name="Oval 32"/>
-          <p:cNvSpPr/>
-          <p:nvPr/>
-        </p:nvSpPr>
-        <p:spPr>
-          <a:xfrm>
-            <a:off x="2256689" y="3764065"/>
-            <a:ext cx="273930" cy="273946"/>
-          </a:xfrm>
-          <a:prstGeom prst="ellipse">
-            <a:avLst/>
-          </a:prstGeom>
-        </p:spPr>
-        <p:style>
-          <a:lnRef idx="1">
-            <a:schemeClr val="accent1"/>
-          </a:lnRef>
-          <a:fillRef idx="3">
-            <a:schemeClr val="accent1"/>
-          </a:fillRef>
-          <a:effectRef idx="2">
-            <a:schemeClr val="accent1"/>
-          </a:effectRef>
-          <a:fontRef idx="minor">
-            <a:schemeClr val="lt1"/>
-          </a:fontRef>
-        </p:style>
-        <p:txBody>
-          <a:bodyPr rtlCol="0" anchor="ctr"/>
-          <a:lstStyle/>
-          <a:p>
-            <a:pPr algn="ctr"/>
-            <a:endParaRPr lang="en-US"/>
-          </a:p>
-        </p:txBody>
-      </p:sp>
-      <p:sp>
-        <p:nvSpPr>
-          <p:cNvPr id="34" name="Oval 33"/>
-          <p:cNvSpPr/>
-          <p:nvPr/>
-        </p:nvSpPr>
-        <p:spPr>
-          <a:xfrm>
-            <a:off x="750069" y="4364742"/>
-            <a:ext cx="273930" cy="273946"/>
-          </a:xfrm>
-          <a:prstGeom prst="ellipse">
-            <a:avLst/>
-          </a:prstGeom>
-        </p:spPr>
-        <p:style>
-          <a:lnRef idx="2">
-            <a:schemeClr val="accent3">
-              <a:shade val="50000"/>
-            </a:schemeClr>
-          </a:lnRef>
-          <a:fillRef idx="1">
-            <a:schemeClr val="accent3"/>
-          </a:fillRef>
-          <a:effectRef idx="0">
-            <a:schemeClr val="accent3"/>
-          </a:effectRef>
-          <a:fontRef idx="minor">
-            <a:schemeClr val="lt1"/>
-          </a:fontRef>
-        </p:style>
-        <p:txBody>
-          <a:bodyPr rtlCol="0" anchor="ctr"/>
-          <a:lstStyle/>
-          <a:p>
-            <a:pPr algn="ctr"/>
-            <a:endParaRPr lang="en-US"/>
-          </a:p>
-        </p:txBody>
-      </p:sp>
-      <p:sp>
-        <p:nvSpPr>
-          <p:cNvPr id="35" name="Oval 34"/>
-          <p:cNvSpPr/>
-          <p:nvPr/>
-        </p:nvSpPr>
-        <p:spPr>
-          <a:xfrm>
-            <a:off x="725167" y="3271931"/>
-            <a:ext cx="273930" cy="273946"/>
-          </a:xfrm>
-          <a:prstGeom prst="ellipse">
-            <a:avLst/>
-          </a:prstGeom>
-        </p:spPr>
-        <p:style>
-          <a:lnRef idx="2">
-            <a:schemeClr val="accent3">
-              <a:shade val="50000"/>
-            </a:schemeClr>
-          </a:lnRef>
-          <a:fillRef idx="1">
-            <a:schemeClr val="accent3"/>
-          </a:fillRef>
-          <a:effectRef idx="0">
-            <a:schemeClr val="accent3"/>
-          </a:effectRef>
-          <a:fontRef idx="minor">
-            <a:schemeClr val="lt1"/>
-          </a:fontRef>
-        </p:style>
-        <p:txBody>
-          <a:bodyPr rtlCol="0" anchor="ctr"/>
-          <a:lstStyle/>
-          <a:p>
-            <a:pPr algn="ctr"/>
-            <a:endParaRPr lang="en-US"/>
-          </a:p>
-        </p:txBody>
-      </p:sp>
-      <p:sp>
-        <p:nvSpPr>
-          <p:cNvPr id="36" name="Oval 35"/>
-          <p:cNvSpPr/>
-          <p:nvPr/>
-        </p:nvSpPr>
-        <p:spPr>
-          <a:xfrm>
-            <a:off x="2734627" y="4437924"/>
-            <a:ext cx="273930" cy="273946"/>
-          </a:xfrm>
-          <a:prstGeom prst="ellipse">
-            <a:avLst/>
-          </a:prstGeom>
-        </p:spPr>
-        <p:style>
-          <a:lnRef idx="2">
-            <a:schemeClr val="accent3">
-              <a:shade val="50000"/>
-            </a:schemeClr>
-          </a:lnRef>
-          <a:fillRef idx="1">
-            <a:schemeClr val="accent3"/>
-          </a:fillRef>
-          <a:effectRef idx="0">
-            <a:schemeClr val="accent3"/>
-          </a:effectRef>
-          <a:fontRef idx="minor">
-            <a:schemeClr val="lt1"/>
-          </a:fontRef>
-        </p:style>
-        <p:txBody>
-          <a:bodyPr rtlCol="0" anchor="ctr"/>
-          <a:lstStyle/>
-          <a:p>
-            <a:pPr algn="ctr"/>
-            <a:endParaRPr lang="en-US"/>
-          </a:p>
-        </p:txBody>
-      </p:sp>
-      <p:sp>
-        <p:nvSpPr>
-          <p:cNvPr id="37" name="Oval 36"/>
-          <p:cNvSpPr/>
-          <p:nvPr/>
-        </p:nvSpPr>
-        <p:spPr>
-          <a:xfrm>
-            <a:off x="2760490" y="3221357"/>
-            <a:ext cx="273930" cy="273946"/>
-          </a:xfrm>
-          <a:prstGeom prst="ellipse">
-            <a:avLst/>
-          </a:prstGeom>
-        </p:spPr>
-        <p:style>
-          <a:lnRef idx="2">
-            <a:schemeClr val="accent3">
-              <a:shade val="50000"/>
-            </a:schemeClr>
-          </a:lnRef>
-          <a:fillRef idx="1">
-            <a:schemeClr val="accent3"/>
-          </a:fillRef>
-          <a:effectRef idx="0">
-            <a:schemeClr val="accent3"/>
-          </a:effectRef>
-          <a:fontRef idx="minor">
-            <a:schemeClr val="lt1"/>
-          </a:fontRef>
-        </p:style>
-        <p:txBody>
-          <a:bodyPr rtlCol="0" anchor="ctr"/>
-          <a:lstStyle/>
-          <a:p>
-            <a:pPr algn="ctr"/>
-            <a:endParaRPr lang="en-US"/>
-          </a:p>
-        </p:txBody>
-      </p:sp>
-      <p:cxnSp>
-        <p:nvCxnSpPr>
-          <p:cNvPr id="38" name="Straight Connector 37"/>
-          <p:cNvCxnSpPr>
-            <a:stCxn id="35" idx="5"/>
-            <a:endCxn id="32" idx="1"/>
-          </p:cNvCxnSpPr>
-          <p:nvPr/>
-        </p:nvCxnSpPr>
-        <p:spPr>
-          <a:xfrm>
-            <a:off x="958981" y="3505759"/>
-            <a:ext cx="276471" cy="298424"/>
-          </a:xfrm>
-          <a:prstGeom prst="line">
-            <a:avLst/>
-          </a:prstGeom>
-          <a:ln>
-            <a:solidFill>
-              <a:schemeClr val="accent2"/>
-            </a:solidFill>
-            <a:prstDash val="dash"/>
+            <a:tailEnd type="arrow"/>
           </a:ln>
         </p:spPr>
         <p:style>
@@ -11335,26 +10324,23 @@
       </p:cxnSp>
       <p:cxnSp>
         <p:nvCxnSpPr>
-          <p:cNvPr id="39" name="Straight Connector 38"/>
+          <p:cNvPr id="83" name="Elbow Connector 82"/>
           <p:cNvCxnSpPr>
-            <a:stCxn id="34" idx="7"/>
-            <a:endCxn id="32" idx="3"/>
+            <a:stCxn id="34" idx="1"/>
+            <a:endCxn id="46" idx="0"/>
           </p:cNvCxnSpPr>
           <p:nvPr/>
         </p:nvCxnSpPr>
         <p:spPr>
-          <a:xfrm flipV="1">
-            <a:off x="983883" y="3997893"/>
-            <a:ext cx="251569" cy="406967"/>
-          </a:xfrm>
-          <a:prstGeom prst="line">
+          <a:xfrm rot="10800000" flipV="1">
+            <a:off x="3237377" y="4642505"/>
+            <a:ext cx="547865" cy="563321"/>
+          </a:xfrm>
+          <a:prstGeom prst="bentConnector2">
             <a:avLst/>
           </a:prstGeom>
           <a:ln>
-            <a:solidFill>
-              <a:schemeClr val="accent2"/>
-            </a:solidFill>
-            <a:prstDash val="dash"/>
+            <a:tailEnd type="arrow"/>
           </a:ln>
         </p:spPr>
         <p:style>
@@ -11372,28 +10358,78 @@
           </a:fontRef>
         </p:style>
       </p:cxnSp>
+      <p:sp>
+        <p:nvSpPr>
+          <p:cNvPr id="88" name="Rounded Rectangle 87"/>
+          <p:cNvSpPr/>
+          <p:nvPr/>
+        </p:nvSpPr>
+        <p:spPr>
+          <a:xfrm>
+            <a:off x="4373451" y="5193375"/>
+            <a:ext cx="1391552" cy="522988"/>
+          </a:xfrm>
+          <a:prstGeom prst="roundRect">
+            <a:avLst/>
+          </a:prstGeom>
+          <a:ln>
+            <a:solidFill>
+              <a:srgbClr val="008000"/>
+            </a:solidFill>
+          </a:ln>
+        </p:spPr>
+        <p:style>
+          <a:lnRef idx="2">
+            <a:schemeClr val="dk1"/>
+          </a:lnRef>
+          <a:fillRef idx="1">
+            <a:schemeClr val="lt1"/>
+          </a:fillRef>
+          <a:effectRef idx="0">
+            <a:schemeClr val="dk1"/>
+          </a:effectRef>
+          <a:fontRef idx="minor">
+            <a:schemeClr val="dk1"/>
+          </a:fontRef>
+        </p:style>
+        <p:txBody>
+          <a:bodyPr rtlCol="0" anchor="ctr"/>
+          <a:lstStyle/>
+          <a:p>
+            <a:pPr algn="ctr"/>
+            <a:r>
+              <a:rPr lang="en-US" sz="1400" b="1" i="1" dirty="0" smtClean="0">
+                <a:latin typeface="Times New Roman"/>
+                <a:cs typeface="Times New Roman"/>
+              </a:rPr>
+              <a:t>Predict Protein Complexes</a:t>
+            </a:r>
+            <a:endParaRPr lang="en-US" sz="1400" b="1" i="1" dirty="0">
+              <a:latin typeface="Times New Roman"/>
+              <a:cs typeface="Times New Roman"/>
+            </a:endParaRPr>
+          </a:p>
+        </p:txBody>
+      </p:sp>
       <p:cxnSp>
         <p:nvCxnSpPr>
-          <p:cNvPr id="40" name="Straight Connector 39"/>
+          <p:cNvPr id="89" name="Straight Arrow Connector 88"/>
           <p:cNvCxnSpPr>
-            <a:stCxn id="37" idx="3"/>
-            <a:endCxn id="33" idx="7"/>
+            <a:stCxn id="34" idx="2"/>
+            <a:endCxn id="88" idx="0"/>
           </p:cNvCxnSpPr>
           <p:nvPr/>
         </p:nvCxnSpPr>
         <p:spPr>
-          <a:xfrm flipH="1">
-            <a:off x="2490503" y="3455185"/>
-            <a:ext cx="310103" cy="348998"/>
-          </a:xfrm>
-          <a:prstGeom prst="line">
+          <a:xfrm>
+            <a:off x="4720587" y="4904000"/>
+            <a:ext cx="348640" cy="289375"/>
+          </a:xfrm>
+          <a:prstGeom prst="straightConnector1">
             <a:avLst/>
           </a:prstGeom>
           <a:ln>
-            <a:solidFill>
-              <a:schemeClr val="accent2"/>
-            </a:solidFill>
-            <a:prstDash val="dash"/>
+            <a:tailEnd type="arrow"/>
           </a:ln>
         </p:spPr>
         <p:style>
@@ -11411,845 +10447,10 @@
           </a:fontRef>
         </p:style>
       </p:cxnSp>
-      <p:cxnSp>
-        <p:nvCxnSpPr>
-          <p:cNvPr id="41" name="Straight Connector 40"/>
-          <p:cNvCxnSpPr>
-            <a:stCxn id="36" idx="1"/>
-            <a:endCxn id="33" idx="5"/>
-          </p:cNvCxnSpPr>
-          <p:nvPr/>
-        </p:nvCxnSpPr>
-        <p:spPr>
-          <a:xfrm flipH="1" flipV="1">
-            <a:off x="2490503" y="3997893"/>
-            <a:ext cx="284240" cy="480149"/>
-          </a:xfrm>
-          <a:prstGeom prst="line">
-            <a:avLst/>
-          </a:prstGeom>
-          <a:ln>
-            <a:solidFill>
-              <a:schemeClr val="accent2"/>
-            </a:solidFill>
-            <a:prstDash val="dash"/>
-          </a:ln>
-        </p:spPr>
-        <p:style>
-          <a:lnRef idx="2">
-            <a:schemeClr val="accent1"/>
-          </a:lnRef>
-          <a:fillRef idx="0">
-            <a:schemeClr val="accent1"/>
-          </a:fillRef>
-          <a:effectRef idx="1">
-            <a:schemeClr val="accent1"/>
-          </a:effectRef>
-          <a:fontRef idx="minor">
-            <a:schemeClr val="tx1"/>
-          </a:fontRef>
-        </p:style>
-      </p:cxnSp>
-      <p:cxnSp>
-        <p:nvCxnSpPr>
-          <p:cNvPr id="42" name="Straight Connector 41"/>
-          <p:cNvCxnSpPr>
-            <a:stCxn id="33" idx="2"/>
-            <a:endCxn id="32" idx="6"/>
-          </p:cNvCxnSpPr>
-          <p:nvPr/>
-        </p:nvCxnSpPr>
-        <p:spPr>
-          <a:xfrm flipH="1">
-            <a:off x="1469266" y="3901038"/>
-            <a:ext cx="787423" cy="0"/>
-          </a:xfrm>
-          <a:prstGeom prst="line">
-            <a:avLst/>
-          </a:prstGeom>
-          <a:ln>
-            <a:solidFill>
-              <a:srgbClr val="7F7F7F"/>
-            </a:solidFill>
-            <a:prstDash val="dash"/>
-          </a:ln>
-        </p:spPr>
-        <p:style>
-          <a:lnRef idx="2">
-            <a:schemeClr val="accent1"/>
-          </a:lnRef>
-          <a:fillRef idx="0">
-            <a:schemeClr val="accent1"/>
-          </a:fillRef>
-          <a:effectRef idx="1">
-            <a:schemeClr val="accent1"/>
-          </a:effectRef>
-          <a:fontRef idx="minor">
-            <a:schemeClr val="tx1"/>
-          </a:fontRef>
-        </p:style>
-      </p:cxnSp>
-      <p:cxnSp>
-        <p:nvCxnSpPr>
-          <p:cNvPr id="43" name="Straight Connector 42"/>
-          <p:cNvCxnSpPr/>
-          <p:nvPr/>
-        </p:nvCxnSpPr>
-        <p:spPr>
-          <a:xfrm flipH="1">
-            <a:off x="6649061" y="2167564"/>
-            <a:ext cx="513480" cy="0"/>
-          </a:xfrm>
-          <a:prstGeom prst="line">
-            <a:avLst/>
-          </a:prstGeom>
-          <a:ln>
-            <a:solidFill>
-              <a:schemeClr val="bg1">
-                <a:lumMod val="50000"/>
-              </a:schemeClr>
-            </a:solidFill>
-            <a:prstDash val="dash"/>
-          </a:ln>
-        </p:spPr>
-        <p:style>
-          <a:lnRef idx="2">
-            <a:schemeClr val="accent1"/>
-          </a:lnRef>
-          <a:fillRef idx="0">
-            <a:schemeClr val="accent1"/>
-          </a:fillRef>
-          <a:effectRef idx="1">
-            <a:schemeClr val="accent1"/>
-          </a:effectRef>
-          <a:fontRef idx="minor">
-            <a:schemeClr val="tx1"/>
-          </a:fontRef>
-        </p:style>
-      </p:cxnSp>
-      <p:sp>
-        <p:nvSpPr>
-          <p:cNvPr id="44" name="TextBox 43"/>
-          <p:cNvSpPr txBox="1"/>
-          <p:nvPr/>
-        </p:nvSpPr>
-        <p:spPr>
-          <a:xfrm>
-            <a:off x="7162541" y="1998287"/>
-            <a:ext cx="1996894" cy="307777"/>
-          </a:xfrm>
-          <a:prstGeom prst="rect">
-            <a:avLst/>
-          </a:prstGeom>
-          <a:noFill/>
-        </p:spPr>
-        <p:txBody>
-          <a:bodyPr wrap="square" rtlCol="0">
-            <a:spAutoFit/>
-          </a:bodyPr>
-          <a:lstStyle/>
-          <a:p>
-            <a:r>
-              <a:rPr lang="en-US" sz="1400" b="1" i="1" dirty="0" smtClean="0">
-                <a:latin typeface="Times New Roman"/>
-                <a:cs typeface="Times New Roman"/>
-              </a:rPr>
-              <a:t>Predicted Interaction</a:t>
-            </a:r>
-            <a:endParaRPr lang="en-US" sz="1400" b="1" i="1" dirty="0">
-              <a:latin typeface="Times New Roman"/>
-              <a:cs typeface="Times New Roman"/>
-            </a:endParaRPr>
-          </a:p>
-        </p:txBody>
-      </p:sp>
-      <p:sp>
-        <p:nvSpPr>
-          <p:cNvPr id="45" name="Rectangle 44"/>
-          <p:cNvSpPr/>
-          <p:nvPr/>
-        </p:nvSpPr>
-        <p:spPr>
-          <a:xfrm>
-            <a:off x="448252" y="3159097"/>
-            <a:ext cx="1195335" cy="1579760"/>
-          </a:xfrm>
-          <a:prstGeom prst="rect">
-            <a:avLst/>
-          </a:prstGeom>
-          <a:gradFill flip="none" rotWithShape="1">
-            <a:gsLst>
-              <a:gs pos="0">
-                <a:schemeClr val="accent1">
-                  <a:tint val="50000"/>
-                  <a:satMod val="300000"/>
-                  <a:alpha val="12000"/>
-                </a:schemeClr>
-              </a:gs>
-              <a:gs pos="35000">
-                <a:schemeClr val="accent1">
-                  <a:tint val="37000"/>
-                  <a:satMod val="300000"/>
-                  <a:alpha val="12000"/>
-                </a:schemeClr>
-              </a:gs>
-              <a:gs pos="100000">
-                <a:schemeClr val="accent1">
-                  <a:tint val="15000"/>
-                  <a:satMod val="350000"/>
-                  <a:alpha val="12000"/>
-                </a:schemeClr>
-              </a:gs>
-            </a:gsLst>
-            <a:lin ang="16200000" scaled="1"/>
-            <a:tileRect/>
-          </a:gradFill>
-        </p:spPr>
-        <p:style>
-          <a:lnRef idx="1">
-            <a:schemeClr val="accent1"/>
-          </a:lnRef>
-          <a:fillRef idx="2">
-            <a:schemeClr val="accent1"/>
-          </a:fillRef>
-          <a:effectRef idx="1">
-            <a:schemeClr val="accent1"/>
-          </a:effectRef>
-          <a:fontRef idx="minor">
-            <a:schemeClr val="dk1"/>
-          </a:fontRef>
-        </p:style>
-        <p:txBody>
-          <a:bodyPr rtlCol="0" anchor="ctr"/>
-          <a:lstStyle/>
-          <a:p>
-            <a:pPr algn="ctr"/>
-            <a:endParaRPr lang="en-US"/>
-          </a:p>
-        </p:txBody>
-      </p:sp>
-      <p:sp>
-        <p:nvSpPr>
-          <p:cNvPr id="46" name="Rectangle 45"/>
-          <p:cNvSpPr/>
-          <p:nvPr/>
-        </p:nvSpPr>
-        <p:spPr>
-          <a:xfrm>
-            <a:off x="2202938" y="3132534"/>
-            <a:ext cx="1195335" cy="1668583"/>
-          </a:xfrm>
-          <a:prstGeom prst="rect">
-            <a:avLst/>
-          </a:prstGeom>
-          <a:gradFill flip="none" rotWithShape="1">
-            <a:gsLst>
-              <a:gs pos="0">
-                <a:schemeClr val="accent1">
-                  <a:tint val="50000"/>
-                  <a:satMod val="300000"/>
-                  <a:alpha val="12000"/>
-                </a:schemeClr>
-              </a:gs>
-              <a:gs pos="35000">
-                <a:schemeClr val="accent1">
-                  <a:tint val="37000"/>
-                  <a:satMod val="300000"/>
-                  <a:alpha val="12000"/>
-                </a:schemeClr>
-              </a:gs>
-              <a:gs pos="100000">
-                <a:schemeClr val="accent1">
-                  <a:tint val="15000"/>
-                  <a:satMod val="350000"/>
-                  <a:alpha val="12000"/>
-                </a:schemeClr>
-              </a:gs>
-            </a:gsLst>
-            <a:lin ang="16200000" scaled="1"/>
-            <a:tileRect/>
-          </a:gradFill>
-        </p:spPr>
-        <p:style>
-          <a:lnRef idx="1">
-            <a:schemeClr val="accent1"/>
-          </a:lnRef>
-          <a:fillRef idx="2">
-            <a:schemeClr val="accent1"/>
-          </a:fillRef>
-          <a:effectRef idx="1">
-            <a:schemeClr val="accent1"/>
-          </a:effectRef>
-          <a:fontRef idx="minor">
-            <a:schemeClr val="dk1"/>
-          </a:fontRef>
-        </p:style>
-        <p:txBody>
-          <a:bodyPr rtlCol="0" anchor="ctr"/>
-          <a:lstStyle/>
-          <a:p>
-            <a:pPr algn="ctr"/>
-            <a:endParaRPr lang="en-US"/>
-          </a:p>
-        </p:txBody>
-      </p:sp>
-      <p:cxnSp>
-        <p:nvCxnSpPr>
-          <p:cNvPr id="47" name="Straight Connector 46"/>
-          <p:cNvCxnSpPr/>
-          <p:nvPr/>
-        </p:nvCxnSpPr>
-        <p:spPr>
-          <a:xfrm flipH="1">
-            <a:off x="6647472" y="2639847"/>
-            <a:ext cx="515069" cy="0"/>
-          </a:xfrm>
-          <a:prstGeom prst="line">
-            <a:avLst/>
-          </a:prstGeom>
-          <a:ln>
-            <a:solidFill>
-              <a:schemeClr val="accent2"/>
-            </a:solidFill>
-            <a:prstDash val="dash"/>
-          </a:ln>
-        </p:spPr>
-        <p:style>
-          <a:lnRef idx="2">
-            <a:schemeClr val="accent1"/>
-          </a:lnRef>
-          <a:fillRef idx="0">
-            <a:schemeClr val="accent1"/>
-          </a:fillRef>
-          <a:effectRef idx="1">
-            <a:schemeClr val="accent1"/>
-          </a:effectRef>
-          <a:fontRef idx="minor">
-            <a:schemeClr val="tx1"/>
-          </a:fontRef>
-        </p:style>
-      </p:cxnSp>
-      <p:sp>
-        <p:nvSpPr>
-          <p:cNvPr id="49" name="TextBox 48"/>
-          <p:cNvSpPr txBox="1"/>
-          <p:nvPr/>
-        </p:nvSpPr>
-        <p:spPr>
-          <a:xfrm>
-            <a:off x="7314941" y="2458464"/>
-            <a:ext cx="1996894" cy="307777"/>
-          </a:xfrm>
-          <a:prstGeom prst="rect">
-            <a:avLst/>
-          </a:prstGeom>
-          <a:noFill/>
-        </p:spPr>
-        <p:txBody>
-          <a:bodyPr wrap="square" rtlCol="0">
-            <a:spAutoFit/>
-          </a:bodyPr>
-          <a:lstStyle/>
-          <a:p>
-            <a:r>
-              <a:rPr lang="en-US" sz="1400" b="1" i="1" dirty="0" smtClean="0">
-                <a:latin typeface="Times New Roman"/>
-                <a:cs typeface="Times New Roman"/>
-              </a:rPr>
-              <a:t>Neighbor</a:t>
-            </a:r>
-            <a:endParaRPr lang="en-US" sz="1400" b="1" i="1" dirty="0">
-              <a:latin typeface="Times New Roman"/>
-              <a:cs typeface="Times New Roman"/>
-            </a:endParaRPr>
-          </a:p>
-        </p:txBody>
-      </p:sp>
-      <p:sp>
-        <p:nvSpPr>
-          <p:cNvPr id="15" name="Right Arrow 14"/>
-          <p:cNvSpPr/>
-          <p:nvPr/>
-        </p:nvSpPr>
-        <p:spPr>
-          <a:xfrm rot="5400000">
-            <a:off x="1643587" y="2135259"/>
-            <a:ext cx="336186" cy="307777"/>
-          </a:xfrm>
-          <a:prstGeom prst="rightArrow">
-            <a:avLst/>
-          </a:prstGeom>
-        </p:spPr>
-        <p:style>
-          <a:lnRef idx="1">
-            <a:schemeClr val="accent1"/>
-          </a:lnRef>
-          <a:fillRef idx="3">
-            <a:schemeClr val="accent1"/>
-          </a:fillRef>
-          <a:effectRef idx="2">
-            <a:schemeClr val="accent1"/>
-          </a:effectRef>
-          <a:fontRef idx="minor">
-            <a:schemeClr val="lt1"/>
-          </a:fontRef>
-        </p:style>
-        <p:txBody>
-          <a:bodyPr rtlCol="0" anchor="ctr"/>
-          <a:lstStyle/>
-          <a:p>
-            <a:pPr algn="ctr"/>
-            <a:endParaRPr lang="en-US"/>
-          </a:p>
-        </p:txBody>
-      </p:sp>
-      <p:sp>
-        <p:nvSpPr>
-          <p:cNvPr id="51" name="TextBox 50"/>
-          <p:cNvSpPr txBox="1"/>
-          <p:nvPr/>
-        </p:nvSpPr>
-        <p:spPr>
-          <a:xfrm>
-            <a:off x="6316494" y="3271931"/>
-            <a:ext cx="1996894" cy="307777"/>
-          </a:xfrm>
-          <a:prstGeom prst="rect">
-            <a:avLst/>
-          </a:prstGeom>
-          <a:noFill/>
-        </p:spPr>
-        <p:txBody>
-          <a:bodyPr wrap="square" rtlCol="0">
-            <a:spAutoFit/>
-          </a:bodyPr>
-          <a:lstStyle/>
-          <a:p>
-            <a:r>
-              <a:rPr lang="en-US" sz="1400" b="1" i="1" dirty="0" smtClean="0">
-                <a:latin typeface="Times New Roman"/>
-                <a:cs typeface="Times New Roman"/>
-              </a:rPr>
-              <a:t>Expression Levels</a:t>
-            </a:r>
-            <a:endParaRPr lang="en-US" sz="1400" b="1" i="1" dirty="0">
-              <a:latin typeface="Times New Roman"/>
-              <a:cs typeface="Times New Roman"/>
-            </a:endParaRPr>
-          </a:p>
-        </p:txBody>
-      </p:sp>
-      <p:sp>
-        <p:nvSpPr>
-          <p:cNvPr id="52" name="TextBox 51"/>
-          <p:cNvSpPr txBox="1"/>
-          <p:nvPr/>
-        </p:nvSpPr>
-        <p:spPr>
-          <a:xfrm>
-            <a:off x="4341507" y="4015736"/>
-            <a:ext cx="1996894" cy="307777"/>
-          </a:xfrm>
-          <a:prstGeom prst="rect">
-            <a:avLst/>
-          </a:prstGeom>
-          <a:noFill/>
-        </p:spPr>
-        <p:txBody>
-          <a:bodyPr wrap="square" rtlCol="0">
-            <a:spAutoFit/>
-          </a:bodyPr>
-          <a:lstStyle/>
-          <a:p>
-            <a:r>
-              <a:rPr lang="en-US" sz="1400" b="1" i="1" dirty="0" smtClean="0">
-                <a:latin typeface="Times New Roman"/>
-                <a:cs typeface="Times New Roman"/>
-              </a:rPr>
-              <a:t>Interaction Unit 1</a:t>
-            </a:r>
-            <a:endParaRPr lang="en-US" sz="1400" b="1" i="1" dirty="0">
-              <a:latin typeface="Times New Roman"/>
-              <a:cs typeface="Times New Roman"/>
-            </a:endParaRPr>
-          </a:p>
-        </p:txBody>
-      </p:sp>
-      <p:sp>
-        <p:nvSpPr>
-          <p:cNvPr id="53" name="TextBox 52"/>
-          <p:cNvSpPr txBox="1"/>
-          <p:nvPr/>
-        </p:nvSpPr>
-        <p:spPr>
-          <a:xfrm>
-            <a:off x="4341507" y="4523982"/>
-            <a:ext cx="1996894" cy="307777"/>
-          </a:xfrm>
-          <a:prstGeom prst="rect">
-            <a:avLst/>
-          </a:prstGeom>
-          <a:noFill/>
-        </p:spPr>
-        <p:txBody>
-          <a:bodyPr wrap="square" rtlCol="0">
-            <a:spAutoFit/>
-          </a:bodyPr>
-          <a:lstStyle/>
-          <a:p>
-            <a:r>
-              <a:rPr lang="en-US" sz="1400" b="1" i="1" dirty="0" smtClean="0">
-                <a:latin typeface="Times New Roman"/>
-                <a:cs typeface="Times New Roman"/>
-              </a:rPr>
-              <a:t>Interaction Unit 2</a:t>
-            </a:r>
-            <a:endParaRPr lang="en-US" sz="1400" b="1" i="1" dirty="0">
-              <a:latin typeface="Times New Roman"/>
-              <a:cs typeface="Times New Roman"/>
-            </a:endParaRPr>
-          </a:p>
-        </p:txBody>
-      </p:sp>
-      <p:sp>
-        <p:nvSpPr>
-          <p:cNvPr id="54" name="Right Arrow 53"/>
-          <p:cNvSpPr/>
-          <p:nvPr/>
-        </p:nvSpPr>
-        <p:spPr>
-          <a:xfrm rot="1993811">
-            <a:off x="3948476" y="2565723"/>
-            <a:ext cx="336186" cy="307777"/>
-          </a:xfrm>
-          <a:prstGeom prst="rightArrow">
-            <a:avLst/>
-          </a:prstGeom>
-        </p:spPr>
-        <p:style>
-          <a:lnRef idx="1">
-            <a:schemeClr val="accent1"/>
-          </a:lnRef>
-          <a:fillRef idx="3">
-            <a:schemeClr val="accent1"/>
-          </a:fillRef>
-          <a:effectRef idx="2">
-            <a:schemeClr val="accent1"/>
-          </a:effectRef>
-          <a:fontRef idx="minor">
-            <a:schemeClr val="lt1"/>
-          </a:fontRef>
-        </p:style>
-        <p:txBody>
-          <a:bodyPr rtlCol="0" anchor="ctr"/>
-          <a:lstStyle/>
-          <a:p>
-            <a:pPr algn="ctr"/>
-            <a:endParaRPr lang="en-US"/>
-          </a:p>
-        </p:txBody>
-      </p:sp>
-      <p:sp>
-        <p:nvSpPr>
-          <p:cNvPr id="55" name="Right Arrow 54"/>
-          <p:cNvSpPr/>
-          <p:nvPr/>
-        </p:nvSpPr>
-        <p:spPr>
-          <a:xfrm rot="5400000">
-            <a:off x="1691640" y="5052348"/>
-            <a:ext cx="336186" cy="307777"/>
-          </a:xfrm>
-          <a:prstGeom prst="rightArrow">
-            <a:avLst/>
-          </a:prstGeom>
-        </p:spPr>
-        <p:style>
-          <a:lnRef idx="1">
-            <a:schemeClr val="accent1"/>
-          </a:lnRef>
-          <a:fillRef idx="3">
-            <a:schemeClr val="accent1"/>
-          </a:fillRef>
-          <a:effectRef idx="2">
-            <a:schemeClr val="accent1"/>
-          </a:effectRef>
-          <a:fontRef idx="minor">
-            <a:schemeClr val="lt1"/>
-          </a:fontRef>
-        </p:style>
-        <p:txBody>
-          <a:bodyPr rtlCol="0" anchor="ctr"/>
-          <a:lstStyle/>
-          <a:p>
-            <a:pPr algn="ctr"/>
-            <a:endParaRPr lang="en-US"/>
-          </a:p>
-        </p:txBody>
-      </p:sp>
-      <p:sp>
-        <p:nvSpPr>
-          <p:cNvPr id="56" name="TextBox 55"/>
-          <p:cNvSpPr txBox="1"/>
-          <p:nvPr/>
-        </p:nvSpPr>
-        <p:spPr>
-          <a:xfrm>
-            <a:off x="865326" y="5730010"/>
-            <a:ext cx="4314457" cy="307777"/>
-          </a:xfrm>
-          <a:prstGeom prst="rect">
-            <a:avLst/>
-          </a:prstGeom>
-          <a:noFill/>
-        </p:spPr>
-        <p:txBody>
-          <a:bodyPr wrap="square" rtlCol="0">
-            <a:spAutoFit/>
-          </a:bodyPr>
-          <a:lstStyle/>
-          <a:p>
-            <a:r>
-              <a:rPr lang="en-US" sz="1400" b="1" i="1" dirty="0" smtClean="0">
-                <a:latin typeface="Times New Roman"/>
-                <a:cs typeface="Times New Roman"/>
-              </a:rPr>
-              <a:t>Is there evidence for protein complexes ?</a:t>
-            </a:r>
-            <a:endParaRPr lang="en-US" sz="1400" b="1" i="1" dirty="0">
-              <a:latin typeface="Times New Roman"/>
-              <a:cs typeface="Times New Roman"/>
-            </a:endParaRPr>
-          </a:p>
-        </p:txBody>
-      </p:sp>
-      <p:sp>
-        <p:nvSpPr>
-          <p:cNvPr id="57" name="TextBox 56"/>
-          <p:cNvSpPr txBox="1"/>
-          <p:nvPr/>
-        </p:nvSpPr>
-        <p:spPr>
-          <a:xfrm>
-            <a:off x="4572486" y="5487641"/>
-            <a:ext cx="4314457" cy="738664"/>
-          </a:xfrm>
-          <a:prstGeom prst="rect">
-            <a:avLst/>
-          </a:prstGeom>
-          <a:noFill/>
-        </p:spPr>
-        <p:txBody>
-          <a:bodyPr wrap="square" rtlCol="0">
-            <a:spAutoFit/>
-          </a:bodyPr>
-          <a:lstStyle/>
-          <a:p>
-            <a:r>
-              <a:rPr lang="en-US" sz="1400" b="1" i="1" dirty="0" smtClean="0">
-                <a:latin typeface="Times New Roman"/>
-                <a:cs typeface="Times New Roman"/>
-              </a:rPr>
-              <a:t>Are there interaction units whose expression levels are changing ?</a:t>
-            </a:r>
-          </a:p>
-          <a:p>
-            <a:r>
-              <a:rPr lang="en-US" sz="1400" b="1" i="1" dirty="0" smtClean="0">
-                <a:latin typeface="Times New Roman"/>
-                <a:cs typeface="Times New Roman"/>
-              </a:rPr>
-              <a:t>Are they co-expressed ?</a:t>
-            </a:r>
-            <a:endParaRPr lang="en-US" sz="1400" b="1" i="1" dirty="0">
-              <a:latin typeface="Times New Roman"/>
-              <a:cs typeface="Times New Roman"/>
-            </a:endParaRPr>
-          </a:p>
-        </p:txBody>
-      </p:sp>
-      <p:sp>
-        <p:nvSpPr>
-          <p:cNvPr id="58" name="Right Arrow 57"/>
-          <p:cNvSpPr/>
-          <p:nvPr/>
-        </p:nvSpPr>
-        <p:spPr>
-          <a:xfrm rot="5400000">
-            <a:off x="6561621" y="5052349"/>
-            <a:ext cx="336186" cy="307777"/>
-          </a:xfrm>
-          <a:prstGeom prst="rightArrow">
-            <a:avLst/>
-          </a:prstGeom>
-        </p:spPr>
-        <p:style>
-          <a:lnRef idx="1">
-            <a:schemeClr val="accent1"/>
-          </a:lnRef>
-          <a:fillRef idx="3">
-            <a:schemeClr val="accent1"/>
-          </a:fillRef>
-          <a:effectRef idx="2">
-            <a:schemeClr val="accent1"/>
-          </a:effectRef>
-          <a:fontRef idx="minor">
-            <a:schemeClr val="lt1"/>
-          </a:fontRef>
-        </p:style>
-        <p:txBody>
-          <a:bodyPr rtlCol="0" anchor="ctr"/>
-          <a:lstStyle/>
-          <a:p>
-            <a:pPr algn="ctr"/>
-            <a:endParaRPr lang="en-US"/>
-          </a:p>
-        </p:txBody>
-      </p:sp>
-      <p:graphicFrame>
-        <p:nvGraphicFramePr>
-          <p:cNvPr id="2" name="Table 1"/>
-          <p:cNvGraphicFramePr>
-            <a:graphicFrameLocks noGrp="1"/>
-          </p:cNvGraphicFramePr>
-          <p:nvPr>
-            <p:extLst>
-              <p:ext uri="{D42A27DB-BD31-4B8C-83A1-F6EECF244321}">
-                <p14:modId xmlns:p14="http://schemas.microsoft.com/office/powerpoint/2010/main" val="4137445001"/>
-              </p:ext>
-            </p:extLst>
-          </p:nvPr>
-        </p:nvGraphicFramePr>
-        <p:xfrm>
-          <a:off x="5896120" y="3713102"/>
-          <a:ext cx="3047511" cy="1097280"/>
-        </p:xfrm>
-        <a:graphic>
-          <a:graphicData uri="http://schemas.openxmlformats.org/drawingml/2006/table">
-            <a:tbl>
-              <a:tblPr firstRow="1" bandRow="1">
-                <a:tableStyleId>{5940675A-B579-460E-94D1-54222C63F5DA}</a:tableStyleId>
-              </a:tblPr>
-              <a:tblGrid>
-                <a:gridCol w="1015837"/>
-                <a:gridCol w="1015837"/>
-                <a:gridCol w="1015837"/>
-              </a:tblGrid>
-              <a:tr h="253830">
-                <a:tc gridSpan="3">
-                  <a:txBody>
-                    <a:bodyPr/>
-                    <a:lstStyle/>
-                    <a:p>
-                      <a:pPr algn="ctr"/>
-                      <a:r>
-                        <a:rPr lang="en-US" i="1" dirty="0" smtClean="0">
-                          <a:latin typeface="Times New Roman"/>
-                          <a:cs typeface="Times New Roman"/>
-                        </a:rPr>
-                        <a:t>Conditions</a:t>
-                      </a:r>
-                      <a:endParaRPr lang="en-US" i="1" dirty="0">
-                        <a:latin typeface="Times New Roman"/>
-                        <a:cs typeface="Times New Roman"/>
-                      </a:endParaRPr>
-                    </a:p>
-                  </a:txBody>
-                  <a:tcPr/>
-                </a:tc>
-                <a:tc hMerge="1">
-                  <a:txBody>
-                    <a:bodyPr/>
-                    <a:lstStyle/>
-                    <a:p>
-                      <a:endParaRPr lang="en-US" dirty="0"/>
-                    </a:p>
-                  </a:txBody>
-                  <a:tcPr/>
-                </a:tc>
-                <a:tc hMerge="1">
-                  <a:txBody>
-                    <a:bodyPr/>
-                    <a:lstStyle/>
-                    <a:p>
-                      <a:endParaRPr lang="en-US" dirty="0"/>
-                    </a:p>
-                  </a:txBody>
-                  <a:tcPr/>
-                </a:tc>
-              </a:tr>
-              <a:tr h="253830">
-                <a:tc>
-                  <a:txBody>
-                    <a:bodyPr/>
-                    <a:lstStyle/>
-                    <a:p>
-                      <a:endParaRPr lang="en-US" dirty="0"/>
-                    </a:p>
-                  </a:txBody>
-                  <a:tcPr/>
-                </a:tc>
-                <a:tc>
-                  <a:txBody>
-                    <a:bodyPr/>
-                    <a:lstStyle/>
-                    <a:p>
-                      <a:endParaRPr lang="en-US"/>
-                    </a:p>
-                  </a:txBody>
-                  <a:tcPr/>
-                </a:tc>
-                <a:tc>
-                  <a:txBody>
-                    <a:bodyPr/>
-                    <a:lstStyle/>
-                    <a:p>
-                      <a:endParaRPr lang="en-US"/>
-                    </a:p>
-                  </a:txBody>
-                  <a:tcPr/>
-                </a:tc>
-              </a:tr>
-              <a:tr h="253830">
-                <a:tc>
-                  <a:txBody>
-                    <a:bodyPr/>
-                    <a:lstStyle/>
-                    <a:p>
-                      <a:endParaRPr lang="en-US" dirty="0"/>
-                    </a:p>
-                  </a:txBody>
-                  <a:tcPr/>
-                </a:tc>
-                <a:tc>
-                  <a:txBody>
-                    <a:bodyPr/>
-                    <a:lstStyle/>
-                    <a:p>
-                      <a:endParaRPr lang="en-US"/>
-                    </a:p>
-                  </a:txBody>
-                  <a:tcPr/>
-                </a:tc>
-                <a:tc>
-                  <a:txBody>
-                    <a:bodyPr/>
-                    <a:lstStyle/>
-                    <a:p>
-                      <a:endParaRPr lang="en-US" dirty="0"/>
-                    </a:p>
-                  </a:txBody>
-                  <a:tcPr/>
-                </a:tc>
-              </a:tr>
-            </a:tbl>
-          </a:graphicData>
-        </a:graphic>
-      </p:graphicFrame>
     </p:spTree>
     <p:extLst>
       <p:ext uri="{BB962C8B-B14F-4D97-AF65-F5344CB8AC3E}">
-        <p14:creationId xmlns:p14="http://schemas.microsoft.com/office/powerpoint/2010/main" val="3619460002"/>
+        <p14:creationId xmlns:p14="http://schemas.microsoft.com/office/powerpoint/2010/main" val="1679668269"/>
       </p:ext>
     </p:extLst>
   </p:cSld>
@@ -12285,6 +10486,713 @@
       </p:grpSpPr>
       <p:sp>
         <p:nvSpPr>
+          <p:cNvPr id="3" name="Slide Number Placeholder 2"/>
+          <p:cNvSpPr>
+            <a:spLocks noGrp="1"/>
+          </p:cNvSpPr>
+          <p:nvPr>
+            <p:ph type="sldNum" idx="12"/>
+          </p:nvPr>
+        </p:nvSpPr>
+        <p:spPr/>
+        <p:txBody>
+          <a:bodyPr/>
+          <a:lstStyle/>
+          <a:p>
+            <a:pPr>
+              <a:defRPr/>
+            </a:pPr>
+            <a:fld id="{5B3B062E-83CF-436F-AC2C-42FC905BC354}" type="slidenum">
+              <a:rPr lang="en-US" smtClean="0">
+                <a:solidFill>
+                  <a:srgbClr val="000000">
+                    <a:tint val="75000"/>
+                  </a:srgbClr>
+                </a:solidFill>
+              </a:rPr>
+              <a:pPr>
+                <a:defRPr/>
+              </a:pPr>
+              <a:t>2</a:t>
+            </a:fld>
+            <a:endParaRPr lang="en-US">
+              <a:solidFill>
+                <a:srgbClr val="000000">
+                  <a:tint val="75000"/>
+                </a:srgbClr>
+              </a:solidFill>
+            </a:endParaRPr>
+          </a:p>
+        </p:txBody>
+      </p:sp>
+      <p:sp>
+        <p:nvSpPr>
+          <p:cNvPr id="4" name="Title 4"/>
+          <p:cNvSpPr>
+            <a:spLocks noGrp="1"/>
+          </p:cNvSpPr>
+          <p:nvPr>
+            <p:ph type="title"/>
+          </p:nvPr>
+        </p:nvSpPr>
+        <p:spPr>
+          <a:xfrm>
+            <a:off x="457200" y="54127"/>
+            <a:ext cx="7772400" cy="664469"/>
+          </a:xfrm>
+        </p:spPr>
+        <p:txBody>
+          <a:bodyPr>
+            <a:normAutofit fontScale="90000"/>
+          </a:bodyPr>
+          <a:lstStyle/>
+          <a:p>
+            <a:pPr algn="ctr"/>
+            <a:r>
+              <a:rPr lang="en-US" i="1" dirty="0" smtClean="0">
+                <a:latin typeface="Times New Roman"/>
+                <a:cs typeface="Times New Roman"/>
+              </a:rPr>
+              <a:t>Select source </a:t>
+            </a:r>
+            <a:r>
+              <a:rPr lang="en-US" i="1" smtClean="0">
+                <a:latin typeface="Times New Roman"/>
+                <a:cs typeface="Times New Roman"/>
+              </a:rPr>
+              <a:t>organims</a:t>
+            </a:r>
+            <a:endParaRPr lang="en-US" i="1" dirty="0">
+              <a:latin typeface="Times New Roman"/>
+              <a:cs typeface="Times New Roman"/>
+            </a:endParaRPr>
+          </a:p>
+        </p:txBody>
+      </p:sp>
+      <p:graphicFrame>
+        <p:nvGraphicFramePr>
+          <p:cNvPr id="5" name="Object 4"/>
+          <p:cNvGraphicFramePr>
+            <a:graphicFrameLocks noChangeAspect="1"/>
+          </p:cNvGraphicFramePr>
+          <p:nvPr>
+            <p:extLst>
+              <p:ext uri="{D42A27DB-BD31-4B8C-83A1-F6EECF244321}">
+                <p14:modId xmlns:p14="http://schemas.microsoft.com/office/powerpoint/2010/main" val="2813119069"/>
+              </p:ext>
+            </p:extLst>
+          </p:nvPr>
+        </p:nvGraphicFramePr>
+        <p:xfrm>
+          <a:off x="2606617" y="1161708"/>
+          <a:ext cx="6907213" cy="5068346"/>
+        </p:xfrm>
+        <a:graphic>
+          <a:graphicData uri="http://schemas.openxmlformats.org/presentationml/2006/ole">
+            <mc:AlternateContent xmlns:mc="http://schemas.openxmlformats.org/markup-compatibility/2006">
+              <mc:Choice xmlns:v="urn:schemas-microsoft-com:vml" Requires="v">
+                <p:oleObj spid="_x0000_s2050" name="Document" r:id="rId3" imgW="5638800" imgH="4102100" progId="Word.Document.12">
+                  <p:embed/>
+                </p:oleObj>
+              </mc:Choice>
+              <mc:Fallback>
+                <p:oleObj name="Document" r:id="rId3" imgW="5638800" imgH="4102100" progId="Word.Document.12">
+                  <p:embed/>
+                  <p:pic>
+                    <p:nvPicPr>
+                      <p:cNvPr id="0" name=""/>
+                      <p:cNvPicPr/>
+                      <p:nvPr/>
+                    </p:nvPicPr>
+                    <p:blipFill>
+                      <a:blip r:embed="rId4"/>
+                      <a:stretch>
+                        <a:fillRect/>
+                      </a:stretch>
+                    </p:blipFill>
+                    <p:spPr>
+                      <a:xfrm>
+                        <a:off x="2606617" y="1161708"/>
+                        <a:ext cx="6907213" cy="5068346"/>
+                      </a:xfrm>
+                      <a:prstGeom prst="rect">
+                        <a:avLst/>
+                      </a:prstGeom>
+                    </p:spPr>
+                  </p:pic>
+                </p:oleObj>
+              </mc:Fallback>
+            </mc:AlternateContent>
+          </a:graphicData>
+        </a:graphic>
+      </p:graphicFrame>
+      <p:sp>
+        <p:nvSpPr>
+          <p:cNvPr id="6" name="Rectangle 5"/>
+          <p:cNvSpPr/>
+          <p:nvPr/>
+        </p:nvSpPr>
+        <p:spPr bwMode="auto">
+          <a:xfrm>
+            <a:off x="2773694" y="1420481"/>
+            <a:ext cx="2305842" cy="217250"/>
+          </a:xfrm>
+          <a:prstGeom prst="rect">
+            <a:avLst/>
+          </a:prstGeom>
+          <a:solidFill>
+            <a:schemeClr val="accent1">
+              <a:alpha val="0"/>
+            </a:schemeClr>
+          </a:solidFill>
+          <a:ln w="9525" cap="flat" cmpd="sng" algn="ctr">
+            <a:solidFill>
+              <a:schemeClr val="tx1"/>
+            </a:solidFill>
+            <a:prstDash val="solid"/>
+            <a:round/>
+            <a:headEnd type="none" w="med" len="med"/>
+            <a:tailEnd type="none" w="med" len="med"/>
+          </a:ln>
+          <a:effectLst/>
+        </p:spPr>
+        <p:txBody>
+          <a:bodyPr vert="horz" wrap="square" lIns="91440" tIns="45720" rIns="91440" bIns="45720" numCol="1" rtlCol="0" anchor="t" anchorCtr="0" compatLnSpc="1">
+            <a:prstTxWarp prst="textNoShape">
+              <a:avLst/>
+            </a:prstTxWarp>
+          </a:bodyPr>
+          <a:lstStyle/>
+          <a:p>
+            <a:pPr marL="0" marR="0" indent="0" algn="l" defTabSz="914400" rtl="0" eaLnBrk="0" fontAlgn="base" latinLnBrk="0" hangingPunct="0">
+              <a:lnSpc>
+                <a:spcPct val="100000"/>
+              </a:lnSpc>
+              <a:spcBef>
+                <a:spcPct val="0"/>
+              </a:spcBef>
+              <a:spcAft>
+                <a:spcPct val="0"/>
+              </a:spcAft>
+              <a:buClrTx/>
+              <a:buSzTx/>
+              <a:buFontTx/>
+              <a:buNone/>
+              <a:tabLst/>
+            </a:pPr>
+            <a:endParaRPr kumimoji="0" lang="en-US" sz="2400" b="0" i="0" u="none" strike="noStrike" cap="none" normalizeH="0" baseline="0">
+              <a:ln>
+                <a:solidFill>
+                  <a:srgbClr val="FF0000"/>
+                </a:solidFill>
+              </a:ln>
+              <a:solidFill>
+                <a:schemeClr val="tx1"/>
+              </a:solidFill>
+              <a:effectLst/>
+              <a:latin typeface="Times" charset="0"/>
+            </a:endParaRPr>
+          </a:p>
+        </p:txBody>
+      </p:sp>
+      <p:sp>
+        <p:nvSpPr>
+          <p:cNvPr id="7" name="Rectangle 6"/>
+          <p:cNvSpPr/>
+          <p:nvPr/>
+        </p:nvSpPr>
+        <p:spPr bwMode="auto">
+          <a:xfrm>
+            <a:off x="2775713" y="1673153"/>
+            <a:ext cx="2305842" cy="217250"/>
+          </a:xfrm>
+          <a:prstGeom prst="rect">
+            <a:avLst/>
+          </a:prstGeom>
+          <a:solidFill>
+            <a:schemeClr val="accent1">
+              <a:alpha val="0"/>
+            </a:schemeClr>
+          </a:solidFill>
+          <a:ln w="9525" cap="flat" cmpd="sng" algn="ctr">
+            <a:solidFill>
+              <a:schemeClr val="tx1"/>
+            </a:solidFill>
+            <a:prstDash val="solid"/>
+            <a:round/>
+            <a:headEnd type="none" w="med" len="med"/>
+            <a:tailEnd type="none" w="med" len="med"/>
+          </a:ln>
+          <a:effectLst/>
+        </p:spPr>
+        <p:txBody>
+          <a:bodyPr vert="horz" wrap="square" lIns="91440" tIns="45720" rIns="91440" bIns="45720" numCol="1" rtlCol="0" anchor="t" anchorCtr="0" compatLnSpc="1">
+            <a:prstTxWarp prst="textNoShape">
+              <a:avLst/>
+            </a:prstTxWarp>
+          </a:bodyPr>
+          <a:lstStyle/>
+          <a:p>
+            <a:pPr marL="0" marR="0" indent="0" algn="l" defTabSz="914400" rtl="0" eaLnBrk="0" fontAlgn="base" latinLnBrk="0" hangingPunct="0">
+              <a:lnSpc>
+                <a:spcPct val="100000"/>
+              </a:lnSpc>
+              <a:spcBef>
+                <a:spcPct val="0"/>
+              </a:spcBef>
+              <a:spcAft>
+                <a:spcPct val="0"/>
+              </a:spcAft>
+              <a:buClrTx/>
+              <a:buSzTx/>
+              <a:buFontTx/>
+              <a:buNone/>
+              <a:tabLst/>
+            </a:pPr>
+            <a:endParaRPr kumimoji="0" lang="en-US" sz="2400" b="0" i="0" u="none" strike="noStrike" cap="none" normalizeH="0" baseline="0">
+              <a:ln>
+                <a:solidFill>
+                  <a:srgbClr val="FF0000"/>
+                </a:solidFill>
+              </a:ln>
+              <a:solidFill>
+                <a:schemeClr val="tx1"/>
+              </a:solidFill>
+              <a:effectLst/>
+              <a:latin typeface="Times" charset="0"/>
+            </a:endParaRPr>
+          </a:p>
+        </p:txBody>
+      </p:sp>
+      <p:sp>
+        <p:nvSpPr>
+          <p:cNvPr id="8" name="Rectangle 7"/>
+          <p:cNvSpPr/>
+          <p:nvPr/>
+        </p:nvSpPr>
+        <p:spPr bwMode="auto">
+          <a:xfrm>
+            <a:off x="2775713" y="1907121"/>
+            <a:ext cx="2305842" cy="217250"/>
+          </a:xfrm>
+          <a:prstGeom prst="rect">
+            <a:avLst/>
+          </a:prstGeom>
+          <a:solidFill>
+            <a:schemeClr val="accent1">
+              <a:alpha val="0"/>
+            </a:schemeClr>
+          </a:solidFill>
+          <a:ln w="9525" cap="flat" cmpd="sng" algn="ctr">
+            <a:solidFill>
+              <a:schemeClr val="tx1"/>
+            </a:solidFill>
+            <a:prstDash val="solid"/>
+            <a:round/>
+            <a:headEnd type="none" w="med" len="med"/>
+            <a:tailEnd type="none" w="med" len="med"/>
+          </a:ln>
+          <a:effectLst/>
+        </p:spPr>
+        <p:txBody>
+          <a:bodyPr vert="horz" wrap="square" lIns="91440" tIns="45720" rIns="91440" bIns="45720" numCol="1" rtlCol="0" anchor="t" anchorCtr="0" compatLnSpc="1">
+            <a:prstTxWarp prst="textNoShape">
+              <a:avLst/>
+            </a:prstTxWarp>
+          </a:bodyPr>
+          <a:lstStyle/>
+          <a:p>
+            <a:pPr marL="0" marR="0" indent="0" algn="l" defTabSz="914400" rtl="0" eaLnBrk="0" fontAlgn="base" latinLnBrk="0" hangingPunct="0">
+              <a:lnSpc>
+                <a:spcPct val="100000"/>
+              </a:lnSpc>
+              <a:spcBef>
+                <a:spcPct val="0"/>
+              </a:spcBef>
+              <a:spcAft>
+                <a:spcPct val="0"/>
+              </a:spcAft>
+              <a:buClrTx/>
+              <a:buSzTx/>
+              <a:buFontTx/>
+              <a:buNone/>
+              <a:tabLst/>
+            </a:pPr>
+            <a:endParaRPr kumimoji="0" lang="en-US" sz="2400" b="0" i="0" u="none" strike="noStrike" cap="none" normalizeH="0" baseline="0">
+              <a:ln>
+                <a:solidFill>
+                  <a:srgbClr val="FF0000"/>
+                </a:solidFill>
+              </a:ln>
+              <a:solidFill>
+                <a:schemeClr val="tx1"/>
+              </a:solidFill>
+              <a:effectLst/>
+              <a:latin typeface="Times" charset="0"/>
+            </a:endParaRPr>
+          </a:p>
+        </p:txBody>
+      </p:sp>
+      <p:sp>
+        <p:nvSpPr>
+          <p:cNvPr id="9" name="Rectangle 8"/>
+          <p:cNvSpPr/>
+          <p:nvPr/>
+        </p:nvSpPr>
+        <p:spPr bwMode="auto">
+          <a:xfrm>
+            <a:off x="2777732" y="2151434"/>
+            <a:ext cx="2305842" cy="217250"/>
+          </a:xfrm>
+          <a:prstGeom prst="rect">
+            <a:avLst/>
+          </a:prstGeom>
+          <a:solidFill>
+            <a:schemeClr val="accent1">
+              <a:alpha val="0"/>
+            </a:schemeClr>
+          </a:solidFill>
+          <a:ln w="9525" cap="flat" cmpd="sng" algn="ctr">
+            <a:solidFill>
+              <a:schemeClr val="tx1"/>
+            </a:solidFill>
+            <a:prstDash val="solid"/>
+            <a:round/>
+            <a:headEnd type="none" w="med" len="med"/>
+            <a:tailEnd type="none" w="med" len="med"/>
+          </a:ln>
+          <a:effectLst/>
+        </p:spPr>
+        <p:txBody>
+          <a:bodyPr vert="horz" wrap="square" lIns="91440" tIns="45720" rIns="91440" bIns="45720" numCol="1" rtlCol="0" anchor="t" anchorCtr="0" compatLnSpc="1">
+            <a:prstTxWarp prst="textNoShape">
+              <a:avLst/>
+            </a:prstTxWarp>
+          </a:bodyPr>
+          <a:lstStyle/>
+          <a:p>
+            <a:pPr marL="0" marR="0" indent="0" algn="l" defTabSz="914400" rtl="0" eaLnBrk="0" fontAlgn="base" latinLnBrk="0" hangingPunct="0">
+              <a:lnSpc>
+                <a:spcPct val="100000"/>
+              </a:lnSpc>
+              <a:spcBef>
+                <a:spcPct val="0"/>
+              </a:spcBef>
+              <a:spcAft>
+                <a:spcPct val="0"/>
+              </a:spcAft>
+              <a:buClrTx/>
+              <a:buSzTx/>
+              <a:buFontTx/>
+              <a:buNone/>
+              <a:tabLst/>
+            </a:pPr>
+            <a:endParaRPr kumimoji="0" lang="en-US" sz="2400" b="0" i="0" u="none" strike="noStrike" cap="none" normalizeH="0" baseline="0">
+              <a:ln>
+                <a:solidFill>
+                  <a:srgbClr val="FF0000"/>
+                </a:solidFill>
+              </a:ln>
+              <a:solidFill>
+                <a:schemeClr val="tx1"/>
+              </a:solidFill>
+              <a:effectLst/>
+              <a:latin typeface="Times" charset="0"/>
+            </a:endParaRPr>
+          </a:p>
+        </p:txBody>
+      </p:sp>
+      <p:sp>
+        <p:nvSpPr>
+          <p:cNvPr id="10" name="Rectangle 9"/>
+          <p:cNvSpPr/>
+          <p:nvPr/>
+        </p:nvSpPr>
+        <p:spPr bwMode="auto">
+          <a:xfrm>
+            <a:off x="2773694" y="4175527"/>
+            <a:ext cx="2305842" cy="217250"/>
+          </a:xfrm>
+          <a:prstGeom prst="rect">
+            <a:avLst/>
+          </a:prstGeom>
+          <a:solidFill>
+            <a:schemeClr val="accent1">
+              <a:alpha val="0"/>
+            </a:schemeClr>
+          </a:solidFill>
+          <a:ln w="9525" cap="flat" cmpd="sng" algn="ctr">
+            <a:solidFill>
+              <a:schemeClr val="tx1"/>
+            </a:solidFill>
+            <a:prstDash val="solid"/>
+            <a:round/>
+            <a:headEnd type="none" w="med" len="med"/>
+            <a:tailEnd type="none" w="med" len="med"/>
+          </a:ln>
+          <a:effectLst/>
+        </p:spPr>
+        <p:txBody>
+          <a:bodyPr vert="horz" wrap="square" lIns="91440" tIns="45720" rIns="91440" bIns="45720" numCol="1" rtlCol="0" anchor="t" anchorCtr="0" compatLnSpc="1">
+            <a:prstTxWarp prst="textNoShape">
+              <a:avLst/>
+            </a:prstTxWarp>
+          </a:bodyPr>
+          <a:lstStyle/>
+          <a:p>
+            <a:pPr marL="0" marR="0" indent="0" algn="l" defTabSz="914400" rtl="0" eaLnBrk="0" fontAlgn="base" latinLnBrk="0" hangingPunct="0">
+              <a:lnSpc>
+                <a:spcPct val="100000"/>
+              </a:lnSpc>
+              <a:spcBef>
+                <a:spcPct val="0"/>
+              </a:spcBef>
+              <a:spcAft>
+                <a:spcPct val="0"/>
+              </a:spcAft>
+              <a:buClrTx/>
+              <a:buSzTx/>
+              <a:buFontTx/>
+              <a:buNone/>
+              <a:tabLst/>
+            </a:pPr>
+            <a:endParaRPr kumimoji="0" lang="en-US" sz="2400" b="0" i="0" u="none" strike="noStrike" cap="none" normalizeH="0" baseline="0">
+              <a:ln>
+                <a:solidFill>
+                  <a:srgbClr val="FF0000"/>
+                </a:solidFill>
+              </a:ln>
+              <a:solidFill>
+                <a:schemeClr val="tx1"/>
+              </a:solidFill>
+              <a:effectLst/>
+              <a:latin typeface="Times" charset="0"/>
+            </a:endParaRPr>
+          </a:p>
+        </p:txBody>
+      </p:sp>
+    </p:spTree>
+    <p:extLst>
+      <p:ext uri="{BB962C8B-B14F-4D97-AF65-F5344CB8AC3E}">
+        <p14:creationId xmlns:p14="http://schemas.microsoft.com/office/powerpoint/2010/main" val="1684172440"/>
+      </p:ext>
+    </p:extLst>
+  </p:cSld>
+  <p:clrMapOvr>
+    <a:masterClrMapping/>
+  </p:clrMapOvr>
+  <p:timing>
+    <p:tnLst>
+      <p:par>
+        <p:cTn xmlns:p14="http://schemas.microsoft.com/office/powerpoint/2010/main" id="1" dur="indefinite" restart="never" nodeType="tmRoot">
+          <p:childTnLst>
+            <p:seq concurrent="1" nextAc="seek">
+              <p:cTn id="2" dur="indefinite" nodeType="mainSeq">
+                <p:childTnLst>
+                  <p:par>
+                    <p:cTn id="3" fill="hold">
+                      <p:stCondLst>
+                        <p:cond delay="indefinite"/>
+                      </p:stCondLst>
+                      <p:childTnLst>
+                        <p:par>
+                          <p:cTn id="4" fill="hold">
+                            <p:stCondLst>
+                              <p:cond delay="0"/>
+                            </p:stCondLst>
+                            <p:childTnLst>
+                              <p:par>
+                                <p:cTn id="5" presetID="1" presetClass="entr" presetSubtype="0" fill="hold" grpId="0" nodeType="clickEffect">
+                                  <p:stCondLst>
+                                    <p:cond delay="0"/>
+                                  </p:stCondLst>
+                                  <p:childTnLst>
+                                    <p:set>
+                                      <p:cBhvr>
+                                        <p:cTn id="6" dur="1" fill="hold">
+                                          <p:stCondLst>
+                                            <p:cond delay="0"/>
+                                          </p:stCondLst>
+                                        </p:cTn>
+                                        <p:tgtEl>
+                                          <p:spTgt spid="6"/>
+                                        </p:tgtEl>
+                                        <p:attrNameLst>
+                                          <p:attrName>style.visibility</p:attrName>
+                                        </p:attrNameLst>
+                                      </p:cBhvr>
+                                      <p:to>
+                                        <p:strVal val="visible"/>
+                                      </p:to>
+                                    </p:set>
+                                  </p:childTnLst>
+                                </p:cTn>
+                              </p:par>
+                              <p:par>
+                                <p:cTn id="7" presetID="1" presetClass="entr" presetSubtype="0" fill="hold" grpId="0" nodeType="withEffect">
+                                  <p:stCondLst>
+                                    <p:cond delay="0"/>
+                                  </p:stCondLst>
+                                  <p:childTnLst>
+                                    <p:set>
+                                      <p:cBhvr>
+                                        <p:cTn id="8" dur="1" fill="hold">
+                                          <p:stCondLst>
+                                            <p:cond delay="0"/>
+                                          </p:stCondLst>
+                                        </p:cTn>
+                                        <p:tgtEl>
+                                          <p:spTgt spid="7"/>
+                                        </p:tgtEl>
+                                        <p:attrNameLst>
+                                          <p:attrName>style.visibility</p:attrName>
+                                        </p:attrNameLst>
+                                      </p:cBhvr>
+                                      <p:to>
+                                        <p:strVal val="visible"/>
+                                      </p:to>
+                                    </p:set>
+                                  </p:childTnLst>
+                                </p:cTn>
+                              </p:par>
+                              <p:par>
+                                <p:cTn id="9" presetID="1" presetClass="entr" presetSubtype="0" fill="hold" grpId="0" nodeType="withEffect">
+                                  <p:stCondLst>
+                                    <p:cond delay="0"/>
+                                  </p:stCondLst>
+                                  <p:childTnLst>
+                                    <p:set>
+                                      <p:cBhvr>
+                                        <p:cTn id="10" dur="1" fill="hold">
+                                          <p:stCondLst>
+                                            <p:cond delay="0"/>
+                                          </p:stCondLst>
+                                        </p:cTn>
+                                        <p:tgtEl>
+                                          <p:spTgt spid="8"/>
+                                        </p:tgtEl>
+                                        <p:attrNameLst>
+                                          <p:attrName>style.visibility</p:attrName>
+                                        </p:attrNameLst>
+                                      </p:cBhvr>
+                                      <p:to>
+                                        <p:strVal val="visible"/>
+                                      </p:to>
+                                    </p:set>
+                                  </p:childTnLst>
+                                </p:cTn>
+                              </p:par>
+                              <p:par>
+                                <p:cTn id="11" presetID="1" presetClass="entr" presetSubtype="0" fill="hold" grpId="0" nodeType="withEffect">
+                                  <p:stCondLst>
+                                    <p:cond delay="0"/>
+                                  </p:stCondLst>
+                                  <p:childTnLst>
+                                    <p:set>
+                                      <p:cBhvr>
+                                        <p:cTn id="12" dur="1" fill="hold">
+                                          <p:stCondLst>
+                                            <p:cond delay="0"/>
+                                          </p:stCondLst>
+                                        </p:cTn>
+                                        <p:tgtEl>
+                                          <p:spTgt spid="9"/>
+                                        </p:tgtEl>
+                                        <p:attrNameLst>
+                                          <p:attrName>style.visibility</p:attrName>
+                                        </p:attrNameLst>
+                                      </p:cBhvr>
+                                      <p:to>
+                                        <p:strVal val="visible"/>
+                                      </p:to>
+                                    </p:set>
+                                  </p:childTnLst>
+                                </p:cTn>
+                              </p:par>
+                              <p:par>
+                                <p:cTn id="13" presetID="1" presetClass="entr" presetSubtype="0" fill="hold" grpId="0" nodeType="withEffect">
+                                  <p:stCondLst>
+                                    <p:cond delay="0"/>
+                                  </p:stCondLst>
+                                  <p:childTnLst>
+                                    <p:set>
+                                      <p:cBhvr>
+                                        <p:cTn id="14" dur="1" fill="hold">
+                                          <p:stCondLst>
+                                            <p:cond delay="0"/>
+                                          </p:stCondLst>
+                                        </p:cTn>
+                                        <p:tgtEl>
+                                          <p:spTgt spid="10"/>
+                                        </p:tgtEl>
+                                        <p:attrNameLst>
+                                          <p:attrName>style.visibility</p:attrName>
+                                        </p:attrNameLst>
+                                      </p:cBhvr>
+                                      <p:to>
+                                        <p:strVal val="visible"/>
+                                      </p:to>
+                                    </p:set>
+                                  </p:childTnLst>
+                                </p:cTn>
+                              </p:par>
+                            </p:childTnLst>
+                          </p:cTn>
+                        </p:par>
+                      </p:childTnLst>
+                    </p:cTn>
+                  </p:par>
+                </p:childTnLst>
+              </p:cTn>
+              <p:prevCondLst>
+                <p:cond evt="onPrev" delay="0">
+                  <p:tgtEl>
+                    <p:sldTgt/>
+                  </p:tgtEl>
+                </p:cond>
+              </p:prevCondLst>
+              <p:nextCondLst>
+                <p:cond evt="onNext" delay="0">
+                  <p:tgtEl>
+                    <p:sldTgt/>
+                  </p:tgtEl>
+                </p:cond>
+              </p:nextCondLst>
+            </p:seq>
+          </p:childTnLst>
+        </p:cTn>
+      </p:par>
+    </p:tnLst>
+    <p:bldLst>
+      <p:bldP spid="6" grpId="0" animBg="1"/>
+      <p:bldP spid="7" grpId="0" animBg="1"/>
+      <p:bldP spid="8" grpId="0" animBg="1"/>
+      <p:bldP spid="9" grpId="0" animBg="1"/>
+      <p:bldP spid="10" grpId="0" animBg="1"/>
+    </p:bldLst>
+  </p:timing>
+</p:sld>
+</file>
+
+<file path=ppt/slides/slide3.xml><?xml version="1.0" encoding="utf-8"?>
+<p:sld xmlns:a="http://schemas.openxmlformats.org/drawingml/2006/main" xmlns:r="http://schemas.openxmlformats.org/officeDocument/2006/relationships" xmlns:p="http://schemas.openxmlformats.org/presentationml/2006/main">
+  <p:cSld>
+    <p:spTree>
+      <p:nvGrpSpPr>
+        <p:cNvPr id="1" name=""/>
+        <p:cNvGrpSpPr/>
+        <p:nvPr/>
+      </p:nvGrpSpPr>
+      <p:grpSpPr>
+        <a:xfrm>
+          <a:off x="0" y="0"/>
+          <a:ext cx="0" cy="0"/>
+          <a:chOff x="0" y="0"/>
+          <a:chExt cx="0" cy="0"/>
+        </a:xfrm>
+      </p:grpSpPr>
+      <p:sp>
+        <p:nvSpPr>
           <p:cNvPr id="4" name="Slide Number Placeholder 3"/>
           <p:cNvSpPr>
             <a:spLocks noGrp="1"/>
@@ -12315,7 +11223,7 @@
                 </a:solidFill>
               </a:rPr>
               <a:pPr/>
-              <a:t>2</a:t>
+              <a:t>3</a:t>
             </a:fld>
             <a:endParaRPr lang="en-US" dirty="0">
               <a:solidFill>
@@ -14392,7 +13300,7 @@
 </p:sld>
 </file>
 
-<file path=ppt/slides/slide3.xml><?xml version="1.0" encoding="utf-8"?>
+<file path=ppt/slides/slide4.xml><?xml version="1.0" encoding="utf-8"?>
 <p:sld xmlns:a="http://schemas.openxmlformats.org/drawingml/2006/main" xmlns:r="http://schemas.openxmlformats.org/officeDocument/2006/relationships" xmlns:p="http://schemas.openxmlformats.org/presentationml/2006/main">
   <p:cSld>
     <p:spTree>
@@ -16915,7 +15823,7 @@
 </p:sld>
 </file>
 
-<file path=ppt/slides/slide4.xml><?xml version="1.0" encoding="utf-8"?>
+<file path=ppt/slides/slide5.xml><?xml version="1.0" encoding="utf-8"?>
 <p:sld xmlns:a="http://schemas.openxmlformats.org/drawingml/2006/main" xmlns:r="http://schemas.openxmlformats.org/officeDocument/2006/relationships" xmlns:p="http://schemas.openxmlformats.org/presentationml/2006/main">
   <p:cSld>
     <p:spTree>
@@ -19298,7 +18206,7 @@
 </p:sld>
 </file>
 
-<file path=ppt/slides/slide5.xml><?xml version="1.0" encoding="utf-8"?>
+<file path=ppt/slides/slide6.xml><?xml version="1.0" encoding="utf-8"?>
 <p:sld xmlns:a="http://schemas.openxmlformats.org/drawingml/2006/main" xmlns:r="http://schemas.openxmlformats.org/officeDocument/2006/relationships" xmlns:p="http://schemas.openxmlformats.org/presentationml/2006/main">
   <p:cSld>
     <p:spTree>
@@ -19391,1026 +18299,6 @@
     <p:extLst>
       <p:ext uri="{BB962C8B-B14F-4D97-AF65-F5344CB8AC3E}">
         <p14:creationId xmlns:p14="http://schemas.microsoft.com/office/powerpoint/2010/main" val="720881886"/>
-      </p:ext>
-    </p:extLst>
-  </p:cSld>
-  <p:clrMapOvr>
-    <a:masterClrMapping/>
-  </p:clrMapOvr>
-  <p:timing>
-    <p:tnLst>
-      <p:par>
-        <p:cTn xmlns:p14="http://schemas.microsoft.com/office/powerpoint/2010/main" id="1" dur="indefinite" restart="never" nodeType="tmRoot"/>
-      </p:par>
-    </p:tnLst>
-  </p:timing>
-</p:sld>
-</file>
-
-<file path=ppt/slides/slide6.xml><?xml version="1.0" encoding="utf-8"?>
-<p:sld xmlns:a="http://schemas.openxmlformats.org/drawingml/2006/main" xmlns:r="http://schemas.openxmlformats.org/officeDocument/2006/relationships" xmlns:p="http://schemas.openxmlformats.org/presentationml/2006/main">
-  <p:cSld>
-    <p:spTree>
-      <p:nvGrpSpPr>
-        <p:cNvPr id="1" name=""/>
-        <p:cNvGrpSpPr/>
-        <p:nvPr/>
-      </p:nvGrpSpPr>
-      <p:grpSpPr>
-        <a:xfrm>
-          <a:off x="0" y="0"/>
-          <a:ext cx="0" cy="0"/>
-          <a:chOff x="0" y="0"/>
-          <a:chExt cx="0" cy="0"/>
-        </a:xfrm>
-      </p:grpSpPr>
-      <p:sp>
-        <p:nvSpPr>
-          <p:cNvPr id="4" name="Rounded Rectangle 3"/>
-          <p:cNvSpPr/>
-          <p:nvPr/>
-        </p:nvSpPr>
-        <p:spPr>
-          <a:xfrm>
-            <a:off x="734633" y="747124"/>
-            <a:ext cx="2203898" cy="522988"/>
-          </a:xfrm>
-          <a:prstGeom prst="roundRect">
-            <a:avLst/>
-          </a:prstGeom>
-          <a:ln>
-            <a:solidFill>
-              <a:srgbClr val="008000"/>
-            </a:solidFill>
-          </a:ln>
-        </p:spPr>
-        <p:style>
-          <a:lnRef idx="2">
-            <a:schemeClr val="dk1"/>
-          </a:lnRef>
-          <a:fillRef idx="1">
-            <a:schemeClr val="lt1"/>
-          </a:fillRef>
-          <a:effectRef idx="0">
-            <a:schemeClr val="dk1"/>
-          </a:effectRef>
-          <a:fontRef idx="minor">
-            <a:schemeClr val="dk1"/>
-          </a:fontRef>
-        </p:style>
-        <p:txBody>
-          <a:bodyPr rtlCol="0" anchor="ctr"/>
-          <a:lstStyle/>
-          <a:p>
-            <a:pPr algn="ctr"/>
-            <a:r>
-              <a:rPr lang="en-US" sz="1400" b="1" i="1" dirty="0" smtClean="0">
-                <a:latin typeface="Times New Roman"/>
-                <a:cs typeface="Times New Roman"/>
-              </a:rPr>
-              <a:t>Pairwise Sequence  Similarity Network</a:t>
-            </a:r>
-            <a:endParaRPr lang="en-US" sz="1400" b="1" i="1" dirty="0">
-              <a:latin typeface="Times New Roman"/>
-              <a:cs typeface="Times New Roman"/>
-            </a:endParaRPr>
-          </a:p>
-        </p:txBody>
-      </p:sp>
-      <p:sp>
-        <p:nvSpPr>
-          <p:cNvPr id="5" name="Rounded Rectangle 4"/>
-          <p:cNvSpPr/>
-          <p:nvPr/>
-        </p:nvSpPr>
-        <p:spPr>
-          <a:xfrm>
-            <a:off x="3511311" y="750099"/>
-            <a:ext cx="1870692" cy="522988"/>
-          </a:xfrm>
-          <a:prstGeom prst="roundRect">
-            <a:avLst/>
-          </a:prstGeom>
-          <a:ln>
-            <a:solidFill>
-              <a:srgbClr val="008000"/>
-            </a:solidFill>
-          </a:ln>
-        </p:spPr>
-        <p:style>
-          <a:lnRef idx="2">
-            <a:schemeClr val="dk1"/>
-          </a:lnRef>
-          <a:fillRef idx="1">
-            <a:schemeClr val="lt1"/>
-          </a:fillRef>
-          <a:effectRef idx="0">
-            <a:schemeClr val="dk1"/>
-          </a:effectRef>
-          <a:fontRef idx="minor">
-            <a:schemeClr val="dk1"/>
-          </a:fontRef>
-        </p:style>
-        <p:txBody>
-          <a:bodyPr rtlCol="0" anchor="ctr"/>
-          <a:lstStyle/>
-          <a:p>
-            <a:pPr algn="ctr"/>
-            <a:r>
-              <a:rPr lang="en-US" sz="1400" b="1" i="1" dirty="0" smtClean="0">
-                <a:latin typeface="Times New Roman"/>
-                <a:cs typeface="Times New Roman"/>
-              </a:rPr>
-              <a:t>Network </a:t>
-            </a:r>
-          </a:p>
-          <a:p>
-            <a:pPr algn="ctr"/>
-            <a:r>
-              <a:rPr lang="en-US" sz="1400" b="1" i="1" dirty="0" smtClean="0">
-                <a:latin typeface="Times New Roman"/>
-                <a:cs typeface="Times New Roman"/>
-              </a:rPr>
-              <a:t>Flow Module</a:t>
-            </a:r>
-            <a:endParaRPr lang="en-US" sz="1400" b="1" i="1" dirty="0">
-              <a:latin typeface="Times New Roman"/>
-              <a:cs typeface="Times New Roman"/>
-            </a:endParaRPr>
-          </a:p>
-        </p:txBody>
-      </p:sp>
-      <p:sp>
-        <p:nvSpPr>
-          <p:cNvPr id="6" name="Rounded Rectangle 5"/>
-          <p:cNvSpPr/>
-          <p:nvPr/>
-        </p:nvSpPr>
-        <p:spPr>
-          <a:xfrm>
-            <a:off x="6661486" y="752521"/>
-            <a:ext cx="1606231" cy="508114"/>
-          </a:xfrm>
-          <a:prstGeom prst="roundRect">
-            <a:avLst/>
-          </a:prstGeom>
-          <a:ln>
-            <a:solidFill>
-              <a:srgbClr val="008000"/>
-            </a:solidFill>
-          </a:ln>
-        </p:spPr>
-        <p:style>
-          <a:lnRef idx="2">
-            <a:schemeClr val="dk1"/>
-          </a:lnRef>
-          <a:fillRef idx="1">
-            <a:schemeClr val="lt1"/>
-          </a:fillRef>
-          <a:effectRef idx="0">
-            <a:schemeClr val="dk1"/>
-          </a:effectRef>
-          <a:fontRef idx="minor">
-            <a:schemeClr val="dk1"/>
-          </a:fontRef>
-        </p:style>
-        <p:txBody>
-          <a:bodyPr rtlCol="0" anchor="ctr"/>
-          <a:lstStyle/>
-          <a:p>
-            <a:pPr algn="ctr"/>
-            <a:r>
-              <a:rPr lang="en-US" sz="1400" b="1" i="1" dirty="0" smtClean="0">
-                <a:latin typeface="Times New Roman"/>
-                <a:cs typeface="Times New Roman"/>
-              </a:rPr>
-              <a:t>Annotation Graph</a:t>
-            </a:r>
-            <a:endParaRPr lang="en-US" sz="1400" b="1" i="1" dirty="0">
-              <a:latin typeface="Times New Roman"/>
-              <a:cs typeface="Times New Roman"/>
-            </a:endParaRPr>
-          </a:p>
-        </p:txBody>
-      </p:sp>
-      <p:sp>
-        <p:nvSpPr>
-          <p:cNvPr id="7" name="Rounded Rectangle 6"/>
-          <p:cNvSpPr/>
-          <p:nvPr/>
-        </p:nvSpPr>
-        <p:spPr>
-          <a:xfrm>
-            <a:off x="3511311" y="1686983"/>
-            <a:ext cx="1870692" cy="522988"/>
-          </a:xfrm>
-          <a:prstGeom prst="roundRect">
-            <a:avLst/>
-          </a:prstGeom>
-          <a:ln>
-            <a:solidFill>
-              <a:srgbClr val="008000"/>
-            </a:solidFill>
-          </a:ln>
-        </p:spPr>
-        <p:style>
-          <a:lnRef idx="2">
-            <a:schemeClr val="dk1"/>
-          </a:lnRef>
-          <a:fillRef idx="1">
-            <a:schemeClr val="lt1"/>
-          </a:fillRef>
-          <a:effectRef idx="0">
-            <a:schemeClr val="dk1"/>
-          </a:effectRef>
-          <a:fontRef idx="minor">
-            <a:schemeClr val="dk1"/>
-          </a:fontRef>
-        </p:style>
-        <p:txBody>
-          <a:bodyPr rtlCol="0" anchor="ctr"/>
-          <a:lstStyle/>
-          <a:p>
-            <a:pPr algn="ctr"/>
-            <a:r>
-              <a:rPr lang="en-US" sz="1400" b="1" i="1" dirty="0" smtClean="0">
-                <a:latin typeface="Times New Roman"/>
-                <a:cs typeface="Times New Roman"/>
-              </a:rPr>
-              <a:t>Transfer Annotations</a:t>
-            </a:r>
-            <a:endParaRPr lang="en-US" sz="1400" b="1" i="1" dirty="0">
-              <a:latin typeface="Times New Roman"/>
-              <a:cs typeface="Times New Roman"/>
-            </a:endParaRPr>
-          </a:p>
-        </p:txBody>
-      </p:sp>
-      <p:sp>
-        <p:nvSpPr>
-          <p:cNvPr id="8" name="Rounded Rectangle 7"/>
-          <p:cNvSpPr/>
-          <p:nvPr/>
-        </p:nvSpPr>
-        <p:spPr>
-          <a:xfrm>
-            <a:off x="3511311" y="2620342"/>
-            <a:ext cx="1870692" cy="522988"/>
-          </a:xfrm>
-          <a:prstGeom prst="roundRect">
-            <a:avLst/>
-          </a:prstGeom>
-          <a:ln>
-            <a:solidFill>
-              <a:srgbClr val="008000"/>
-            </a:solidFill>
-          </a:ln>
-        </p:spPr>
-        <p:style>
-          <a:lnRef idx="2">
-            <a:schemeClr val="dk1"/>
-          </a:lnRef>
-          <a:fillRef idx="1">
-            <a:schemeClr val="lt1"/>
-          </a:fillRef>
-          <a:effectRef idx="0">
-            <a:schemeClr val="dk1"/>
-          </a:effectRef>
-          <a:fontRef idx="minor">
-            <a:schemeClr val="dk1"/>
-          </a:fontRef>
-        </p:style>
-        <p:txBody>
-          <a:bodyPr rtlCol="0" anchor="ctr"/>
-          <a:lstStyle/>
-          <a:p>
-            <a:pPr algn="ctr"/>
-            <a:r>
-              <a:rPr lang="en-US" sz="1400" b="1" i="1" dirty="0" smtClean="0">
-                <a:latin typeface="Times New Roman"/>
-                <a:cs typeface="Times New Roman"/>
-              </a:rPr>
-              <a:t>Extract Contigs with Annotations</a:t>
-            </a:r>
-            <a:endParaRPr lang="en-US" sz="1400" b="1" i="1" dirty="0">
-              <a:latin typeface="Times New Roman"/>
-              <a:cs typeface="Times New Roman"/>
-            </a:endParaRPr>
-          </a:p>
-        </p:txBody>
-      </p:sp>
-      <p:sp>
-        <p:nvSpPr>
-          <p:cNvPr id="9" name="Rounded Rectangle 8"/>
-          <p:cNvSpPr/>
-          <p:nvPr/>
-        </p:nvSpPr>
-        <p:spPr>
-          <a:xfrm>
-            <a:off x="5786930" y="3511929"/>
-            <a:ext cx="1870692" cy="522988"/>
-          </a:xfrm>
-          <a:prstGeom prst="roundRect">
-            <a:avLst/>
-          </a:prstGeom>
-          <a:ln>
-            <a:solidFill>
-              <a:srgbClr val="008000"/>
-            </a:solidFill>
-          </a:ln>
-        </p:spPr>
-        <p:style>
-          <a:lnRef idx="2">
-            <a:schemeClr val="dk1"/>
-          </a:lnRef>
-          <a:fillRef idx="1">
-            <a:schemeClr val="lt1"/>
-          </a:fillRef>
-          <a:effectRef idx="0">
-            <a:schemeClr val="dk1"/>
-          </a:effectRef>
-          <a:fontRef idx="minor">
-            <a:schemeClr val="dk1"/>
-          </a:fontRef>
-        </p:style>
-        <p:txBody>
-          <a:bodyPr rtlCol="0" anchor="ctr"/>
-          <a:lstStyle/>
-          <a:p>
-            <a:pPr algn="ctr"/>
-            <a:r>
-              <a:rPr lang="en-US" sz="1400" b="1" i="1" dirty="0" smtClean="0">
-                <a:latin typeface="Times New Roman"/>
-                <a:cs typeface="Times New Roman"/>
-              </a:rPr>
-              <a:t>External Annotations</a:t>
-            </a:r>
-            <a:endParaRPr lang="en-US" sz="1400" b="1" i="1" dirty="0">
-              <a:latin typeface="Times New Roman"/>
-              <a:cs typeface="Times New Roman"/>
-            </a:endParaRPr>
-          </a:p>
-        </p:txBody>
-      </p:sp>
-      <p:sp>
-        <p:nvSpPr>
-          <p:cNvPr id="10" name="Rounded Rectangle 9"/>
-          <p:cNvSpPr/>
-          <p:nvPr/>
-        </p:nvSpPr>
-        <p:spPr>
-          <a:xfrm>
-            <a:off x="3769554" y="3520195"/>
-            <a:ext cx="1354205" cy="522988"/>
-          </a:xfrm>
-          <a:prstGeom prst="roundRect">
-            <a:avLst/>
-          </a:prstGeom>
-          <a:ln>
-            <a:solidFill>
-              <a:srgbClr val="008000"/>
-            </a:solidFill>
-          </a:ln>
-        </p:spPr>
-        <p:style>
-          <a:lnRef idx="2">
-            <a:schemeClr val="dk1"/>
-          </a:lnRef>
-          <a:fillRef idx="1">
-            <a:schemeClr val="lt1"/>
-          </a:fillRef>
-          <a:effectRef idx="0">
-            <a:schemeClr val="dk1"/>
-          </a:effectRef>
-          <a:fontRef idx="minor">
-            <a:schemeClr val="dk1"/>
-          </a:fontRef>
-        </p:style>
-        <p:txBody>
-          <a:bodyPr rtlCol="0" anchor="ctr"/>
-          <a:lstStyle/>
-          <a:p>
-            <a:pPr algn="ctr"/>
-            <a:r>
-              <a:rPr lang="en-US" sz="1400" b="1" i="1" dirty="0" smtClean="0">
-                <a:latin typeface="Times New Roman"/>
-                <a:cs typeface="Times New Roman"/>
-              </a:rPr>
-              <a:t>Summarize Annotations</a:t>
-            </a:r>
-            <a:endParaRPr lang="en-US" sz="1400" b="1" i="1" dirty="0">
-              <a:latin typeface="Times New Roman"/>
-              <a:cs typeface="Times New Roman"/>
-            </a:endParaRPr>
-          </a:p>
-        </p:txBody>
-      </p:sp>
-      <p:sp>
-        <p:nvSpPr>
-          <p:cNvPr id="11" name="Rounded Rectangle 10"/>
-          <p:cNvSpPr/>
-          <p:nvPr/>
-        </p:nvSpPr>
-        <p:spPr>
-          <a:xfrm>
-            <a:off x="6119621" y="2619238"/>
-            <a:ext cx="1799472" cy="522988"/>
-          </a:xfrm>
-          <a:prstGeom prst="roundRect">
-            <a:avLst/>
-          </a:prstGeom>
-          <a:ln>
-            <a:solidFill>
-              <a:srgbClr val="008000"/>
-            </a:solidFill>
-          </a:ln>
-        </p:spPr>
-        <p:style>
-          <a:lnRef idx="2">
-            <a:schemeClr val="dk1"/>
-          </a:lnRef>
-          <a:fillRef idx="1">
-            <a:schemeClr val="lt1"/>
-          </a:fillRef>
-          <a:effectRef idx="0">
-            <a:schemeClr val="dk1"/>
-          </a:effectRef>
-          <a:fontRef idx="minor">
-            <a:schemeClr val="dk1"/>
-          </a:fontRef>
-        </p:style>
-        <p:txBody>
-          <a:bodyPr rtlCol="0" anchor="ctr"/>
-          <a:lstStyle/>
-          <a:p>
-            <a:pPr algn="ctr"/>
-            <a:r>
-              <a:rPr lang="en-US" sz="1400" b="1" i="1" dirty="0" smtClean="0">
-                <a:latin typeface="Times New Roman"/>
-                <a:cs typeface="Times New Roman"/>
-              </a:rPr>
-              <a:t>Annotation File &amp; Annotation Graph</a:t>
-            </a:r>
-            <a:endParaRPr lang="en-US" sz="1400" b="1" i="1" dirty="0">
-              <a:latin typeface="Times New Roman"/>
-              <a:cs typeface="Times New Roman"/>
-            </a:endParaRPr>
-          </a:p>
-        </p:txBody>
-      </p:sp>
-      <p:sp>
-        <p:nvSpPr>
-          <p:cNvPr id="12" name="TextBox 11"/>
-          <p:cNvSpPr txBox="1"/>
-          <p:nvPr/>
-        </p:nvSpPr>
-        <p:spPr>
-          <a:xfrm>
-            <a:off x="5786930" y="4072151"/>
-            <a:ext cx="1718293" cy="738664"/>
-          </a:xfrm>
-          <a:prstGeom prst="rect">
-            <a:avLst/>
-          </a:prstGeom>
-          <a:noFill/>
-        </p:spPr>
-        <p:txBody>
-          <a:bodyPr wrap="square" rtlCol="0">
-            <a:spAutoFit/>
-          </a:bodyPr>
-          <a:lstStyle/>
-          <a:p>
-            <a:pPr algn="ctr"/>
-            <a:r>
-              <a:rPr lang="en-US" sz="1400" i="1" dirty="0" smtClean="0">
-                <a:latin typeface="Times New Roman"/>
-                <a:cs typeface="Times New Roman"/>
-              </a:rPr>
-              <a:t>TRANSDECODE –</a:t>
-            </a:r>
-          </a:p>
-          <a:p>
-            <a:pPr algn="ctr"/>
-            <a:r>
-              <a:rPr lang="en-US" sz="1400" i="1" dirty="0" smtClean="0">
-                <a:latin typeface="Times New Roman"/>
-                <a:cs typeface="Times New Roman"/>
-              </a:rPr>
-              <a:t>HMMSCAN, </a:t>
-            </a:r>
-            <a:r>
-              <a:rPr lang="en-US" sz="1400" i="1" dirty="0" err="1" smtClean="0">
-                <a:latin typeface="Times New Roman"/>
-                <a:cs typeface="Times New Roman"/>
-              </a:rPr>
-              <a:t>TargetP</a:t>
-            </a:r>
-            <a:endParaRPr lang="en-US" sz="1400" i="1" dirty="0" smtClean="0">
-              <a:latin typeface="Times New Roman"/>
-              <a:cs typeface="Times New Roman"/>
-            </a:endParaRPr>
-          </a:p>
-          <a:p>
-            <a:pPr algn="ctr"/>
-            <a:r>
-              <a:rPr lang="en-US" sz="1400" i="1" dirty="0" smtClean="0">
-                <a:latin typeface="Times New Roman"/>
-                <a:cs typeface="Times New Roman"/>
-              </a:rPr>
-              <a:t>Best Hits</a:t>
-            </a:r>
-            <a:endParaRPr lang="en-US" sz="1400" i="1" dirty="0">
-              <a:latin typeface="Times New Roman"/>
-              <a:cs typeface="Times New Roman"/>
-            </a:endParaRPr>
-          </a:p>
-        </p:txBody>
-      </p:sp>
-      <p:cxnSp>
-        <p:nvCxnSpPr>
-          <p:cNvPr id="14" name="Straight Arrow Connector 13"/>
-          <p:cNvCxnSpPr>
-            <a:stCxn id="4" idx="3"/>
-            <a:endCxn id="5" idx="1"/>
-          </p:cNvCxnSpPr>
-          <p:nvPr/>
-        </p:nvCxnSpPr>
-        <p:spPr>
-          <a:xfrm>
-            <a:off x="2938531" y="1008618"/>
-            <a:ext cx="572780" cy="2975"/>
-          </a:xfrm>
-          <a:prstGeom prst="straightConnector1">
-            <a:avLst/>
-          </a:prstGeom>
-          <a:ln>
-            <a:tailEnd type="arrow"/>
-          </a:ln>
-        </p:spPr>
-        <p:style>
-          <a:lnRef idx="2">
-            <a:schemeClr val="accent1"/>
-          </a:lnRef>
-          <a:fillRef idx="0">
-            <a:schemeClr val="accent1"/>
-          </a:fillRef>
-          <a:effectRef idx="1">
-            <a:schemeClr val="accent1"/>
-          </a:effectRef>
-          <a:fontRef idx="minor">
-            <a:schemeClr val="tx1"/>
-          </a:fontRef>
-        </p:style>
-      </p:cxnSp>
-      <p:cxnSp>
-        <p:nvCxnSpPr>
-          <p:cNvPr id="15" name="Straight Arrow Connector 14"/>
-          <p:cNvCxnSpPr>
-            <a:stCxn id="6" idx="1"/>
-            <a:endCxn id="5" idx="3"/>
-          </p:cNvCxnSpPr>
-          <p:nvPr/>
-        </p:nvCxnSpPr>
-        <p:spPr>
-          <a:xfrm flipH="1">
-            <a:off x="5382003" y="1006578"/>
-            <a:ext cx="1279483" cy="5015"/>
-          </a:xfrm>
-          <a:prstGeom prst="straightConnector1">
-            <a:avLst/>
-          </a:prstGeom>
-          <a:ln>
-            <a:tailEnd type="arrow"/>
-          </a:ln>
-        </p:spPr>
-        <p:style>
-          <a:lnRef idx="2">
-            <a:schemeClr val="accent1"/>
-          </a:lnRef>
-          <a:fillRef idx="0">
-            <a:schemeClr val="accent1"/>
-          </a:fillRef>
-          <a:effectRef idx="1">
-            <a:schemeClr val="accent1"/>
-          </a:effectRef>
-          <a:fontRef idx="minor">
-            <a:schemeClr val="tx1"/>
-          </a:fontRef>
-        </p:style>
-      </p:cxnSp>
-      <p:cxnSp>
-        <p:nvCxnSpPr>
-          <p:cNvPr id="18" name="Straight Arrow Connector 17"/>
-          <p:cNvCxnSpPr>
-            <a:stCxn id="5" idx="2"/>
-            <a:endCxn id="7" idx="0"/>
-          </p:cNvCxnSpPr>
-          <p:nvPr/>
-        </p:nvCxnSpPr>
-        <p:spPr>
-          <a:xfrm>
-            <a:off x="4446657" y="1273087"/>
-            <a:ext cx="0" cy="413896"/>
-          </a:xfrm>
-          <a:prstGeom prst="straightConnector1">
-            <a:avLst/>
-          </a:prstGeom>
-          <a:ln>
-            <a:tailEnd type="arrow"/>
-          </a:ln>
-        </p:spPr>
-        <p:style>
-          <a:lnRef idx="2">
-            <a:schemeClr val="accent1"/>
-          </a:lnRef>
-          <a:fillRef idx="0">
-            <a:schemeClr val="accent1"/>
-          </a:fillRef>
-          <a:effectRef idx="1">
-            <a:schemeClr val="accent1"/>
-          </a:effectRef>
-          <a:fontRef idx="minor">
-            <a:schemeClr val="tx1"/>
-          </a:fontRef>
-        </p:style>
-      </p:cxnSp>
-      <p:cxnSp>
-        <p:nvCxnSpPr>
-          <p:cNvPr id="21" name="Straight Arrow Connector 20"/>
-          <p:cNvCxnSpPr>
-            <a:stCxn id="7" idx="2"/>
-            <a:endCxn id="8" idx="0"/>
-          </p:cNvCxnSpPr>
-          <p:nvPr/>
-        </p:nvCxnSpPr>
-        <p:spPr>
-          <a:xfrm>
-            <a:off x="4446657" y="2209971"/>
-            <a:ext cx="0" cy="410371"/>
-          </a:xfrm>
-          <a:prstGeom prst="straightConnector1">
-            <a:avLst/>
-          </a:prstGeom>
-          <a:ln>
-            <a:tailEnd type="arrow"/>
-          </a:ln>
-        </p:spPr>
-        <p:style>
-          <a:lnRef idx="2">
-            <a:schemeClr val="accent1"/>
-          </a:lnRef>
-          <a:fillRef idx="0">
-            <a:schemeClr val="accent1"/>
-          </a:fillRef>
-          <a:effectRef idx="1">
-            <a:schemeClr val="accent1"/>
-          </a:effectRef>
-          <a:fontRef idx="minor">
-            <a:schemeClr val="tx1"/>
-          </a:fontRef>
-        </p:style>
-      </p:cxnSp>
-      <p:cxnSp>
-        <p:nvCxnSpPr>
-          <p:cNvPr id="26" name="Straight Arrow Connector 25"/>
-          <p:cNvCxnSpPr>
-            <a:stCxn id="9" idx="1"/>
-            <a:endCxn id="10" idx="3"/>
-          </p:cNvCxnSpPr>
-          <p:nvPr/>
-        </p:nvCxnSpPr>
-        <p:spPr>
-          <a:xfrm flipH="1">
-            <a:off x="5123759" y="3773423"/>
-            <a:ext cx="663171" cy="8266"/>
-          </a:xfrm>
-          <a:prstGeom prst="straightConnector1">
-            <a:avLst/>
-          </a:prstGeom>
-          <a:ln>
-            <a:tailEnd type="arrow"/>
-          </a:ln>
-        </p:spPr>
-        <p:style>
-          <a:lnRef idx="2">
-            <a:schemeClr val="accent1"/>
-          </a:lnRef>
-          <a:fillRef idx="0">
-            <a:schemeClr val="accent1"/>
-          </a:fillRef>
-          <a:effectRef idx="1">
-            <a:schemeClr val="accent1"/>
-          </a:effectRef>
-          <a:fontRef idx="minor">
-            <a:schemeClr val="tx1"/>
-          </a:fontRef>
-        </p:style>
-      </p:cxnSp>
-      <p:cxnSp>
-        <p:nvCxnSpPr>
-          <p:cNvPr id="30" name="Straight Arrow Connector 29"/>
-          <p:cNvCxnSpPr>
-            <a:stCxn id="8" idx="3"/>
-            <a:endCxn id="11" idx="1"/>
-          </p:cNvCxnSpPr>
-          <p:nvPr/>
-        </p:nvCxnSpPr>
-        <p:spPr>
-          <a:xfrm flipV="1">
-            <a:off x="5382003" y="2880732"/>
-            <a:ext cx="737618" cy="1104"/>
-          </a:xfrm>
-          <a:prstGeom prst="straightConnector1">
-            <a:avLst/>
-          </a:prstGeom>
-          <a:ln>
-            <a:tailEnd type="arrow"/>
-          </a:ln>
-        </p:spPr>
-        <p:style>
-          <a:lnRef idx="2">
-            <a:schemeClr val="accent1"/>
-          </a:lnRef>
-          <a:fillRef idx="0">
-            <a:schemeClr val="accent1"/>
-          </a:fillRef>
-          <a:effectRef idx="1">
-            <a:schemeClr val="accent1"/>
-          </a:effectRef>
-          <a:fontRef idx="minor">
-            <a:schemeClr val="tx1"/>
-          </a:fontRef>
-        </p:style>
-      </p:cxnSp>
-      <p:sp>
-        <p:nvSpPr>
-          <p:cNvPr id="36" name="Rounded Rectangle 35"/>
-          <p:cNvSpPr/>
-          <p:nvPr/>
-        </p:nvSpPr>
-        <p:spPr>
-          <a:xfrm>
-            <a:off x="1356457" y="3582563"/>
-            <a:ext cx="1694867" cy="398251"/>
-          </a:xfrm>
-          <a:prstGeom prst="roundRect">
-            <a:avLst/>
-          </a:prstGeom>
-          <a:ln>
-            <a:solidFill>
-              <a:srgbClr val="008000"/>
-            </a:solidFill>
-          </a:ln>
-        </p:spPr>
-        <p:style>
-          <a:lnRef idx="2">
-            <a:schemeClr val="dk1"/>
-          </a:lnRef>
-          <a:fillRef idx="1">
-            <a:schemeClr val="lt1"/>
-          </a:fillRef>
-          <a:effectRef idx="0">
-            <a:schemeClr val="dk1"/>
-          </a:effectRef>
-          <a:fontRef idx="minor">
-            <a:schemeClr val="dk1"/>
-          </a:fontRef>
-        </p:style>
-        <p:txBody>
-          <a:bodyPr rtlCol="0" anchor="ctr"/>
-          <a:lstStyle/>
-          <a:p>
-            <a:pPr algn="ctr"/>
-            <a:r>
-              <a:rPr lang="en-US" sz="1400" b="1" i="1" dirty="0" smtClean="0">
-                <a:latin typeface="Times New Roman"/>
-                <a:cs typeface="Times New Roman"/>
-              </a:rPr>
-              <a:t>Expression Data</a:t>
-            </a:r>
-            <a:endParaRPr lang="en-US" sz="1400" b="1" i="1" dirty="0">
-              <a:latin typeface="Times New Roman"/>
-              <a:cs typeface="Times New Roman"/>
-            </a:endParaRPr>
-          </a:p>
-        </p:txBody>
-      </p:sp>
-      <p:cxnSp>
-        <p:nvCxnSpPr>
-          <p:cNvPr id="37" name="Straight Arrow Connector 36"/>
-          <p:cNvCxnSpPr>
-            <a:stCxn id="36" idx="3"/>
-            <a:endCxn id="10" idx="1"/>
-          </p:cNvCxnSpPr>
-          <p:nvPr/>
-        </p:nvCxnSpPr>
-        <p:spPr>
-          <a:xfrm>
-            <a:off x="3051324" y="3781689"/>
-            <a:ext cx="718230" cy="0"/>
-          </a:xfrm>
-          <a:prstGeom prst="straightConnector1">
-            <a:avLst/>
-          </a:prstGeom>
-          <a:ln>
-            <a:tailEnd type="arrow"/>
-          </a:ln>
-        </p:spPr>
-        <p:style>
-          <a:lnRef idx="2">
-            <a:schemeClr val="accent1"/>
-          </a:lnRef>
-          <a:fillRef idx="0">
-            <a:schemeClr val="accent1"/>
-          </a:fillRef>
-          <a:effectRef idx="1">
-            <a:schemeClr val="accent1"/>
-          </a:effectRef>
-          <a:fontRef idx="minor">
-            <a:schemeClr val="tx1"/>
-          </a:fontRef>
-        </p:style>
-      </p:cxnSp>
-      <p:cxnSp>
-        <p:nvCxnSpPr>
-          <p:cNvPr id="43" name="Straight Arrow Connector 42"/>
-          <p:cNvCxnSpPr>
-            <a:stCxn id="8" idx="2"/>
-            <a:endCxn id="10" idx="0"/>
-          </p:cNvCxnSpPr>
-          <p:nvPr/>
-        </p:nvCxnSpPr>
-        <p:spPr>
-          <a:xfrm>
-            <a:off x="4446657" y="3143330"/>
-            <a:ext cx="0" cy="376865"/>
-          </a:xfrm>
-          <a:prstGeom prst="straightConnector1">
-            <a:avLst/>
-          </a:prstGeom>
-          <a:ln>
-            <a:tailEnd type="arrow"/>
-          </a:ln>
-        </p:spPr>
-        <p:style>
-          <a:lnRef idx="2">
-            <a:schemeClr val="accent1"/>
-          </a:lnRef>
-          <a:fillRef idx="0">
-            <a:schemeClr val="accent1"/>
-          </a:fillRef>
-          <a:effectRef idx="1">
-            <a:schemeClr val="accent1"/>
-          </a:effectRef>
-          <a:fontRef idx="minor">
-            <a:schemeClr val="tx1"/>
-          </a:fontRef>
-        </p:style>
-      </p:cxnSp>
-      <p:sp>
-        <p:nvSpPr>
-          <p:cNvPr id="57" name="TextBox 56"/>
-          <p:cNvSpPr txBox="1"/>
-          <p:nvPr/>
-        </p:nvSpPr>
-        <p:spPr>
-          <a:xfrm>
-            <a:off x="946307" y="4823267"/>
-            <a:ext cx="7483294" cy="646331"/>
-          </a:xfrm>
-          <a:prstGeom prst="rect">
-            <a:avLst/>
-          </a:prstGeom>
-          <a:noFill/>
-        </p:spPr>
-        <p:txBody>
-          <a:bodyPr wrap="square" rtlCol="0">
-            <a:spAutoFit/>
-          </a:bodyPr>
-          <a:lstStyle/>
-          <a:p>
-            <a:pPr algn="ctr"/>
-            <a:r>
-              <a:rPr lang="en-US" i="1" dirty="0" smtClean="0">
-                <a:latin typeface="Times New Roman"/>
-                <a:cs typeface="Times New Roman"/>
-              </a:rPr>
-              <a:t>Figure X: Protocol used for assigning functional annotations to the de-novo assembled contigs</a:t>
-            </a:r>
-            <a:endParaRPr lang="en-US" i="1" dirty="0">
-              <a:latin typeface="Times New Roman"/>
-              <a:cs typeface="Times New Roman"/>
-            </a:endParaRPr>
-          </a:p>
-        </p:txBody>
-      </p:sp>
-      <p:sp>
-        <p:nvSpPr>
-          <p:cNvPr id="58" name="TextBox 57"/>
-          <p:cNvSpPr txBox="1"/>
-          <p:nvPr/>
-        </p:nvSpPr>
-        <p:spPr>
-          <a:xfrm>
-            <a:off x="5148661" y="500696"/>
-            <a:ext cx="1705842" cy="830997"/>
-          </a:xfrm>
-          <a:prstGeom prst="rect">
-            <a:avLst/>
-          </a:prstGeom>
-          <a:noFill/>
-        </p:spPr>
-        <p:txBody>
-          <a:bodyPr wrap="square" rtlCol="0">
-            <a:spAutoFit/>
-          </a:bodyPr>
-          <a:lstStyle/>
-          <a:p>
-            <a:pPr algn="ctr"/>
-            <a:r>
-              <a:rPr lang="en-US" sz="1200" b="1" i="1" dirty="0" smtClean="0">
-                <a:latin typeface="Times New Roman"/>
-                <a:cs typeface="Times New Roman"/>
-              </a:rPr>
-              <a:t>Source Proteins </a:t>
-            </a:r>
-          </a:p>
-          <a:p>
-            <a:pPr algn="ctr"/>
-            <a:r>
-              <a:rPr lang="en-US" sz="1200" b="1" i="1" dirty="0" smtClean="0">
-                <a:latin typeface="Times New Roman"/>
-                <a:cs typeface="Times New Roman"/>
-              </a:rPr>
-              <a:t>with Annotations</a:t>
-            </a:r>
-          </a:p>
-          <a:p>
-            <a:pPr algn="ctr"/>
-            <a:r>
-              <a:rPr lang="en-US" sz="1200" b="1" i="1" dirty="0" smtClean="0">
-                <a:latin typeface="Times New Roman"/>
-                <a:cs typeface="Times New Roman"/>
-              </a:rPr>
-              <a:t>&amp; </a:t>
-            </a:r>
-          </a:p>
-          <a:p>
-            <a:pPr algn="ctr"/>
-            <a:r>
-              <a:rPr lang="en-US" sz="1200" b="1" i="1" dirty="0" smtClean="0">
-                <a:latin typeface="Times New Roman"/>
-                <a:cs typeface="Times New Roman"/>
-              </a:rPr>
-              <a:t>Confidence Scores</a:t>
-            </a:r>
-            <a:endParaRPr lang="en-US" sz="1200" b="1" i="1" dirty="0">
-              <a:latin typeface="Times New Roman"/>
-              <a:cs typeface="Times New Roman"/>
-            </a:endParaRPr>
-          </a:p>
-        </p:txBody>
-      </p:sp>
-      <p:cxnSp>
-        <p:nvCxnSpPr>
-          <p:cNvPr id="60" name="Elbow Connector 59"/>
-          <p:cNvCxnSpPr>
-            <a:stCxn id="6" idx="2"/>
-            <a:endCxn id="7" idx="3"/>
-          </p:cNvCxnSpPr>
-          <p:nvPr/>
-        </p:nvCxnSpPr>
-        <p:spPr>
-          <a:xfrm rot="5400000">
-            <a:off x="6079382" y="563257"/>
-            <a:ext cx="687842" cy="2082599"/>
-          </a:xfrm>
-          <a:prstGeom prst="bentConnector2">
-            <a:avLst/>
-          </a:prstGeom>
-          <a:ln>
-            <a:tailEnd type="arrow"/>
-          </a:ln>
-        </p:spPr>
-        <p:style>
-          <a:lnRef idx="2">
-            <a:schemeClr val="accent1"/>
-          </a:lnRef>
-          <a:fillRef idx="0">
-            <a:schemeClr val="accent1"/>
-          </a:fillRef>
-          <a:effectRef idx="1">
-            <a:schemeClr val="accent1"/>
-          </a:effectRef>
-          <a:fontRef idx="minor">
-            <a:schemeClr val="tx1"/>
-          </a:fontRef>
-        </p:style>
-      </p:cxnSp>
-    </p:spTree>
-    <p:extLst>
-      <p:ext uri="{BB962C8B-B14F-4D97-AF65-F5344CB8AC3E}">
-        <p14:creationId xmlns:p14="http://schemas.microsoft.com/office/powerpoint/2010/main" val="429946700"/>
       </p:ext>
     </p:extLst>
   </p:cSld>
@@ -20446,31 +18334,36 @@
       </p:grpSpPr>
       <p:sp>
         <p:nvSpPr>
-          <p:cNvPr id="3" name="Oval 2"/>
+          <p:cNvPr id="4" name="Rounded Rectangle 3"/>
           <p:cNvSpPr/>
           <p:nvPr/>
         </p:nvSpPr>
         <p:spPr>
           <a:xfrm>
-            <a:off x="2021007" y="1717889"/>
-            <a:ext cx="273930" cy="273946"/>
-          </a:xfrm>
-          <a:prstGeom prst="ellipse">
-            <a:avLst/>
-          </a:prstGeom>
+            <a:off x="734633" y="747124"/>
+            <a:ext cx="2203898" cy="522988"/>
+          </a:xfrm>
+          <a:prstGeom prst="roundRect">
+            <a:avLst/>
+          </a:prstGeom>
+          <a:ln>
+            <a:solidFill>
+              <a:srgbClr val="008000"/>
+            </a:solidFill>
+          </a:ln>
         </p:spPr>
         <p:style>
-          <a:lnRef idx="3">
-            <a:schemeClr val="lt1"/>
+          <a:lnRef idx="2">
+            <a:schemeClr val="dk1"/>
           </a:lnRef>
           <a:fillRef idx="1">
-            <a:schemeClr val="accent2"/>
+            <a:schemeClr val="lt1"/>
           </a:fillRef>
-          <a:effectRef idx="1">
-            <a:schemeClr val="accent2"/>
+          <a:effectRef idx="0">
+            <a:schemeClr val="dk1"/>
           </a:effectRef>
           <a:fontRef idx="minor">
-            <a:schemeClr val="lt1"/>
+            <a:schemeClr val="dk1"/>
           </a:fontRef>
         </p:style>
         <p:txBody>
@@ -20478,20 +18371,411 @@
           <a:lstStyle/>
           <a:p>
             <a:pPr algn="ctr"/>
-            <a:endParaRPr lang="en-US"/>
-          </a:p>
-        </p:txBody>
-      </p:sp>
-      <p:sp>
-        <p:nvSpPr>
-          <p:cNvPr id="10" name="TextBox 9"/>
+            <a:r>
+              <a:rPr lang="en-US" sz="1400" b="1" i="1" dirty="0" smtClean="0">
+                <a:latin typeface="Times New Roman"/>
+                <a:cs typeface="Times New Roman"/>
+              </a:rPr>
+              <a:t>Pairwise Sequence  Similarity Network</a:t>
+            </a:r>
+            <a:endParaRPr lang="en-US" sz="1400" b="1" i="1" dirty="0">
+              <a:latin typeface="Times New Roman"/>
+              <a:cs typeface="Times New Roman"/>
+            </a:endParaRPr>
+          </a:p>
+        </p:txBody>
+      </p:sp>
+      <p:sp>
+        <p:nvSpPr>
+          <p:cNvPr id="5" name="Rounded Rectangle 4"/>
+          <p:cNvSpPr/>
+          <p:nvPr/>
+        </p:nvSpPr>
+        <p:spPr>
+          <a:xfrm>
+            <a:off x="3511311" y="750099"/>
+            <a:ext cx="1870692" cy="522988"/>
+          </a:xfrm>
+          <a:prstGeom prst="roundRect">
+            <a:avLst/>
+          </a:prstGeom>
+          <a:ln>
+            <a:solidFill>
+              <a:srgbClr val="008000"/>
+            </a:solidFill>
+          </a:ln>
+        </p:spPr>
+        <p:style>
+          <a:lnRef idx="2">
+            <a:schemeClr val="dk1"/>
+          </a:lnRef>
+          <a:fillRef idx="1">
+            <a:schemeClr val="lt1"/>
+          </a:fillRef>
+          <a:effectRef idx="0">
+            <a:schemeClr val="dk1"/>
+          </a:effectRef>
+          <a:fontRef idx="minor">
+            <a:schemeClr val="dk1"/>
+          </a:fontRef>
+        </p:style>
+        <p:txBody>
+          <a:bodyPr rtlCol="0" anchor="ctr"/>
+          <a:lstStyle/>
+          <a:p>
+            <a:pPr algn="ctr"/>
+            <a:r>
+              <a:rPr lang="en-US" sz="1400" b="1" i="1" dirty="0" smtClean="0">
+                <a:latin typeface="Times New Roman"/>
+                <a:cs typeface="Times New Roman"/>
+              </a:rPr>
+              <a:t>Network </a:t>
+            </a:r>
+          </a:p>
+          <a:p>
+            <a:pPr algn="ctr"/>
+            <a:r>
+              <a:rPr lang="en-US" sz="1400" b="1" i="1" dirty="0" smtClean="0">
+                <a:latin typeface="Times New Roman"/>
+                <a:cs typeface="Times New Roman"/>
+              </a:rPr>
+              <a:t>Flow Module</a:t>
+            </a:r>
+            <a:endParaRPr lang="en-US" sz="1400" b="1" i="1" dirty="0">
+              <a:latin typeface="Times New Roman"/>
+              <a:cs typeface="Times New Roman"/>
+            </a:endParaRPr>
+          </a:p>
+        </p:txBody>
+      </p:sp>
+      <p:sp>
+        <p:nvSpPr>
+          <p:cNvPr id="6" name="Rounded Rectangle 5"/>
+          <p:cNvSpPr/>
+          <p:nvPr/>
+        </p:nvSpPr>
+        <p:spPr>
+          <a:xfrm>
+            <a:off x="6661486" y="752521"/>
+            <a:ext cx="1606231" cy="508114"/>
+          </a:xfrm>
+          <a:prstGeom prst="roundRect">
+            <a:avLst/>
+          </a:prstGeom>
+          <a:ln>
+            <a:solidFill>
+              <a:srgbClr val="008000"/>
+            </a:solidFill>
+          </a:ln>
+        </p:spPr>
+        <p:style>
+          <a:lnRef idx="2">
+            <a:schemeClr val="dk1"/>
+          </a:lnRef>
+          <a:fillRef idx="1">
+            <a:schemeClr val="lt1"/>
+          </a:fillRef>
+          <a:effectRef idx="0">
+            <a:schemeClr val="dk1"/>
+          </a:effectRef>
+          <a:fontRef idx="minor">
+            <a:schemeClr val="dk1"/>
+          </a:fontRef>
+        </p:style>
+        <p:txBody>
+          <a:bodyPr rtlCol="0" anchor="ctr"/>
+          <a:lstStyle/>
+          <a:p>
+            <a:pPr algn="ctr"/>
+            <a:r>
+              <a:rPr lang="en-US" sz="1400" b="1" i="1" dirty="0" smtClean="0">
+                <a:latin typeface="Times New Roman"/>
+                <a:cs typeface="Times New Roman"/>
+              </a:rPr>
+              <a:t>Annotation Graph</a:t>
+            </a:r>
+            <a:endParaRPr lang="en-US" sz="1400" b="1" i="1" dirty="0">
+              <a:latin typeface="Times New Roman"/>
+              <a:cs typeface="Times New Roman"/>
+            </a:endParaRPr>
+          </a:p>
+        </p:txBody>
+      </p:sp>
+      <p:sp>
+        <p:nvSpPr>
+          <p:cNvPr id="7" name="Rounded Rectangle 6"/>
+          <p:cNvSpPr/>
+          <p:nvPr/>
+        </p:nvSpPr>
+        <p:spPr>
+          <a:xfrm>
+            <a:off x="3511311" y="1686983"/>
+            <a:ext cx="1870692" cy="522988"/>
+          </a:xfrm>
+          <a:prstGeom prst="roundRect">
+            <a:avLst/>
+          </a:prstGeom>
+          <a:ln>
+            <a:solidFill>
+              <a:srgbClr val="008000"/>
+            </a:solidFill>
+          </a:ln>
+        </p:spPr>
+        <p:style>
+          <a:lnRef idx="2">
+            <a:schemeClr val="dk1"/>
+          </a:lnRef>
+          <a:fillRef idx="1">
+            <a:schemeClr val="lt1"/>
+          </a:fillRef>
+          <a:effectRef idx="0">
+            <a:schemeClr val="dk1"/>
+          </a:effectRef>
+          <a:fontRef idx="minor">
+            <a:schemeClr val="dk1"/>
+          </a:fontRef>
+        </p:style>
+        <p:txBody>
+          <a:bodyPr rtlCol="0" anchor="ctr"/>
+          <a:lstStyle/>
+          <a:p>
+            <a:pPr algn="ctr"/>
+            <a:r>
+              <a:rPr lang="en-US" sz="1400" b="1" i="1" dirty="0" smtClean="0">
+                <a:latin typeface="Times New Roman"/>
+                <a:cs typeface="Times New Roman"/>
+              </a:rPr>
+              <a:t>Transfer Annotations</a:t>
+            </a:r>
+            <a:endParaRPr lang="en-US" sz="1400" b="1" i="1" dirty="0">
+              <a:latin typeface="Times New Roman"/>
+              <a:cs typeface="Times New Roman"/>
+            </a:endParaRPr>
+          </a:p>
+        </p:txBody>
+      </p:sp>
+      <p:sp>
+        <p:nvSpPr>
+          <p:cNvPr id="8" name="Rounded Rectangle 7"/>
+          <p:cNvSpPr/>
+          <p:nvPr/>
+        </p:nvSpPr>
+        <p:spPr>
+          <a:xfrm>
+            <a:off x="3511311" y="2620342"/>
+            <a:ext cx="1870692" cy="522988"/>
+          </a:xfrm>
+          <a:prstGeom prst="roundRect">
+            <a:avLst/>
+          </a:prstGeom>
+          <a:ln>
+            <a:solidFill>
+              <a:srgbClr val="008000"/>
+            </a:solidFill>
+          </a:ln>
+        </p:spPr>
+        <p:style>
+          <a:lnRef idx="2">
+            <a:schemeClr val="dk1"/>
+          </a:lnRef>
+          <a:fillRef idx="1">
+            <a:schemeClr val="lt1"/>
+          </a:fillRef>
+          <a:effectRef idx="0">
+            <a:schemeClr val="dk1"/>
+          </a:effectRef>
+          <a:fontRef idx="minor">
+            <a:schemeClr val="dk1"/>
+          </a:fontRef>
+        </p:style>
+        <p:txBody>
+          <a:bodyPr rtlCol="0" anchor="ctr"/>
+          <a:lstStyle/>
+          <a:p>
+            <a:pPr algn="ctr"/>
+            <a:r>
+              <a:rPr lang="en-US" sz="1400" b="1" i="1" dirty="0" smtClean="0">
+                <a:latin typeface="Times New Roman"/>
+                <a:cs typeface="Times New Roman"/>
+              </a:rPr>
+              <a:t>Extract Contigs with Annotations</a:t>
+            </a:r>
+            <a:endParaRPr lang="en-US" sz="1400" b="1" i="1" dirty="0">
+              <a:latin typeface="Times New Roman"/>
+              <a:cs typeface="Times New Roman"/>
+            </a:endParaRPr>
+          </a:p>
+        </p:txBody>
+      </p:sp>
+      <p:sp>
+        <p:nvSpPr>
+          <p:cNvPr id="9" name="Rounded Rectangle 8"/>
+          <p:cNvSpPr/>
+          <p:nvPr/>
+        </p:nvSpPr>
+        <p:spPr>
+          <a:xfrm>
+            <a:off x="5786930" y="3511929"/>
+            <a:ext cx="1870692" cy="522988"/>
+          </a:xfrm>
+          <a:prstGeom prst="roundRect">
+            <a:avLst/>
+          </a:prstGeom>
+          <a:ln>
+            <a:solidFill>
+              <a:srgbClr val="008000"/>
+            </a:solidFill>
+          </a:ln>
+        </p:spPr>
+        <p:style>
+          <a:lnRef idx="2">
+            <a:schemeClr val="dk1"/>
+          </a:lnRef>
+          <a:fillRef idx="1">
+            <a:schemeClr val="lt1"/>
+          </a:fillRef>
+          <a:effectRef idx="0">
+            <a:schemeClr val="dk1"/>
+          </a:effectRef>
+          <a:fontRef idx="minor">
+            <a:schemeClr val="dk1"/>
+          </a:fontRef>
+        </p:style>
+        <p:txBody>
+          <a:bodyPr rtlCol="0" anchor="ctr"/>
+          <a:lstStyle/>
+          <a:p>
+            <a:pPr algn="ctr"/>
+            <a:r>
+              <a:rPr lang="en-US" sz="1400" b="1" i="1" dirty="0" smtClean="0">
+                <a:latin typeface="Times New Roman"/>
+                <a:cs typeface="Times New Roman"/>
+              </a:rPr>
+              <a:t>External Annotations</a:t>
+            </a:r>
+            <a:endParaRPr lang="en-US" sz="1400" b="1" i="1" dirty="0">
+              <a:latin typeface="Times New Roman"/>
+              <a:cs typeface="Times New Roman"/>
+            </a:endParaRPr>
+          </a:p>
+        </p:txBody>
+      </p:sp>
+      <p:sp>
+        <p:nvSpPr>
+          <p:cNvPr id="10" name="Rounded Rectangle 9"/>
+          <p:cNvSpPr/>
+          <p:nvPr/>
+        </p:nvSpPr>
+        <p:spPr>
+          <a:xfrm>
+            <a:off x="3769554" y="3520195"/>
+            <a:ext cx="1354205" cy="522988"/>
+          </a:xfrm>
+          <a:prstGeom prst="roundRect">
+            <a:avLst/>
+          </a:prstGeom>
+          <a:ln>
+            <a:solidFill>
+              <a:srgbClr val="008000"/>
+            </a:solidFill>
+          </a:ln>
+        </p:spPr>
+        <p:style>
+          <a:lnRef idx="2">
+            <a:schemeClr val="dk1"/>
+          </a:lnRef>
+          <a:fillRef idx="1">
+            <a:schemeClr val="lt1"/>
+          </a:fillRef>
+          <a:effectRef idx="0">
+            <a:schemeClr val="dk1"/>
+          </a:effectRef>
+          <a:fontRef idx="minor">
+            <a:schemeClr val="dk1"/>
+          </a:fontRef>
+        </p:style>
+        <p:txBody>
+          <a:bodyPr rtlCol="0" anchor="ctr"/>
+          <a:lstStyle/>
+          <a:p>
+            <a:pPr algn="ctr"/>
+            <a:r>
+              <a:rPr lang="en-US" sz="1400" b="1" i="1" dirty="0" smtClean="0">
+                <a:latin typeface="Times New Roman"/>
+                <a:cs typeface="Times New Roman"/>
+              </a:rPr>
+              <a:t>Summarize Annotations</a:t>
+            </a:r>
+            <a:endParaRPr lang="en-US" sz="1400" b="1" i="1" dirty="0">
+              <a:latin typeface="Times New Roman"/>
+              <a:cs typeface="Times New Roman"/>
+            </a:endParaRPr>
+          </a:p>
+        </p:txBody>
+      </p:sp>
+      <p:sp>
+        <p:nvSpPr>
+          <p:cNvPr id="11" name="Rounded Rectangle 10"/>
+          <p:cNvSpPr/>
+          <p:nvPr/>
+        </p:nvSpPr>
+        <p:spPr>
+          <a:xfrm>
+            <a:off x="6119621" y="2619238"/>
+            <a:ext cx="1799472" cy="522988"/>
+          </a:xfrm>
+          <a:prstGeom prst="roundRect">
+            <a:avLst/>
+          </a:prstGeom>
+          <a:ln>
+            <a:solidFill>
+              <a:srgbClr val="008000"/>
+            </a:solidFill>
+          </a:ln>
+        </p:spPr>
+        <p:style>
+          <a:lnRef idx="2">
+            <a:schemeClr val="dk1"/>
+          </a:lnRef>
+          <a:fillRef idx="1">
+            <a:schemeClr val="lt1"/>
+          </a:fillRef>
+          <a:effectRef idx="0">
+            <a:schemeClr val="dk1"/>
+          </a:effectRef>
+          <a:fontRef idx="minor">
+            <a:schemeClr val="dk1"/>
+          </a:fontRef>
+        </p:style>
+        <p:txBody>
+          <a:bodyPr rtlCol="0" anchor="ctr"/>
+          <a:lstStyle/>
+          <a:p>
+            <a:pPr algn="ctr"/>
+            <a:r>
+              <a:rPr lang="en-US" sz="1400" b="1" i="1" dirty="0" smtClean="0">
+                <a:latin typeface="Times New Roman"/>
+                <a:cs typeface="Times New Roman"/>
+              </a:rPr>
+              <a:t>Annotation File &amp; Annotation Graph</a:t>
+            </a:r>
+            <a:endParaRPr lang="en-US" sz="1400" b="1" i="1" dirty="0">
+              <a:latin typeface="Times New Roman"/>
+              <a:cs typeface="Times New Roman"/>
+            </a:endParaRPr>
+          </a:p>
+        </p:txBody>
+      </p:sp>
+      <p:sp>
+        <p:nvSpPr>
+          <p:cNvPr id="12" name="TextBox 11"/>
           <p:cNvSpPr txBox="1"/>
           <p:nvPr/>
         </p:nvSpPr>
         <p:spPr>
           <a:xfrm>
-            <a:off x="1478924" y="1622503"/>
-            <a:ext cx="542083" cy="369332"/>
+            <a:off x="5786930" y="4072151"/>
+            <a:ext cx="1718293" cy="738664"/>
           </a:xfrm>
           <a:prstGeom prst="rect">
             <a:avLst/>
@@ -20506,353 +18790,42 @@
           <a:p>
             <a:pPr algn="ctr"/>
             <a:r>
-              <a:rPr lang="en-US" i="1" dirty="0" smtClean="0">
+              <a:rPr lang="en-US" sz="1400" i="1" dirty="0" smtClean="0">
                 <a:latin typeface="Times New Roman"/>
                 <a:cs typeface="Times New Roman"/>
               </a:rPr>
-              <a:t>C1</a:t>
-            </a:r>
-            <a:endParaRPr lang="en-US" i="1" dirty="0">
+              <a:t>TRANSDECODE –</a:t>
+            </a:r>
+          </a:p>
+          <a:p>
+            <a:pPr algn="ctr"/>
+            <a:r>
+              <a:rPr lang="en-US" sz="1400" i="1" dirty="0" smtClean="0">
+                <a:latin typeface="Times New Roman"/>
+                <a:cs typeface="Times New Roman"/>
+              </a:rPr>
+              <a:t>HMMSCAN, </a:t>
+            </a:r>
+            <a:r>
+              <a:rPr lang="en-US" sz="1400" i="1" dirty="0" err="1" smtClean="0">
+                <a:latin typeface="Times New Roman"/>
+                <a:cs typeface="Times New Roman"/>
+              </a:rPr>
+              <a:t>TargetP</a:t>
+            </a:r>
+            <a:endParaRPr lang="en-US" sz="1400" i="1" dirty="0" smtClean="0">
               <a:latin typeface="Times New Roman"/>
               <a:cs typeface="Times New Roman"/>
             </a:endParaRPr>
           </a:p>
-        </p:txBody>
-      </p:sp>
-      <p:sp>
-        <p:nvSpPr>
-          <p:cNvPr id="11" name="Oval 10"/>
-          <p:cNvSpPr/>
-          <p:nvPr/>
-        </p:nvSpPr>
-        <p:spPr>
-          <a:xfrm>
-            <a:off x="3299983" y="2874296"/>
-            <a:ext cx="273930" cy="273946"/>
-          </a:xfrm>
-          <a:prstGeom prst="ellipse">
-            <a:avLst/>
-          </a:prstGeom>
-        </p:spPr>
-        <p:style>
-          <a:lnRef idx="3">
-            <a:schemeClr val="lt1"/>
-          </a:lnRef>
-          <a:fillRef idx="1">
-            <a:schemeClr val="accent3"/>
-          </a:fillRef>
-          <a:effectRef idx="1">
-            <a:schemeClr val="accent3"/>
-          </a:effectRef>
-          <a:fontRef idx="minor">
-            <a:schemeClr val="lt1"/>
-          </a:fontRef>
-        </p:style>
-        <p:txBody>
-          <a:bodyPr rtlCol="0" anchor="ctr"/>
-          <a:lstStyle/>
           <a:p>
             <a:pPr algn="ctr"/>
-            <a:endParaRPr lang="en-US"/>
-          </a:p>
-        </p:txBody>
-      </p:sp>
-      <p:sp>
-        <p:nvSpPr>
-          <p:cNvPr id="12" name="Oval 11"/>
-          <p:cNvSpPr/>
-          <p:nvPr/>
-        </p:nvSpPr>
-        <p:spPr>
-          <a:xfrm>
-            <a:off x="2048742" y="2887869"/>
-            <a:ext cx="273930" cy="273946"/>
-          </a:xfrm>
-          <a:prstGeom prst="ellipse">
-            <a:avLst/>
-          </a:prstGeom>
-        </p:spPr>
-        <p:style>
-          <a:lnRef idx="3">
-            <a:schemeClr val="lt1"/>
-          </a:lnRef>
-          <a:fillRef idx="1">
-            <a:schemeClr val="accent2"/>
-          </a:fillRef>
-          <a:effectRef idx="1">
-            <a:schemeClr val="accent2"/>
-          </a:effectRef>
-          <a:fontRef idx="minor">
-            <a:schemeClr val="lt1"/>
-          </a:fontRef>
-        </p:style>
-        <p:txBody>
-          <a:bodyPr rtlCol="0" anchor="ctr"/>
-          <a:lstStyle/>
-          <a:p>
-            <a:pPr algn="ctr"/>
-            <a:endParaRPr lang="en-US"/>
-          </a:p>
-        </p:txBody>
-      </p:sp>
-      <p:sp>
-        <p:nvSpPr>
-          <p:cNvPr id="19" name="TextBox 18"/>
-          <p:cNvSpPr txBox="1"/>
-          <p:nvPr/>
-        </p:nvSpPr>
-        <p:spPr>
-          <a:xfrm>
-            <a:off x="1550184" y="2788532"/>
-            <a:ext cx="542083" cy="369332"/>
-          </a:xfrm>
-          <a:prstGeom prst="rect">
-            <a:avLst/>
-          </a:prstGeom>
-          <a:noFill/>
-        </p:spPr>
-        <p:txBody>
-          <a:bodyPr wrap="square" rtlCol="0">
-            <a:spAutoFit/>
-          </a:bodyPr>
-          <a:lstStyle/>
-          <a:p>
-            <a:pPr algn="ctr"/>
-            <a:r>
-              <a:rPr lang="en-US" i="1" dirty="0" smtClean="0">
-                <a:latin typeface="Times New Roman"/>
-                <a:cs typeface="Times New Roman"/>
-              </a:rPr>
-              <a:t>C2</a:t>
-            </a:r>
-            <a:endParaRPr lang="en-US" i="1" dirty="0">
-              <a:latin typeface="Times New Roman"/>
-              <a:cs typeface="Times New Roman"/>
-            </a:endParaRPr>
-          </a:p>
-        </p:txBody>
-      </p:sp>
-      <p:sp>
-        <p:nvSpPr>
-          <p:cNvPr id="20" name="Oval 19"/>
-          <p:cNvSpPr/>
-          <p:nvPr/>
-        </p:nvSpPr>
-        <p:spPr>
-          <a:xfrm>
-            <a:off x="2092267" y="3990277"/>
-            <a:ext cx="273930" cy="273946"/>
-          </a:xfrm>
-          <a:prstGeom prst="ellipse">
-            <a:avLst/>
-          </a:prstGeom>
-        </p:spPr>
-        <p:style>
-          <a:lnRef idx="3">
-            <a:schemeClr val="lt1"/>
-          </a:lnRef>
-          <a:fillRef idx="1">
-            <a:schemeClr val="accent2"/>
-          </a:fillRef>
-          <a:effectRef idx="1">
-            <a:schemeClr val="accent2"/>
-          </a:effectRef>
-          <a:fontRef idx="minor">
-            <a:schemeClr val="lt1"/>
-          </a:fontRef>
-        </p:style>
-        <p:txBody>
-          <a:bodyPr rtlCol="0" anchor="ctr"/>
-          <a:lstStyle/>
-          <a:p>
-            <a:pPr algn="ctr"/>
-            <a:endParaRPr lang="en-US"/>
-          </a:p>
-        </p:txBody>
-      </p:sp>
-      <p:sp>
-        <p:nvSpPr>
-          <p:cNvPr id="24" name="TextBox 23"/>
-          <p:cNvSpPr txBox="1"/>
-          <p:nvPr/>
-        </p:nvSpPr>
-        <p:spPr>
-          <a:xfrm>
-            <a:off x="1531173" y="3970979"/>
-            <a:ext cx="542083" cy="369332"/>
-          </a:xfrm>
-          <a:prstGeom prst="rect">
-            <a:avLst/>
-          </a:prstGeom>
-          <a:noFill/>
-        </p:spPr>
-        <p:txBody>
-          <a:bodyPr wrap="square" rtlCol="0">
-            <a:spAutoFit/>
-          </a:bodyPr>
-          <a:lstStyle/>
-          <a:p>
-            <a:pPr algn="ctr"/>
-            <a:r>
-              <a:rPr lang="en-US" i="1" dirty="0" smtClean="0">
-                <a:latin typeface="Times New Roman"/>
-                <a:cs typeface="Times New Roman"/>
-              </a:rPr>
-              <a:t>C3</a:t>
-            </a:r>
-            <a:endParaRPr lang="en-US" i="1" dirty="0">
-              <a:latin typeface="Times New Roman"/>
-              <a:cs typeface="Times New Roman"/>
-            </a:endParaRPr>
-          </a:p>
-        </p:txBody>
-      </p:sp>
-      <p:cxnSp>
-        <p:nvCxnSpPr>
-          <p:cNvPr id="26" name="Curved Connector 25"/>
-          <p:cNvCxnSpPr>
-            <a:stCxn id="12" idx="6"/>
-            <a:endCxn id="11" idx="2"/>
-          </p:cNvCxnSpPr>
-          <p:nvPr/>
-        </p:nvCxnSpPr>
-        <p:spPr>
-          <a:xfrm flipV="1">
-            <a:off x="2322672" y="3011269"/>
-            <a:ext cx="977311" cy="13573"/>
-          </a:xfrm>
-          <a:prstGeom prst="curvedConnector3">
-            <a:avLst>
-              <a:gd name="adj1" fmla="val 50000"/>
-            </a:avLst>
-          </a:prstGeom>
-          <a:ln>
-            <a:tailEnd type="arrow"/>
-          </a:ln>
-        </p:spPr>
-        <p:style>
-          <a:lnRef idx="2">
-            <a:schemeClr val="accent1"/>
-          </a:lnRef>
-          <a:fillRef idx="0">
-            <a:schemeClr val="accent1"/>
-          </a:fillRef>
-          <a:effectRef idx="1">
-            <a:schemeClr val="accent1"/>
-          </a:effectRef>
-          <a:fontRef idx="minor">
-            <a:schemeClr val="tx1"/>
-          </a:fontRef>
-        </p:style>
-      </p:cxnSp>
-      <p:sp>
-        <p:nvSpPr>
-          <p:cNvPr id="35" name="TextBox 34"/>
-          <p:cNvSpPr txBox="1"/>
-          <p:nvPr/>
-        </p:nvSpPr>
-        <p:spPr>
-          <a:xfrm>
-            <a:off x="3534991" y="2859525"/>
-            <a:ext cx="4686739" cy="446276"/>
-          </a:xfrm>
-          <a:prstGeom prst="rect">
-            <a:avLst/>
-          </a:prstGeom>
-          <a:noFill/>
-        </p:spPr>
-        <p:txBody>
-          <a:bodyPr wrap="square" rtlCol="0">
-            <a:spAutoFit/>
-          </a:bodyPr>
-          <a:lstStyle/>
-          <a:p>
-            <a:r>
-              <a:rPr lang="en-US" sz="1200" b="1" i="1" dirty="0" smtClean="0">
-                <a:latin typeface="Times New Roman"/>
-                <a:cs typeface="Times New Roman"/>
-              </a:rPr>
-              <a:t>E(Q1) = E(C1)*q1c1+E(C2)*c2q1+E(C3)*c3q1</a:t>
-            </a:r>
-            <a:endParaRPr lang="en-US" sz="1050" b="1" i="1" dirty="0">
-              <a:latin typeface="Times New Roman"/>
-              <a:cs typeface="Times New Roman"/>
-            </a:endParaRPr>
-          </a:p>
-          <a:p>
-            <a:endParaRPr lang="en-US" sz="1050" b="1" i="1" dirty="0">
-              <a:latin typeface="Times New Roman"/>
-              <a:cs typeface="Times New Roman"/>
-            </a:endParaRPr>
-          </a:p>
-        </p:txBody>
-      </p:sp>
-      <p:sp>
-        <p:nvSpPr>
-          <p:cNvPr id="37" name="TextBox 36"/>
-          <p:cNvSpPr txBox="1"/>
-          <p:nvPr/>
-        </p:nvSpPr>
-        <p:spPr>
-          <a:xfrm flipH="1">
-            <a:off x="3028372" y="2868391"/>
-            <a:ext cx="812363" cy="276999"/>
-          </a:xfrm>
-          <a:prstGeom prst="rect">
-            <a:avLst/>
-          </a:prstGeom>
-          <a:noFill/>
-        </p:spPr>
-        <p:txBody>
-          <a:bodyPr wrap="square" rtlCol="0">
-            <a:spAutoFit/>
-          </a:bodyPr>
-          <a:lstStyle/>
-          <a:p>
-            <a:pPr algn="ctr"/>
-            <a:r>
-              <a:rPr lang="en-US" sz="1200" b="1" i="1" dirty="0" smtClean="0">
-                <a:latin typeface="Times New Roman"/>
-                <a:cs typeface="Times New Roman"/>
-              </a:rPr>
-              <a:t>Q1</a:t>
-            </a:r>
-            <a:endParaRPr lang="en-US" sz="1200" b="1" i="1" dirty="0">
-              <a:latin typeface="Times New Roman"/>
-              <a:cs typeface="Times New Roman"/>
-            </a:endParaRPr>
-          </a:p>
-        </p:txBody>
-      </p:sp>
-      <p:sp>
-        <p:nvSpPr>
-          <p:cNvPr id="43" name="TextBox 42"/>
-          <p:cNvSpPr txBox="1"/>
-          <p:nvPr/>
-        </p:nvSpPr>
-        <p:spPr>
-          <a:xfrm>
-            <a:off x="2565055" y="3552009"/>
-            <a:ext cx="542083" cy="307777"/>
-          </a:xfrm>
-          <a:prstGeom prst="rect">
-            <a:avLst/>
-          </a:prstGeom>
-          <a:noFill/>
-        </p:spPr>
-        <p:txBody>
-          <a:bodyPr wrap="square" rtlCol="0">
-            <a:spAutoFit/>
-          </a:bodyPr>
-          <a:lstStyle/>
-          <a:p>
-            <a:pPr algn="r"/>
             <a:r>
               <a:rPr lang="en-US" sz="1400" i="1" dirty="0" smtClean="0">
                 <a:latin typeface="Times New Roman"/>
                 <a:cs typeface="Times New Roman"/>
               </a:rPr>
-              <a:t>q1c3</a:t>
+              <a:t>Best Hits</a:t>
             </a:r>
             <a:endParaRPr lang="en-US" sz="1400" i="1" dirty="0">
               <a:latin typeface="Times New Roman"/>
@@ -20861,91 +18834,19 @@
           </a:p>
         </p:txBody>
       </p:sp>
-      <p:sp>
-        <p:nvSpPr>
-          <p:cNvPr id="44" name="TextBox 43"/>
-          <p:cNvSpPr txBox="1"/>
-          <p:nvPr/>
-        </p:nvSpPr>
-        <p:spPr>
-          <a:xfrm>
-            <a:off x="2680500" y="2758363"/>
-            <a:ext cx="542083" cy="307777"/>
-          </a:xfrm>
-          <a:prstGeom prst="rect">
-            <a:avLst/>
-          </a:prstGeom>
-          <a:noFill/>
-        </p:spPr>
-        <p:txBody>
-          <a:bodyPr wrap="square" rtlCol="0">
-            <a:spAutoFit/>
-          </a:bodyPr>
-          <a:lstStyle/>
-          <a:p>
-            <a:r>
-              <a:rPr lang="en-US" sz="1400" i="1" dirty="0" smtClean="0">
-                <a:latin typeface="Times New Roman"/>
-                <a:cs typeface="Times New Roman"/>
-              </a:rPr>
-              <a:t>q1c2</a:t>
-            </a:r>
-            <a:endParaRPr lang="en-US" sz="1400" i="1" dirty="0">
-              <a:latin typeface="Times New Roman"/>
-              <a:cs typeface="Times New Roman"/>
-            </a:endParaRPr>
-          </a:p>
-        </p:txBody>
-      </p:sp>
-      <p:sp>
-        <p:nvSpPr>
-          <p:cNvPr id="45" name="TextBox 44"/>
-          <p:cNvSpPr txBox="1"/>
-          <p:nvPr/>
-        </p:nvSpPr>
-        <p:spPr>
-          <a:xfrm>
-            <a:off x="2680500" y="2124731"/>
-            <a:ext cx="542083" cy="307777"/>
-          </a:xfrm>
-          <a:prstGeom prst="rect">
-            <a:avLst/>
-          </a:prstGeom>
-          <a:noFill/>
-        </p:spPr>
-        <p:txBody>
-          <a:bodyPr wrap="square" rtlCol="0">
-            <a:spAutoFit/>
-          </a:bodyPr>
-          <a:lstStyle/>
-          <a:p>
-            <a:r>
-              <a:rPr lang="en-US" sz="1400" i="1" dirty="0" smtClean="0">
-                <a:latin typeface="Times New Roman"/>
-                <a:cs typeface="Times New Roman"/>
-              </a:rPr>
-              <a:t>q1c1</a:t>
-            </a:r>
-            <a:endParaRPr lang="en-US" sz="1400" i="1" dirty="0">
-              <a:latin typeface="Times New Roman"/>
-              <a:cs typeface="Times New Roman"/>
-            </a:endParaRPr>
-          </a:p>
-        </p:txBody>
-      </p:sp>
       <p:cxnSp>
         <p:nvCxnSpPr>
-          <p:cNvPr id="48" name="Straight Arrow Connector 47"/>
+          <p:cNvPr id="14" name="Straight Arrow Connector 13"/>
           <p:cNvCxnSpPr>
-            <a:stCxn id="3" idx="5"/>
-            <a:endCxn id="11" idx="1"/>
+            <a:stCxn id="4" idx="3"/>
+            <a:endCxn id="5" idx="1"/>
           </p:cNvCxnSpPr>
           <p:nvPr/>
         </p:nvCxnSpPr>
         <p:spPr>
           <a:xfrm>
-            <a:off x="2254821" y="1951717"/>
-            <a:ext cx="1085278" cy="962697"/>
+            <a:off x="2938531" y="1008618"/>
+            <a:ext cx="572780" cy="2975"/>
           </a:xfrm>
           <a:prstGeom prst="straightConnector1">
             <a:avLst/>
@@ -20971,214 +18872,17 @@
       </p:cxnSp>
       <p:cxnSp>
         <p:nvCxnSpPr>
-          <p:cNvPr id="53" name="Straight Arrow Connector 52"/>
+          <p:cNvPr id="15" name="Straight Arrow Connector 14"/>
           <p:cNvCxnSpPr>
-            <a:stCxn id="20" idx="7"/>
-            <a:endCxn id="11" idx="3"/>
+            <a:stCxn id="6" idx="1"/>
+            <a:endCxn id="5" idx="3"/>
           </p:cNvCxnSpPr>
           <p:nvPr/>
         </p:nvCxnSpPr>
         <p:spPr>
-          <a:xfrm flipV="1">
-            <a:off x="2326081" y="3108124"/>
-            <a:ext cx="1014018" cy="922271"/>
-          </a:xfrm>
-          <a:prstGeom prst="straightConnector1">
-            <a:avLst/>
-          </a:prstGeom>
-          <a:ln>
-            <a:tailEnd type="arrow"/>
-          </a:ln>
-        </p:spPr>
-        <p:style>
-          <a:lnRef idx="2">
-            <a:schemeClr val="accent1"/>
-          </a:lnRef>
-          <a:fillRef idx="0">
-            <a:schemeClr val="accent1"/>
-          </a:fillRef>
-          <a:effectRef idx="1">
-            <a:schemeClr val="accent1"/>
-          </a:effectRef>
-          <a:fontRef idx="minor">
-            <a:schemeClr val="tx1"/>
-          </a:fontRef>
-        </p:style>
-      </p:cxnSp>
-      <p:sp>
-        <p:nvSpPr>
-          <p:cNvPr id="59" name="TextBox 58"/>
-          <p:cNvSpPr txBox="1"/>
-          <p:nvPr/>
-        </p:nvSpPr>
-        <p:spPr>
-          <a:xfrm>
-            <a:off x="742906" y="4644920"/>
-            <a:ext cx="7483294" cy="1107996"/>
-          </a:xfrm>
-          <a:prstGeom prst="rect">
-            <a:avLst/>
-          </a:prstGeom>
-          <a:noFill/>
-        </p:spPr>
-        <p:txBody>
-          <a:bodyPr wrap="square" rtlCol="0">
-            <a:spAutoFit/>
-          </a:bodyPr>
-          <a:lstStyle/>
-          <a:p>
-            <a:r>
-              <a:rPr lang="en-US" i="1" dirty="0" smtClean="0">
-                <a:latin typeface="Times New Roman"/>
-                <a:cs typeface="Times New Roman"/>
-              </a:rPr>
-              <a:t>Figure X: Expression summary network: </a:t>
-            </a:r>
-            <a:r>
-              <a:rPr lang="en-US" sz="1600" i="1" dirty="0" smtClean="0">
-                <a:latin typeface="Times New Roman"/>
-                <a:cs typeface="Times New Roman"/>
-              </a:rPr>
-              <a:t>C0-C3 are the contigs identified as homologs of Query Sets Q1 and Q2. E(X) is the normalized expression level of X. </a:t>
-            </a:r>
-            <a:r>
-              <a:rPr lang="en-US" sz="1600" i="1" dirty="0" err="1" smtClean="0">
-                <a:latin typeface="Times New Roman"/>
-                <a:cs typeface="Times New Roman"/>
-              </a:rPr>
-              <a:t>qxcy</a:t>
-            </a:r>
-            <a:r>
-              <a:rPr lang="en-US" sz="1600" i="1" dirty="0" smtClean="0">
-                <a:latin typeface="Times New Roman"/>
-                <a:cs typeface="Times New Roman"/>
-              </a:rPr>
-              <a:t> is the within species normalized </a:t>
-            </a:r>
-            <a:r>
-              <a:rPr lang="en-US" sz="1600" i="1" dirty="0" err="1" smtClean="0">
-                <a:latin typeface="Times New Roman"/>
-                <a:cs typeface="Times New Roman"/>
-              </a:rPr>
-              <a:t>orthofuzzscore</a:t>
-            </a:r>
-            <a:r>
-              <a:rPr lang="en-US" sz="1600" i="1" dirty="0" smtClean="0">
-                <a:latin typeface="Times New Roman"/>
-                <a:cs typeface="Times New Roman"/>
-              </a:rPr>
-              <a:t> (</a:t>
-            </a:r>
-            <a:r>
-              <a:rPr lang="en-US" sz="1600" i="1" dirty="0" err="1" smtClean="0">
-                <a:latin typeface="Times New Roman"/>
-                <a:cs typeface="Times New Roman"/>
-              </a:rPr>
-              <a:t>qx,cy</a:t>
-            </a:r>
-            <a:r>
-              <a:rPr lang="en-US" sz="1600" i="1" dirty="0" smtClean="0">
-                <a:latin typeface="Times New Roman"/>
-                <a:cs typeface="Times New Roman"/>
-              </a:rPr>
-              <a:t>) obtained by querying the network using the query set Q.  </a:t>
-            </a:r>
-            <a:endParaRPr lang="en-US" i="1" dirty="0">
-              <a:latin typeface="Times New Roman"/>
-              <a:cs typeface="Times New Roman"/>
-            </a:endParaRPr>
-          </a:p>
-        </p:txBody>
-      </p:sp>
-      <p:sp>
-        <p:nvSpPr>
-          <p:cNvPr id="21" name="Oval 20"/>
-          <p:cNvSpPr/>
-          <p:nvPr/>
-        </p:nvSpPr>
-        <p:spPr>
-          <a:xfrm>
-            <a:off x="2021007" y="587982"/>
-            <a:ext cx="273930" cy="273946"/>
-          </a:xfrm>
-          <a:prstGeom prst="ellipse">
-            <a:avLst/>
-          </a:prstGeom>
-        </p:spPr>
-        <p:style>
-          <a:lnRef idx="3">
-            <a:schemeClr val="lt1"/>
-          </a:lnRef>
-          <a:fillRef idx="1">
-            <a:schemeClr val="accent2"/>
-          </a:fillRef>
-          <a:effectRef idx="1">
-            <a:schemeClr val="accent2"/>
-          </a:effectRef>
-          <a:fontRef idx="minor">
-            <a:schemeClr val="lt1"/>
-          </a:fontRef>
-        </p:style>
-        <p:txBody>
-          <a:bodyPr rtlCol="0" anchor="ctr"/>
-          <a:lstStyle/>
-          <a:p>
-            <a:pPr algn="ctr"/>
-            <a:endParaRPr lang="en-US"/>
-          </a:p>
-        </p:txBody>
-      </p:sp>
-      <p:sp>
-        <p:nvSpPr>
-          <p:cNvPr id="23" name="Oval 22"/>
-          <p:cNvSpPr/>
-          <p:nvPr/>
-        </p:nvSpPr>
-        <p:spPr>
-          <a:xfrm>
-            <a:off x="3269028" y="1716511"/>
-            <a:ext cx="273930" cy="273946"/>
-          </a:xfrm>
-          <a:prstGeom prst="ellipse">
-            <a:avLst/>
-          </a:prstGeom>
-        </p:spPr>
-        <p:style>
-          <a:lnRef idx="3">
-            <a:schemeClr val="lt1"/>
-          </a:lnRef>
-          <a:fillRef idx="1">
-            <a:schemeClr val="accent3"/>
-          </a:fillRef>
-          <a:effectRef idx="1">
-            <a:schemeClr val="accent3"/>
-          </a:effectRef>
-          <a:fontRef idx="minor">
-            <a:schemeClr val="lt1"/>
-          </a:fontRef>
-        </p:style>
-        <p:txBody>
-          <a:bodyPr rtlCol="0" anchor="ctr"/>
-          <a:lstStyle/>
-          <a:p>
-            <a:pPr algn="ctr"/>
-            <a:endParaRPr lang="en-US"/>
-          </a:p>
-        </p:txBody>
-      </p:sp>
-      <p:cxnSp>
-        <p:nvCxnSpPr>
-          <p:cNvPr id="25" name="Straight Arrow Connector 24"/>
-          <p:cNvCxnSpPr>
-            <a:stCxn id="3" idx="6"/>
-            <a:endCxn id="23" idx="2"/>
-          </p:cNvCxnSpPr>
-          <p:nvPr/>
-        </p:nvCxnSpPr>
-        <p:spPr>
-          <a:xfrm flipV="1">
-            <a:off x="2294937" y="1853484"/>
-            <a:ext cx="974091" cy="1378"/>
+          <a:xfrm flipH="1">
+            <a:off x="5382003" y="1006578"/>
+            <a:ext cx="1279483" cy="5015"/>
           </a:xfrm>
           <a:prstGeom prst="straightConnector1">
             <a:avLst/>
@@ -21204,17 +18908,17 @@
       </p:cxnSp>
       <p:cxnSp>
         <p:nvCxnSpPr>
-          <p:cNvPr id="27" name="Straight Arrow Connector 26"/>
+          <p:cNvPr id="18" name="Straight Arrow Connector 17"/>
           <p:cNvCxnSpPr>
-            <a:stCxn id="21" idx="5"/>
-            <a:endCxn id="23" idx="1"/>
+            <a:stCxn id="5" idx="2"/>
+            <a:endCxn id="7" idx="0"/>
           </p:cNvCxnSpPr>
           <p:nvPr/>
         </p:nvCxnSpPr>
         <p:spPr>
           <a:xfrm>
-            <a:off x="2254821" y="821810"/>
-            <a:ext cx="1054323" cy="934819"/>
+            <a:off x="4446657" y="1273087"/>
+            <a:ext cx="0" cy="413896"/>
           </a:xfrm>
           <a:prstGeom prst="straightConnector1">
             <a:avLst/>
@@ -21238,16 +18942,249 @@
           </a:fontRef>
         </p:style>
       </p:cxnSp>
-      <p:sp>
-        <p:nvSpPr>
-          <p:cNvPr id="22" name="TextBox 21"/>
+      <p:cxnSp>
+        <p:nvCxnSpPr>
+          <p:cNvPr id="21" name="Straight Arrow Connector 20"/>
+          <p:cNvCxnSpPr>
+            <a:stCxn id="7" idx="2"/>
+            <a:endCxn id="8" idx="0"/>
+          </p:cNvCxnSpPr>
+          <p:nvPr/>
+        </p:nvCxnSpPr>
+        <p:spPr>
+          <a:xfrm>
+            <a:off x="4446657" y="2209971"/>
+            <a:ext cx="0" cy="410371"/>
+          </a:xfrm>
+          <a:prstGeom prst="straightConnector1">
+            <a:avLst/>
+          </a:prstGeom>
+          <a:ln>
+            <a:tailEnd type="arrow"/>
+          </a:ln>
+        </p:spPr>
+        <p:style>
+          <a:lnRef idx="2">
+            <a:schemeClr val="accent1"/>
+          </a:lnRef>
+          <a:fillRef idx="0">
+            <a:schemeClr val="accent1"/>
+          </a:fillRef>
+          <a:effectRef idx="1">
+            <a:schemeClr val="accent1"/>
+          </a:effectRef>
+          <a:fontRef idx="minor">
+            <a:schemeClr val="tx1"/>
+          </a:fontRef>
+        </p:style>
+      </p:cxnSp>
+      <p:cxnSp>
+        <p:nvCxnSpPr>
+          <p:cNvPr id="26" name="Straight Arrow Connector 25"/>
+          <p:cNvCxnSpPr>
+            <a:stCxn id="9" idx="1"/>
+            <a:endCxn id="10" idx="3"/>
+          </p:cNvCxnSpPr>
+          <p:nvPr/>
+        </p:nvCxnSpPr>
+        <p:spPr>
+          <a:xfrm flipH="1">
+            <a:off x="5123759" y="3773423"/>
+            <a:ext cx="663171" cy="8266"/>
+          </a:xfrm>
+          <a:prstGeom prst="straightConnector1">
+            <a:avLst/>
+          </a:prstGeom>
+          <a:ln>
+            <a:tailEnd type="arrow"/>
+          </a:ln>
+        </p:spPr>
+        <p:style>
+          <a:lnRef idx="2">
+            <a:schemeClr val="accent1"/>
+          </a:lnRef>
+          <a:fillRef idx="0">
+            <a:schemeClr val="accent1"/>
+          </a:fillRef>
+          <a:effectRef idx="1">
+            <a:schemeClr val="accent1"/>
+          </a:effectRef>
+          <a:fontRef idx="minor">
+            <a:schemeClr val="tx1"/>
+          </a:fontRef>
+        </p:style>
+      </p:cxnSp>
+      <p:cxnSp>
+        <p:nvCxnSpPr>
+          <p:cNvPr id="30" name="Straight Arrow Connector 29"/>
+          <p:cNvCxnSpPr>
+            <a:stCxn id="8" idx="3"/>
+            <a:endCxn id="11" idx="1"/>
+          </p:cNvCxnSpPr>
+          <p:nvPr/>
+        </p:nvCxnSpPr>
+        <p:spPr>
+          <a:xfrm flipV="1">
+            <a:off x="5382003" y="2880732"/>
+            <a:ext cx="737618" cy="1104"/>
+          </a:xfrm>
+          <a:prstGeom prst="straightConnector1">
+            <a:avLst/>
+          </a:prstGeom>
+          <a:ln>
+            <a:tailEnd type="arrow"/>
+          </a:ln>
+        </p:spPr>
+        <p:style>
+          <a:lnRef idx="2">
+            <a:schemeClr val="accent1"/>
+          </a:lnRef>
+          <a:fillRef idx="0">
+            <a:schemeClr val="accent1"/>
+          </a:fillRef>
+          <a:effectRef idx="1">
+            <a:schemeClr val="accent1"/>
+          </a:effectRef>
+          <a:fontRef idx="minor">
+            <a:schemeClr val="tx1"/>
+          </a:fontRef>
+        </p:style>
+      </p:cxnSp>
+      <p:sp>
+        <p:nvSpPr>
+          <p:cNvPr id="36" name="Rounded Rectangle 35"/>
+          <p:cNvSpPr/>
+          <p:nvPr/>
+        </p:nvSpPr>
+        <p:spPr>
+          <a:xfrm>
+            <a:off x="1356457" y="3582563"/>
+            <a:ext cx="1694867" cy="398251"/>
+          </a:xfrm>
+          <a:prstGeom prst="roundRect">
+            <a:avLst/>
+          </a:prstGeom>
+          <a:ln>
+            <a:solidFill>
+              <a:srgbClr val="008000"/>
+            </a:solidFill>
+          </a:ln>
+        </p:spPr>
+        <p:style>
+          <a:lnRef idx="2">
+            <a:schemeClr val="dk1"/>
+          </a:lnRef>
+          <a:fillRef idx="1">
+            <a:schemeClr val="lt1"/>
+          </a:fillRef>
+          <a:effectRef idx="0">
+            <a:schemeClr val="dk1"/>
+          </a:effectRef>
+          <a:fontRef idx="minor">
+            <a:schemeClr val="dk1"/>
+          </a:fontRef>
+        </p:style>
+        <p:txBody>
+          <a:bodyPr rtlCol="0" anchor="ctr"/>
+          <a:lstStyle/>
+          <a:p>
+            <a:pPr algn="ctr"/>
+            <a:r>
+              <a:rPr lang="en-US" sz="1400" b="1" i="1" dirty="0" smtClean="0">
+                <a:latin typeface="Times New Roman"/>
+                <a:cs typeface="Times New Roman"/>
+              </a:rPr>
+              <a:t>Expression Data</a:t>
+            </a:r>
+            <a:endParaRPr lang="en-US" sz="1400" b="1" i="1" dirty="0">
+              <a:latin typeface="Times New Roman"/>
+              <a:cs typeface="Times New Roman"/>
+            </a:endParaRPr>
+          </a:p>
+        </p:txBody>
+      </p:sp>
+      <p:cxnSp>
+        <p:nvCxnSpPr>
+          <p:cNvPr id="37" name="Straight Arrow Connector 36"/>
+          <p:cNvCxnSpPr>
+            <a:stCxn id="36" idx="3"/>
+            <a:endCxn id="10" idx="1"/>
+          </p:cNvCxnSpPr>
+          <p:nvPr/>
+        </p:nvCxnSpPr>
+        <p:spPr>
+          <a:xfrm>
+            <a:off x="3051324" y="3781689"/>
+            <a:ext cx="718230" cy="0"/>
+          </a:xfrm>
+          <a:prstGeom prst="straightConnector1">
+            <a:avLst/>
+          </a:prstGeom>
+          <a:ln>
+            <a:tailEnd type="arrow"/>
+          </a:ln>
+        </p:spPr>
+        <p:style>
+          <a:lnRef idx="2">
+            <a:schemeClr val="accent1"/>
+          </a:lnRef>
+          <a:fillRef idx="0">
+            <a:schemeClr val="accent1"/>
+          </a:fillRef>
+          <a:effectRef idx="1">
+            <a:schemeClr val="accent1"/>
+          </a:effectRef>
+          <a:fontRef idx="minor">
+            <a:schemeClr val="tx1"/>
+          </a:fontRef>
+        </p:style>
+      </p:cxnSp>
+      <p:cxnSp>
+        <p:nvCxnSpPr>
+          <p:cNvPr id="43" name="Straight Arrow Connector 42"/>
+          <p:cNvCxnSpPr>
+            <a:stCxn id="8" idx="2"/>
+            <a:endCxn id="10" idx="0"/>
+          </p:cNvCxnSpPr>
+          <p:nvPr/>
+        </p:nvCxnSpPr>
+        <p:spPr>
+          <a:xfrm>
+            <a:off x="4446657" y="3143330"/>
+            <a:ext cx="0" cy="376865"/>
+          </a:xfrm>
+          <a:prstGeom prst="straightConnector1">
+            <a:avLst/>
+          </a:prstGeom>
+          <a:ln>
+            <a:tailEnd type="arrow"/>
+          </a:ln>
+        </p:spPr>
+        <p:style>
+          <a:lnRef idx="2">
+            <a:schemeClr val="accent1"/>
+          </a:lnRef>
+          <a:fillRef idx="0">
+            <a:schemeClr val="accent1"/>
+          </a:fillRef>
+          <a:effectRef idx="1">
+            <a:schemeClr val="accent1"/>
+          </a:effectRef>
+          <a:fontRef idx="minor">
+            <a:schemeClr val="tx1"/>
+          </a:fontRef>
+        </p:style>
+      </p:cxnSp>
+      <p:sp>
+        <p:nvSpPr>
+          <p:cNvPr id="57" name="TextBox 56"/>
           <p:cNvSpPr txBox="1"/>
           <p:nvPr/>
         </p:nvSpPr>
         <p:spPr>
-          <a:xfrm flipH="1">
-            <a:off x="3002188" y="1696897"/>
-            <a:ext cx="812363" cy="276999"/>
+          <a:xfrm>
+            <a:off x="946307" y="4823267"/>
+            <a:ext cx="7483294" cy="646331"/>
           </a:xfrm>
           <a:prstGeom prst="rect">
             <a:avLst/>
@@ -21262,11 +19199,78 @@
           <a:p>
             <a:pPr algn="ctr"/>
             <a:r>
+              <a:rPr lang="en-US" i="1" dirty="0" smtClean="0">
+                <a:latin typeface="Times New Roman"/>
+                <a:cs typeface="Times New Roman"/>
+              </a:rPr>
+              <a:t>Figure X: Protocol used for assigning functional annotations to the de-novo assembled contigs</a:t>
+            </a:r>
+            <a:endParaRPr lang="en-US" i="1" dirty="0">
+              <a:latin typeface="Times New Roman"/>
+              <a:cs typeface="Times New Roman"/>
+            </a:endParaRPr>
+          </a:p>
+        </p:txBody>
+      </p:sp>
+      <p:sp>
+        <p:nvSpPr>
+          <p:cNvPr id="58" name="TextBox 57"/>
+          <p:cNvSpPr txBox="1"/>
+          <p:nvPr/>
+        </p:nvSpPr>
+        <p:spPr>
+          <a:xfrm>
+            <a:off x="5148661" y="500696"/>
+            <a:ext cx="1705842" cy="830997"/>
+          </a:xfrm>
+          <a:prstGeom prst="rect">
+            <a:avLst/>
+          </a:prstGeom>
+          <a:noFill/>
+        </p:spPr>
+        <p:txBody>
+          <a:bodyPr wrap="square" rtlCol="0">
+            <a:spAutoFit/>
+          </a:bodyPr>
+          <a:lstStyle/>
+          <a:p>
+            <a:pPr algn="ctr"/>
+            <a:r>
               <a:rPr lang="en-US" sz="1200" b="1" i="1" dirty="0" smtClean="0">
                 <a:latin typeface="Times New Roman"/>
                 <a:cs typeface="Times New Roman"/>
               </a:rPr>
-              <a:t>Q2</a:t>
+              <a:t>Source Proteins </a:t>
+            </a:r>
+          </a:p>
+          <a:p>
+            <a:pPr algn="ctr"/>
+            <a:r>
+              <a:rPr lang="en-US" sz="1200" b="1" i="1" dirty="0" smtClean="0">
+                <a:latin typeface="Times New Roman"/>
+                <a:cs typeface="Times New Roman"/>
+              </a:rPr>
+              <a:t>with Annotations</a:t>
+            </a:r>
+          </a:p>
+          <a:p>
+            <a:pPr algn="ctr"/>
+            <a:r>
+              <a:rPr lang="en-US" sz="1200" b="1" i="1" dirty="0" smtClean="0">
+                <a:latin typeface="Times New Roman"/>
+                <a:cs typeface="Times New Roman"/>
+              </a:rPr>
+              <a:t>&amp; </a:t>
+            </a:r>
+          </a:p>
+          <a:p>
+            <a:pPr algn="ctr"/>
+            <a:r>
+              <a:rPr lang="en-US" sz="1200" b="1" i="1" dirty="0" smtClean="0">
+                <a:latin typeface="Times New Roman"/>
+                <a:cs typeface="Times New Roman"/>
+              </a:rPr>
+              <a:t>Confidence Scores</a:t>
             </a:r>
             <a:endParaRPr lang="en-US" sz="1200" b="1" i="1" dirty="0">
               <a:latin typeface="Times New Roman"/>
@@ -21275,204 +19279,46 @@
           </a:p>
         </p:txBody>
       </p:sp>
-      <p:sp>
-        <p:nvSpPr>
-          <p:cNvPr id="31" name="TextBox 30"/>
-          <p:cNvSpPr txBox="1"/>
-          <p:nvPr/>
-        </p:nvSpPr>
-        <p:spPr>
-          <a:xfrm>
-            <a:off x="3489953" y="1722633"/>
-            <a:ext cx="4686739" cy="276999"/>
-          </a:xfrm>
-          <a:prstGeom prst="rect">
-            <a:avLst/>
-          </a:prstGeom>
-          <a:noFill/>
-        </p:spPr>
-        <p:txBody>
-          <a:bodyPr wrap="square" rtlCol="0">
-            <a:spAutoFit/>
-          </a:bodyPr>
-          <a:lstStyle/>
-          <a:p>
-            <a:r>
-              <a:rPr lang="en-US" sz="1200" b="1" i="1" dirty="0">
-                <a:latin typeface="Times New Roman"/>
-                <a:cs typeface="Times New Roman"/>
-              </a:rPr>
-              <a:t>E(</a:t>
-            </a:r>
-            <a:r>
-              <a:rPr lang="en-US" sz="1200" b="1" i="1" dirty="0" smtClean="0">
-                <a:latin typeface="Times New Roman"/>
-                <a:cs typeface="Times New Roman"/>
-              </a:rPr>
-              <a:t>Q2) </a:t>
-            </a:r>
-            <a:r>
-              <a:rPr lang="en-US" sz="1200" b="1" i="1" dirty="0">
-                <a:latin typeface="Times New Roman"/>
-                <a:cs typeface="Times New Roman"/>
-              </a:rPr>
-              <a:t>= E(C1)*</a:t>
-            </a:r>
-            <a:r>
-              <a:rPr lang="en-US" sz="1200" b="1" i="1" dirty="0" smtClean="0">
-                <a:latin typeface="Times New Roman"/>
-                <a:cs typeface="Times New Roman"/>
-              </a:rPr>
-              <a:t>q2c1</a:t>
-            </a:r>
-            <a:r>
-              <a:rPr lang="en-US" sz="1200" b="1" i="1" dirty="0">
-                <a:latin typeface="Times New Roman"/>
-                <a:cs typeface="Times New Roman"/>
-              </a:rPr>
-              <a:t>+E(</a:t>
-            </a:r>
-            <a:r>
-              <a:rPr lang="en-US" sz="1200" b="1" i="1" dirty="0" smtClean="0">
-                <a:latin typeface="Times New Roman"/>
-                <a:cs typeface="Times New Roman"/>
-              </a:rPr>
-              <a:t>C0)</a:t>
-            </a:r>
-            <a:r>
-              <a:rPr lang="en-US" sz="1200" b="1" i="1" dirty="0">
-                <a:latin typeface="Times New Roman"/>
-                <a:cs typeface="Times New Roman"/>
-              </a:rPr>
-              <a:t>*</a:t>
-            </a:r>
-            <a:r>
-              <a:rPr lang="en-US" sz="1200" b="1" i="1" dirty="0" smtClean="0">
-                <a:latin typeface="Times New Roman"/>
-                <a:cs typeface="Times New Roman"/>
-              </a:rPr>
-              <a:t>c0q2</a:t>
-            </a:r>
-            <a:endParaRPr lang="en-US" sz="1050" b="1" i="1" dirty="0">
-              <a:latin typeface="Times New Roman"/>
-              <a:cs typeface="Times New Roman"/>
-            </a:endParaRPr>
-          </a:p>
-        </p:txBody>
-      </p:sp>
-      <p:sp>
-        <p:nvSpPr>
-          <p:cNvPr id="32" name="TextBox 31"/>
-          <p:cNvSpPr txBox="1"/>
-          <p:nvPr/>
-        </p:nvSpPr>
-        <p:spPr>
-          <a:xfrm>
-            <a:off x="1436715" y="496381"/>
-            <a:ext cx="542083" cy="369332"/>
-          </a:xfrm>
-          <a:prstGeom prst="rect">
-            <a:avLst/>
-          </a:prstGeom>
-          <a:noFill/>
-        </p:spPr>
-        <p:txBody>
-          <a:bodyPr wrap="square" rtlCol="0">
-            <a:spAutoFit/>
-          </a:bodyPr>
-          <a:lstStyle/>
-          <a:p>
-            <a:pPr algn="ctr"/>
-            <a:r>
-              <a:rPr lang="en-US" i="1" dirty="0" smtClean="0">
-                <a:latin typeface="Times New Roman"/>
-                <a:cs typeface="Times New Roman"/>
-              </a:rPr>
-              <a:t>C0</a:t>
-            </a:r>
-            <a:endParaRPr lang="en-US" i="1" dirty="0">
-              <a:latin typeface="Times New Roman"/>
-              <a:cs typeface="Times New Roman"/>
-            </a:endParaRPr>
-          </a:p>
-        </p:txBody>
-      </p:sp>
-      <p:sp>
-        <p:nvSpPr>
-          <p:cNvPr id="33" name="TextBox 32"/>
-          <p:cNvSpPr txBox="1"/>
-          <p:nvPr/>
-        </p:nvSpPr>
-        <p:spPr>
-          <a:xfrm>
-            <a:off x="2430448" y="1597726"/>
-            <a:ext cx="542083" cy="307777"/>
-          </a:xfrm>
-          <a:prstGeom prst="rect">
-            <a:avLst/>
-          </a:prstGeom>
-          <a:noFill/>
-        </p:spPr>
-        <p:txBody>
-          <a:bodyPr wrap="square" rtlCol="0">
-            <a:spAutoFit/>
-          </a:bodyPr>
-          <a:lstStyle/>
-          <a:p>
-            <a:r>
-              <a:rPr lang="en-US" sz="1400" i="1" dirty="0" smtClean="0">
-                <a:latin typeface="Times New Roman"/>
-                <a:cs typeface="Times New Roman"/>
-              </a:rPr>
-              <a:t>q2c1</a:t>
-            </a:r>
-            <a:endParaRPr lang="en-US" sz="1400" i="1" dirty="0">
-              <a:latin typeface="Times New Roman"/>
-              <a:cs typeface="Times New Roman"/>
-            </a:endParaRPr>
-          </a:p>
-        </p:txBody>
-      </p:sp>
-      <p:sp>
-        <p:nvSpPr>
-          <p:cNvPr id="34" name="TextBox 33"/>
-          <p:cNvSpPr txBox="1"/>
-          <p:nvPr/>
-        </p:nvSpPr>
-        <p:spPr>
-          <a:xfrm>
-            <a:off x="2654750" y="990434"/>
-            <a:ext cx="542083" cy="307777"/>
-          </a:xfrm>
-          <a:prstGeom prst="rect">
-            <a:avLst/>
-          </a:prstGeom>
-          <a:noFill/>
-        </p:spPr>
-        <p:txBody>
-          <a:bodyPr wrap="square" rtlCol="0">
-            <a:spAutoFit/>
-          </a:bodyPr>
-          <a:lstStyle/>
-          <a:p>
-            <a:r>
-              <a:rPr lang="en-US" sz="1400" i="1" dirty="0" smtClean="0">
-                <a:latin typeface="Times New Roman"/>
-                <a:cs typeface="Times New Roman"/>
-              </a:rPr>
-              <a:t>q2c0</a:t>
-            </a:r>
-            <a:endParaRPr lang="en-US" sz="1400" i="1" dirty="0">
-              <a:latin typeface="Times New Roman"/>
-              <a:cs typeface="Times New Roman"/>
-            </a:endParaRPr>
-          </a:p>
-        </p:txBody>
-      </p:sp>
+      <p:cxnSp>
+        <p:nvCxnSpPr>
+          <p:cNvPr id="60" name="Elbow Connector 59"/>
+          <p:cNvCxnSpPr>
+            <a:stCxn id="6" idx="2"/>
+            <a:endCxn id="7" idx="3"/>
+          </p:cNvCxnSpPr>
+          <p:nvPr/>
+        </p:nvCxnSpPr>
+        <p:spPr>
+          <a:xfrm rot="5400000">
+            <a:off x="6079382" y="563257"/>
+            <a:ext cx="687842" cy="2082599"/>
+          </a:xfrm>
+          <a:prstGeom prst="bentConnector2">
+            <a:avLst/>
+          </a:prstGeom>
+          <a:ln>
+            <a:tailEnd type="arrow"/>
+          </a:ln>
+        </p:spPr>
+        <p:style>
+          <a:lnRef idx="2">
+            <a:schemeClr val="accent1"/>
+          </a:lnRef>
+          <a:fillRef idx="0">
+            <a:schemeClr val="accent1"/>
+          </a:fillRef>
+          <a:effectRef idx="1">
+            <a:schemeClr val="accent1"/>
+          </a:effectRef>
+          <a:fontRef idx="minor">
+            <a:schemeClr val="tx1"/>
+          </a:fontRef>
+        </p:style>
+      </p:cxnSp>
     </p:spTree>
     <p:extLst>
       <p:ext uri="{BB962C8B-B14F-4D97-AF65-F5344CB8AC3E}">
-        <p14:creationId xmlns:p14="http://schemas.microsoft.com/office/powerpoint/2010/main" val="1207689819"/>
+        <p14:creationId xmlns:p14="http://schemas.microsoft.com/office/powerpoint/2010/main" val="429946700"/>
       </p:ext>
     </p:extLst>
   </p:cSld>
@@ -21514,7 +19360,7 @@
         </p:nvSpPr>
         <p:spPr>
           <a:xfrm>
-            <a:off x="745327" y="1668149"/>
+            <a:off x="2021007" y="1717889"/>
             <a:ext cx="273930" cy="273946"/>
           </a:xfrm>
           <a:prstGeom prst="ellipse">
@@ -21552,7 +19398,7 @@
         </p:nvSpPr>
         <p:spPr>
           <a:xfrm>
-            <a:off x="203244" y="1572763"/>
+            <a:off x="1478924" y="1622503"/>
             <a:ext cx="542083" cy="369332"/>
           </a:xfrm>
           <a:prstGeom prst="rect">
@@ -21589,7 +19435,7 @@
         </p:nvSpPr>
         <p:spPr>
           <a:xfrm>
-            <a:off x="2024303" y="2824556"/>
+            <a:off x="3299983" y="2874296"/>
             <a:ext cx="273930" cy="273946"/>
           </a:xfrm>
           <a:prstGeom prst="ellipse">
@@ -21627,7 +19473,7 @@
         </p:nvSpPr>
         <p:spPr>
           <a:xfrm>
-            <a:off x="773062" y="2838129"/>
+            <a:off x="2048742" y="2887869"/>
             <a:ext cx="273930" cy="273946"/>
           </a:xfrm>
           <a:prstGeom prst="ellipse">
@@ -21665,7 +19511,7 @@
         </p:nvSpPr>
         <p:spPr>
           <a:xfrm>
-            <a:off x="274504" y="2738792"/>
+            <a:off x="1550184" y="2788532"/>
             <a:ext cx="542083" cy="369332"/>
           </a:xfrm>
           <a:prstGeom prst="rect">
@@ -21702,7 +19548,7 @@
         </p:nvSpPr>
         <p:spPr>
           <a:xfrm>
-            <a:off x="816587" y="3940537"/>
+            <a:off x="2092267" y="3990277"/>
             <a:ext cx="273930" cy="273946"/>
           </a:xfrm>
           <a:prstGeom prst="ellipse">
@@ -21740,7 +19586,7 @@
         </p:nvSpPr>
         <p:spPr>
           <a:xfrm>
-            <a:off x="255493" y="3921239"/>
+            <a:off x="1531173" y="3970979"/>
             <a:ext cx="542083" cy="369332"/>
           </a:xfrm>
           <a:prstGeom prst="rect">
@@ -21780,7 +19626,7 @@
         </p:nvCxnSpPr>
         <p:spPr>
           <a:xfrm flipV="1">
-            <a:off x="1046992" y="2961529"/>
+            <a:off x="2322672" y="3011269"/>
             <a:ext cx="977311" cy="13573"/>
           </a:xfrm>
           <a:prstGeom prst="curvedConnector3">
@@ -21809,13 +19655,55 @@
       </p:cxnSp>
       <p:sp>
         <p:nvSpPr>
+          <p:cNvPr id="35" name="TextBox 34"/>
+          <p:cNvSpPr txBox="1"/>
+          <p:nvPr/>
+        </p:nvSpPr>
+        <p:spPr>
+          <a:xfrm>
+            <a:off x="3534991" y="2859525"/>
+            <a:ext cx="4686739" cy="446276"/>
+          </a:xfrm>
+          <a:prstGeom prst="rect">
+            <a:avLst/>
+          </a:prstGeom>
+          <a:noFill/>
+        </p:spPr>
+        <p:txBody>
+          <a:bodyPr wrap="square" rtlCol="0">
+            <a:spAutoFit/>
+          </a:bodyPr>
+          <a:lstStyle/>
+          <a:p>
+            <a:r>
+              <a:rPr lang="en-US" sz="1200" b="1" i="1" dirty="0" smtClean="0">
+                <a:latin typeface="Times New Roman"/>
+                <a:cs typeface="Times New Roman"/>
+              </a:rPr>
+              <a:t>E(Q1) = E(C1)*q1c1+E(C2)*c2q1+E(C3)*c3q1</a:t>
+            </a:r>
+            <a:endParaRPr lang="en-US" sz="1050" b="1" i="1" dirty="0">
+              <a:latin typeface="Times New Roman"/>
+              <a:cs typeface="Times New Roman"/>
+            </a:endParaRPr>
+          </a:p>
+          <a:p>
+            <a:endParaRPr lang="en-US" sz="1050" b="1" i="1" dirty="0">
+              <a:latin typeface="Times New Roman"/>
+              <a:cs typeface="Times New Roman"/>
+            </a:endParaRPr>
+          </a:p>
+        </p:txBody>
+      </p:sp>
+      <p:sp>
+        <p:nvSpPr>
           <p:cNvPr id="37" name="TextBox 36"/>
           <p:cNvSpPr txBox="1"/>
           <p:nvPr/>
         </p:nvSpPr>
         <p:spPr>
           <a:xfrm flipH="1">
-            <a:off x="1752692" y="2818651"/>
+            <a:off x="3028372" y="2868391"/>
             <a:ext cx="812363" cy="276999"/>
           </a:xfrm>
           <a:prstGeom prst="rect">
@@ -21852,7 +19740,7 @@
         </p:nvSpPr>
         <p:spPr>
           <a:xfrm>
-            <a:off x="1289375" y="3502269"/>
+            <a:off x="2565055" y="3552009"/>
             <a:ext cx="542083" cy="307777"/>
           </a:xfrm>
           <a:prstGeom prst="rect">
@@ -21889,7 +19777,7 @@
         </p:nvSpPr>
         <p:spPr>
           <a:xfrm>
-            <a:off x="1404820" y="2708623"/>
+            <a:off x="2680500" y="2758363"/>
             <a:ext cx="542083" cy="307777"/>
           </a:xfrm>
           <a:prstGeom prst="rect">
@@ -21925,7 +19813,7 @@
         </p:nvSpPr>
         <p:spPr>
           <a:xfrm>
-            <a:off x="1404820" y="2074991"/>
+            <a:off x="2680500" y="2124731"/>
             <a:ext cx="542083" cy="307777"/>
           </a:xfrm>
           <a:prstGeom prst="rect">
@@ -21964,7 +19852,7 @@
         </p:nvCxnSpPr>
         <p:spPr>
           <a:xfrm>
-            <a:off x="979141" y="1901977"/>
+            <a:off x="2254821" y="1951717"/>
             <a:ext cx="1085278" cy="962697"/>
           </a:xfrm>
           <a:prstGeom prst="straightConnector1">
@@ -22000,7 +19888,7 @@
         </p:nvCxnSpPr>
         <p:spPr>
           <a:xfrm flipV="1">
-            <a:off x="1050401" y="3058384"/>
+            <a:off x="2326081" y="3108124"/>
             <a:ext cx="1014018" cy="922271"/>
           </a:xfrm>
           <a:prstGeom prst="straightConnector1">
@@ -22027,13 +19915,98 @@
       </p:cxnSp>
       <p:sp>
         <p:nvSpPr>
+          <p:cNvPr id="59" name="TextBox 58"/>
+          <p:cNvSpPr txBox="1"/>
+          <p:nvPr/>
+        </p:nvSpPr>
+        <p:spPr>
+          <a:xfrm>
+            <a:off x="742906" y="4644920"/>
+            <a:ext cx="7483294" cy="1107996"/>
+          </a:xfrm>
+          <a:prstGeom prst="rect">
+            <a:avLst/>
+          </a:prstGeom>
+          <a:noFill/>
+        </p:spPr>
+        <p:txBody>
+          <a:bodyPr wrap="square" rtlCol="0">
+            <a:spAutoFit/>
+          </a:bodyPr>
+          <a:lstStyle/>
+          <a:p>
+            <a:r>
+              <a:rPr lang="en-US" i="1" dirty="0" smtClean="0">
+                <a:latin typeface="Times New Roman"/>
+                <a:cs typeface="Times New Roman"/>
+              </a:rPr>
+              <a:t>Figure X: Expression summary network: </a:t>
+            </a:r>
+            <a:r>
+              <a:rPr lang="en-US" sz="1600" i="1" dirty="0" smtClean="0">
+                <a:latin typeface="Times New Roman"/>
+                <a:cs typeface="Times New Roman"/>
+              </a:rPr>
+              <a:t>C0-C3 are the contigs identified as homologs of Query Sets Q1 and Q2. E(X) is the normalized expression level of X. </a:t>
+            </a:r>
+            <a:r>
+              <a:rPr lang="en-US" sz="1600" i="1" dirty="0" err="1" smtClean="0">
+                <a:latin typeface="Times New Roman"/>
+                <a:cs typeface="Times New Roman"/>
+              </a:rPr>
+              <a:t>qxcy</a:t>
+            </a:r>
+            <a:r>
+              <a:rPr lang="en-US" sz="1600" i="1" dirty="0" smtClean="0">
+                <a:latin typeface="Times New Roman"/>
+                <a:cs typeface="Times New Roman"/>
+              </a:rPr>
+              <a:t> is the within species normalized </a:t>
+            </a:r>
+            <a:r>
+              <a:rPr lang="en-US" sz="1600" i="1" dirty="0" err="1" smtClean="0">
+                <a:latin typeface="Times New Roman"/>
+                <a:cs typeface="Times New Roman"/>
+              </a:rPr>
+              <a:t>orthofuzzscore</a:t>
+            </a:r>
+            <a:r>
+              <a:rPr lang="en-US" sz="1600" i="1" dirty="0" smtClean="0">
+                <a:latin typeface="Times New Roman"/>
+                <a:cs typeface="Times New Roman"/>
+              </a:rPr>
+              <a:t> (</a:t>
+            </a:r>
+            <a:r>
+              <a:rPr lang="en-US" sz="1600" i="1" dirty="0" err="1" smtClean="0">
+                <a:latin typeface="Times New Roman"/>
+                <a:cs typeface="Times New Roman"/>
+              </a:rPr>
+              <a:t>qx,cy</a:t>
+            </a:r>
+            <a:r>
+              <a:rPr lang="en-US" sz="1600" i="1" dirty="0" smtClean="0">
+                <a:latin typeface="Times New Roman"/>
+                <a:cs typeface="Times New Roman"/>
+              </a:rPr>
+              <a:t>) obtained by querying the network using the query set Q.  </a:t>
+            </a:r>
+            <a:endParaRPr lang="en-US" i="1" dirty="0">
+              <a:latin typeface="Times New Roman"/>
+              <a:cs typeface="Times New Roman"/>
+            </a:endParaRPr>
+          </a:p>
+        </p:txBody>
+      </p:sp>
+      <p:sp>
+        <p:nvSpPr>
           <p:cNvPr id="21" name="Oval 20"/>
           <p:cNvSpPr/>
           <p:nvPr/>
         </p:nvSpPr>
         <p:spPr>
           <a:xfrm>
-            <a:off x="745327" y="538242"/>
+            <a:off x="2021007" y="587982"/>
             <a:ext cx="273930" cy="273946"/>
           </a:xfrm>
           <a:prstGeom prst="ellipse">
@@ -22071,7 +20044,7 @@
         </p:nvSpPr>
         <p:spPr>
           <a:xfrm>
-            <a:off x="1993348" y="1666771"/>
+            <a:off x="3269028" y="1716511"/>
             <a:ext cx="273930" cy="273946"/>
           </a:xfrm>
           <a:prstGeom prst="ellipse">
@@ -22112,7 +20085,7 @@
         </p:nvCxnSpPr>
         <p:spPr>
           <a:xfrm flipV="1">
-            <a:off x="1019257" y="1803744"/>
+            <a:off x="2294937" y="1853484"/>
             <a:ext cx="974091" cy="1378"/>
           </a:xfrm>
           <a:prstGeom prst="straightConnector1">
@@ -22148,7 +20121,7 @@
         </p:nvCxnSpPr>
         <p:spPr>
           <a:xfrm>
-            <a:off x="979141" y="772070"/>
+            <a:off x="2254821" y="821810"/>
             <a:ext cx="1054323" cy="934819"/>
           </a:xfrm>
           <a:prstGeom prst="straightConnector1">
@@ -22181,7 +20154,7 @@
         </p:nvSpPr>
         <p:spPr>
           <a:xfrm flipH="1">
-            <a:off x="1726508" y="1647157"/>
+            <a:off x="3002188" y="1696897"/>
             <a:ext cx="812363" cy="276999"/>
           </a:xfrm>
           <a:prstGeom prst="rect">
@@ -22212,13 +20185,98 @@
       </p:sp>
       <p:sp>
         <p:nvSpPr>
+          <p:cNvPr id="31" name="TextBox 30"/>
+          <p:cNvSpPr txBox="1"/>
+          <p:nvPr/>
+        </p:nvSpPr>
+        <p:spPr>
+          <a:xfrm>
+            <a:off x="3489953" y="1722633"/>
+            <a:ext cx="4686739" cy="276999"/>
+          </a:xfrm>
+          <a:prstGeom prst="rect">
+            <a:avLst/>
+          </a:prstGeom>
+          <a:noFill/>
+        </p:spPr>
+        <p:txBody>
+          <a:bodyPr wrap="square" rtlCol="0">
+            <a:spAutoFit/>
+          </a:bodyPr>
+          <a:lstStyle/>
+          <a:p>
+            <a:r>
+              <a:rPr lang="en-US" sz="1200" b="1" i="1" dirty="0">
+                <a:latin typeface="Times New Roman"/>
+                <a:cs typeface="Times New Roman"/>
+              </a:rPr>
+              <a:t>E(</a:t>
+            </a:r>
+            <a:r>
+              <a:rPr lang="en-US" sz="1200" b="1" i="1" dirty="0" smtClean="0">
+                <a:latin typeface="Times New Roman"/>
+                <a:cs typeface="Times New Roman"/>
+              </a:rPr>
+              <a:t>Q2) </a:t>
+            </a:r>
+            <a:r>
+              <a:rPr lang="en-US" sz="1200" b="1" i="1" dirty="0">
+                <a:latin typeface="Times New Roman"/>
+                <a:cs typeface="Times New Roman"/>
+              </a:rPr>
+              <a:t>= E(C1)*</a:t>
+            </a:r>
+            <a:r>
+              <a:rPr lang="en-US" sz="1200" b="1" i="1" dirty="0" smtClean="0">
+                <a:latin typeface="Times New Roman"/>
+                <a:cs typeface="Times New Roman"/>
+              </a:rPr>
+              <a:t>q2c1</a:t>
+            </a:r>
+            <a:r>
+              <a:rPr lang="en-US" sz="1200" b="1" i="1" dirty="0">
+                <a:latin typeface="Times New Roman"/>
+                <a:cs typeface="Times New Roman"/>
+              </a:rPr>
+              <a:t>+E(</a:t>
+            </a:r>
+            <a:r>
+              <a:rPr lang="en-US" sz="1200" b="1" i="1" dirty="0" smtClean="0">
+                <a:latin typeface="Times New Roman"/>
+                <a:cs typeface="Times New Roman"/>
+              </a:rPr>
+              <a:t>C0)</a:t>
+            </a:r>
+            <a:r>
+              <a:rPr lang="en-US" sz="1200" b="1" i="1" dirty="0">
+                <a:latin typeface="Times New Roman"/>
+                <a:cs typeface="Times New Roman"/>
+              </a:rPr>
+              <a:t>*</a:t>
+            </a:r>
+            <a:r>
+              <a:rPr lang="en-US" sz="1200" b="1" i="1" dirty="0" smtClean="0">
+                <a:latin typeface="Times New Roman"/>
+                <a:cs typeface="Times New Roman"/>
+              </a:rPr>
+              <a:t>c0q2</a:t>
+            </a:r>
+            <a:endParaRPr lang="en-US" sz="1050" b="1" i="1" dirty="0">
+              <a:latin typeface="Times New Roman"/>
+              <a:cs typeface="Times New Roman"/>
+            </a:endParaRPr>
+          </a:p>
+        </p:txBody>
+      </p:sp>
+      <p:sp>
+        <p:nvSpPr>
           <p:cNvPr id="32" name="TextBox 31"/>
           <p:cNvSpPr txBox="1"/>
           <p:nvPr/>
         </p:nvSpPr>
         <p:spPr>
           <a:xfrm>
-            <a:off x="161035" y="446641"/>
+            <a:off x="1436715" y="496381"/>
             <a:ext cx="542083" cy="369332"/>
           </a:xfrm>
           <a:prstGeom prst="rect">
@@ -22255,7 +20313,7 @@
         </p:nvSpPr>
         <p:spPr>
           <a:xfrm>
-            <a:off x="1154768" y="1547986"/>
+            <a:off x="2430448" y="1597726"/>
             <a:ext cx="542083" cy="307777"/>
           </a:xfrm>
           <a:prstGeom prst="rect">
@@ -22291,7 +20349,7 @@
         </p:nvSpPr>
         <p:spPr>
           <a:xfrm>
-            <a:off x="1379070" y="940694"/>
+            <a:off x="2654750" y="990434"/>
             <a:ext cx="542083" cy="307777"/>
           </a:xfrm>
           <a:prstGeom prst="rect">
@@ -22319,178 +20377,10 @@
           </a:p>
         </p:txBody>
       </p:sp>
-      <p:sp>
-        <p:nvSpPr>
-          <p:cNvPr id="28" name="Bent-Up Arrow 27"/>
-          <p:cNvSpPr/>
-          <p:nvPr/>
-        </p:nvSpPr>
-        <p:spPr>
-          <a:xfrm flipV="1">
-            <a:off x="2565055" y="1603352"/>
-            <a:ext cx="1842252" cy="2215339"/>
-          </a:xfrm>
-          <a:prstGeom prst="bentUpArrow">
-            <a:avLst>
-              <a:gd name="adj1" fmla="val 15159"/>
-              <a:gd name="adj2" fmla="val 15539"/>
-              <a:gd name="adj3" fmla="val 34084"/>
-            </a:avLst>
-          </a:prstGeom>
-          <a:solidFill>
-            <a:schemeClr val="bg1">
-              <a:lumMod val="65000"/>
-              <a:alpha val="45000"/>
-            </a:schemeClr>
-          </a:solidFill>
-          <a:effectLst>
-            <a:outerShdw blurRad="50800" dist="38100" dir="2700000" algn="tl" rotWithShape="0">
-              <a:prstClr val="black">
-                <a:alpha val="40000"/>
-              </a:prstClr>
-            </a:outerShdw>
-          </a:effectLst>
-        </p:spPr>
-        <p:style>
-          <a:lnRef idx="3">
-            <a:schemeClr val="lt1"/>
-          </a:lnRef>
-          <a:fillRef idx="1">
-            <a:schemeClr val="dk1"/>
-          </a:fillRef>
-          <a:effectRef idx="1">
-            <a:schemeClr val="dk1"/>
-          </a:effectRef>
-          <a:fontRef idx="minor">
-            <a:schemeClr val="lt1"/>
-          </a:fontRef>
-        </p:style>
-        <p:txBody>
-          <a:bodyPr rtlCol="0" anchor="ctr"/>
-          <a:lstStyle/>
-          <a:p>
-            <a:pPr algn="ctr"/>
-            <a:endParaRPr lang="en-US"/>
-          </a:p>
-        </p:txBody>
-      </p:sp>
-      <p:sp>
-        <p:nvSpPr>
-          <p:cNvPr id="29" name="TextBox 28"/>
-          <p:cNvSpPr txBox="1"/>
-          <p:nvPr/>
-        </p:nvSpPr>
-        <p:spPr>
-          <a:xfrm>
-            <a:off x="4789182" y="1753664"/>
-            <a:ext cx="3870580" cy="1200329"/>
-          </a:xfrm>
-          <a:prstGeom prst="rect">
-            <a:avLst/>
-          </a:prstGeom>
-          <a:solidFill>
-            <a:schemeClr val="bg1">
-              <a:lumMod val="95000"/>
-              <a:alpha val="17000"/>
-            </a:schemeClr>
-          </a:solidFill>
-          <a:ln>
-            <a:solidFill>
-              <a:schemeClr val="bg1">
-                <a:lumMod val="85000"/>
-              </a:schemeClr>
-            </a:solidFill>
-          </a:ln>
-        </p:spPr>
-        <p:txBody>
-          <a:bodyPr wrap="square" rtlCol="0">
-            <a:spAutoFit/>
-          </a:bodyPr>
-          <a:lstStyle/>
-          <a:p>
-            <a:r>
-              <a:rPr lang="en-US" i="1" dirty="0" smtClean="0">
-                <a:latin typeface="Times New Roman"/>
-                <a:cs typeface="Times New Roman"/>
-              </a:rPr>
-              <a:t>This translates as</a:t>
-            </a:r>
-          </a:p>
-          <a:p>
-            <a:r>
-              <a:rPr lang="en-US" i="1" dirty="0" smtClean="0">
-                <a:latin typeface="Times New Roman"/>
-                <a:cs typeface="Times New Roman"/>
-              </a:rPr>
-              <a:t>matrix multiplication of</a:t>
-            </a:r>
-          </a:p>
-          <a:p>
-            <a:r>
-              <a:rPr lang="en-US" i="1" dirty="0" err="1" smtClean="0">
-                <a:latin typeface="Times New Roman"/>
-                <a:cs typeface="Times New Roman"/>
-              </a:rPr>
-              <a:t>OrthoFuzz</a:t>
-            </a:r>
-            <a:r>
-              <a:rPr lang="en-US" i="1" dirty="0" smtClean="0">
-                <a:latin typeface="Times New Roman"/>
-                <a:cs typeface="Times New Roman"/>
-              </a:rPr>
-              <a:t> Matrix and</a:t>
-            </a:r>
-          </a:p>
-          <a:p>
-            <a:r>
-              <a:rPr lang="en-US" i="1" dirty="0" err="1" smtClean="0">
-                <a:latin typeface="Times New Roman"/>
-                <a:cs typeface="Times New Roman"/>
-              </a:rPr>
-              <a:t>Contig</a:t>
-            </a:r>
-            <a:r>
-              <a:rPr lang="en-US" i="1" dirty="0" smtClean="0">
-                <a:latin typeface="Times New Roman"/>
-                <a:cs typeface="Times New Roman"/>
-              </a:rPr>
-              <a:t> Expression Vector</a:t>
-            </a:r>
-            <a:endParaRPr lang="en-US" i="1" dirty="0">
-              <a:latin typeface="Times New Roman"/>
-              <a:cs typeface="Times New Roman"/>
-            </a:endParaRPr>
-          </a:p>
-        </p:txBody>
-      </p:sp>
-      <p:pic>
-        <p:nvPicPr>
-          <p:cNvPr id="4" name="Picture 3"/>
-          <p:cNvPicPr>
-            <a:picLocks noChangeAspect="1"/>
-          </p:cNvPicPr>
-          <p:nvPr/>
-        </p:nvPicPr>
-        <p:blipFill>
-          <a:blip r:embed="rId2"/>
-          <a:stretch>
-            <a:fillRect/>
-          </a:stretch>
-        </p:blipFill>
-        <p:spPr>
-          <a:xfrm>
-            <a:off x="421438" y="4214483"/>
-            <a:ext cx="8026400" cy="1397000"/>
-          </a:xfrm>
-          <a:prstGeom prst="rect">
-            <a:avLst/>
-          </a:prstGeom>
-        </p:spPr>
-      </p:pic>
     </p:spTree>
     <p:extLst>
       <p:ext uri="{BB962C8B-B14F-4D97-AF65-F5344CB8AC3E}">
-        <p14:creationId xmlns:p14="http://schemas.microsoft.com/office/powerpoint/2010/main" val="3117434900"/>
+        <p14:creationId xmlns:p14="http://schemas.microsoft.com/office/powerpoint/2010/main" val="1207689819"/>
       </p:ext>
     </p:extLst>
   </p:cSld>
@@ -22524,9 +20414,966 @@
           <a:chExt cx="0" cy="0"/>
         </a:xfrm>
       </p:grpSpPr>
+      <p:sp>
+        <p:nvSpPr>
+          <p:cNvPr id="3" name="Oval 2"/>
+          <p:cNvSpPr/>
+          <p:nvPr/>
+        </p:nvSpPr>
+        <p:spPr>
+          <a:xfrm>
+            <a:off x="745327" y="1668149"/>
+            <a:ext cx="273930" cy="273946"/>
+          </a:xfrm>
+          <a:prstGeom prst="ellipse">
+            <a:avLst/>
+          </a:prstGeom>
+        </p:spPr>
+        <p:style>
+          <a:lnRef idx="3">
+            <a:schemeClr val="lt1"/>
+          </a:lnRef>
+          <a:fillRef idx="1">
+            <a:schemeClr val="accent2"/>
+          </a:fillRef>
+          <a:effectRef idx="1">
+            <a:schemeClr val="accent2"/>
+          </a:effectRef>
+          <a:fontRef idx="minor">
+            <a:schemeClr val="lt1"/>
+          </a:fontRef>
+        </p:style>
+        <p:txBody>
+          <a:bodyPr rtlCol="0" anchor="ctr"/>
+          <a:lstStyle/>
+          <a:p>
+            <a:pPr algn="ctr"/>
+            <a:endParaRPr lang="en-US"/>
+          </a:p>
+        </p:txBody>
+      </p:sp>
+      <p:sp>
+        <p:nvSpPr>
+          <p:cNvPr id="10" name="TextBox 9"/>
+          <p:cNvSpPr txBox="1"/>
+          <p:nvPr/>
+        </p:nvSpPr>
+        <p:spPr>
+          <a:xfrm>
+            <a:off x="203244" y="1572763"/>
+            <a:ext cx="542083" cy="369332"/>
+          </a:xfrm>
+          <a:prstGeom prst="rect">
+            <a:avLst/>
+          </a:prstGeom>
+          <a:noFill/>
+        </p:spPr>
+        <p:txBody>
+          <a:bodyPr wrap="square" rtlCol="0">
+            <a:spAutoFit/>
+          </a:bodyPr>
+          <a:lstStyle/>
+          <a:p>
+            <a:pPr algn="ctr"/>
+            <a:r>
+              <a:rPr lang="en-US" i="1" dirty="0" smtClean="0">
+                <a:latin typeface="Times New Roman"/>
+                <a:cs typeface="Times New Roman"/>
+              </a:rPr>
+              <a:t>C1</a:t>
+            </a:r>
+            <a:endParaRPr lang="en-US" i="1" dirty="0">
+              <a:latin typeface="Times New Roman"/>
+              <a:cs typeface="Times New Roman"/>
+            </a:endParaRPr>
+          </a:p>
+        </p:txBody>
+      </p:sp>
+      <p:sp>
+        <p:nvSpPr>
+          <p:cNvPr id="11" name="Oval 10"/>
+          <p:cNvSpPr/>
+          <p:nvPr/>
+        </p:nvSpPr>
+        <p:spPr>
+          <a:xfrm>
+            <a:off x="2024303" y="2824556"/>
+            <a:ext cx="273930" cy="273946"/>
+          </a:xfrm>
+          <a:prstGeom prst="ellipse">
+            <a:avLst/>
+          </a:prstGeom>
+        </p:spPr>
+        <p:style>
+          <a:lnRef idx="3">
+            <a:schemeClr val="lt1"/>
+          </a:lnRef>
+          <a:fillRef idx="1">
+            <a:schemeClr val="accent3"/>
+          </a:fillRef>
+          <a:effectRef idx="1">
+            <a:schemeClr val="accent3"/>
+          </a:effectRef>
+          <a:fontRef idx="minor">
+            <a:schemeClr val="lt1"/>
+          </a:fontRef>
+        </p:style>
+        <p:txBody>
+          <a:bodyPr rtlCol="0" anchor="ctr"/>
+          <a:lstStyle/>
+          <a:p>
+            <a:pPr algn="ctr"/>
+            <a:endParaRPr lang="en-US"/>
+          </a:p>
+        </p:txBody>
+      </p:sp>
+      <p:sp>
+        <p:nvSpPr>
+          <p:cNvPr id="12" name="Oval 11"/>
+          <p:cNvSpPr/>
+          <p:nvPr/>
+        </p:nvSpPr>
+        <p:spPr>
+          <a:xfrm>
+            <a:off x="773062" y="2838129"/>
+            <a:ext cx="273930" cy="273946"/>
+          </a:xfrm>
+          <a:prstGeom prst="ellipse">
+            <a:avLst/>
+          </a:prstGeom>
+        </p:spPr>
+        <p:style>
+          <a:lnRef idx="3">
+            <a:schemeClr val="lt1"/>
+          </a:lnRef>
+          <a:fillRef idx="1">
+            <a:schemeClr val="accent2"/>
+          </a:fillRef>
+          <a:effectRef idx="1">
+            <a:schemeClr val="accent2"/>
+          </a:effectRef>
+          <a:fontRef idx="minor">
+            <a:schemeClr val="lt1"/>
+          </a:fontRef>
+        </p:style>
+        <p:txBody>
+          <a:bodyPr rtlCol="0" anchor="ctr"/>
+          <a:lstStyle/>
+          <a:p>
+            <a:pPr algn="ctr"/>
+            <a:endParaRPr lang="en-US"/>
+          </a:p>
+        </p:txBody>
+      </p:sp>
+      <p:sp>
+        <p:nvSpPr>
+          <p:cNvPr id="19" name="TextBox 18"/>
+          <p:cNvSpPr txBox="1"/>
+          <p:nvPr/>
+        </p:nvSpPr>
+        <p:spPr>
+          <a:xfrm>
+            <a:off x="274504" y="2738792"/>
+            <a:ext cx="542083" cy="369332"/>
+          </a:xfrm>
+          <a:prstGeom prst="rect">
+            <a:avLst/>
+          </a:prstGeom>
+          <a:noFill/>
+        </p:spPr>
+        <p:txBody>
+          <a:bodyPr wrap="square" rtlCol="0">
+            <a:spAutoFit/>
+          </a:bodyPr>
+          <a:lstStyle/>
+          <a:p>
+            <a:pPr algn="ctr"/>
+            <a:r>
+              <a:rPr lang="en-US" i="1" dirty="0" smtClean="0">
+                <a:latin typeface="Times New Roman"/>
+                <a:cs typeface="Times New Roman"/>
+              </a:rPr>
+              <a:t>C2</a:t>
+            </a:r>
+            <a:endParaRPr lang="en-US" i="1" dirty="0">
+              <a:latin typeface="Times New Roman"/>
+              <a:cs typeface="Times New Roman"/>
+            </a:endParaRPr>
+          </a:p>
+        </p:txBody>
+      </p:sp>
+      <p:sp>
+        <p:nvSpPr>
+          <p:cNvPr id="20" name="Oval 19"/>
+          <p:cNvSpPr/>
+          <p:nvPr/>
+        </p:nvSpPr>
+        <p:spPr>
+          <a:xfrm>
+            <a:off x="816587" y="3940537"/>
+            <a:ext cx="273930" cy="273946"/>
+          </a:xfrm>
+          <a:prstGeom prst="ellipse">
+            <a:avLst/>
+          </a:prstGeom>
+        </p:spPr>
+        <p:style>
+          <a:lnRef idx="3">
+            <a:schemeClr val="lt1"/>
+          </a:lnRef>
+          <a:fillRef idx="1">
+            <a:schemeClr val="accent2"/>
+          </a:fillRef>
+          <a:effectRef idx="1">
+            <a:schemeClr val="accent2"/>
+          </a:effectRef>
+          <a:fontRef idx="minor">
+            <a:schemeClr val="lt1"/>
+          </a:fontRef>
+        </p:style>
+        <p:txBody>
+          <a:bodyPr rtlCol="0" anchor="ctr"/>
+          <a:lstStyle/>
+          <a:p>
+            <a:pPr algn="ctr"/>
+            <a:endParaRPr lang="en-US"/>
+          </a:p>
+        </p:txBody>
+      </p:sp>
+      <p:sp>
+        <p:nvSpPr>
+          <p:cNvPr id="24" name="TextBox 23"/>
+          <p:cNvSpPr txBox="1"/>
+          <p:nvPr/>
+        </p:nvSpPr>
+        <p:spPr>
+          <a:xfrm>
+            <a:off x="255493" y="3921239"/>
+            <a:ext cx="542083" cy="369332"/>
+          </a:xfrm>
+          <a:prstGeom prst="rect">
+            <a:avLst/>
+          </a:prstGeom>
+          <a:noFill/>
+        </p:spPr>
+        <p:txBody>
+          <a:bodyPr wrap="square" rtlCol="0">
+            <a:spAutoFit/>
+          </a:bodyPr>
+          <a:lstStyle/>
+          <a:p>
+            <a:pPr algn="ctr"/>
+            <a:r>
+              <a:rPr lang="en-US" i="1" dirty="0" smtClean="0">
+                <a:latin typeface="Times New Roman"/>
+                <a:cs typeface="Times New Roman"/>
+              </a:rPr>
+              <a:t>C3</a:t>
+            </a:r>
+            <a:endParaRPr lang="en-US" i="1" dirty="0">
+              <a:latin typeface="Times New Roman"/>
+              <a:cs typeface="Times New Roman"/>
+            </a:endParaRPr>
+          </a:p>
+        </p:txBody>
+      </p:sp>
+      <p:cxnSp>
+        <p:nvCxnSpPr>
+          <p:cNvPr id="26" name="Curved Connector 25"/>
+          <p:cNvCxnSpPr>
+            <a:stCxn id="12" idx="6"/>
+            <a:endCxn id="11" idx="2"/>
+          </p:cNvCxnSpPr>
+          <p:nvPr/>
+        </p:nvCxnSpPr>
+        <p:spPr>
+          <a:xfrm flipV="1">
+            <a:off x="1046992" y="2961529"/>
+            <a:ext cx="977311" cy="13573"/>
+          </a:xfrm>
+          <a:prstGeom prst="curvedConnector3">
+            <a:avLst>
+              <a:gd name="adj1" fmla="val 50000"/>
+            </a:avLst>
+          </a:prstGeom>
+          <a:ln>
+            <a:tailEnd type="arrow"/>
+          </a:ln>
+        </p:spPr>
+        <p:style>
+          <a:lnRef idx="2">
+            <a:schemeClr val="accent1"/>
+          </a:lnRef>
+          <a:fillRef idx="0">
+            <a:schemeClr val="accent1"/>
+          </a:fillRef>
+          <a:effectRef idx="1">
+            <a:schemeClr val="accent1"/>
+          </a:effectRef>
+          <a:fontRef idx="minor">
+            <a:schemeClr val="tx1"/>
+          </a:fontRef>
+        </p:style>
+      </p:cxnSp>
+      <p:sp>
+        <p:nvSpPr>
+          <p:cNvPr id="37" name="TextBox 36"/>
+          <p:cNvSpPr txBox="1"/>
+          <p:nvPr/>
+        </p:nvSpPr>
+        <p:spPr>
+          <a:xfrm flipH="1">
+            <a:off x="1752692" y="2818651"/>
+            <a:ext cx="812363" cy="276999"/>
+          </a:xfrm>
+          <a:prstGeom prst="rect">
+            <a:avLst/>
+          </a:prstGeom>
+          <a:noFill/>
+        </p:spPr>
+        <p:txBody>
+          <a:bodyPr wrap="square" rtlCol="0">
+            <a:spAutoFit/>
+          </a:bodyPr>
+          <a:lstStyle/>
+          <a:p>
+            <a:pPr algn="ctr"/>
+            <a:r>
+              <a:rPr lang="en-US" sz="1200" b="1" i="1" dirty="0" smtClean="0">
+                <a:latin typeface="Times New Roman"/>
+                <a:cs typeface="Times New Roman"/>
+              </a:rPr>
+              <a:t>Q1</a:t>
+            </a:r>
+            <a:endParaRPr lang="en-US" sz="1200" b="1" i="1" dirty="0">
+              <a:latin typeface="Times New Roman"/>
+              <a:cs typeface="Times New Roman"/>
+            </a:endParaRPr>
+          </a:p>
+        </p:txBody>
+      </p:sp>
+      <p:sp>
+        <p:nvSpPr>
+          <p:cNvPr id="43" name="TextBox 42"/>
+          <p:cNvSpPr txBox="1"/>
+          <p:nvPr/>
+        </p:nvSpPr>
+        <p:spPr>
+          <a:xfrm>
+            <a:off x="1289375" y="3502269"/>
+            <a:ext cx="542083" cy="307777"/>
+          </a:xfrm>
+          <a:prstGeom prst="rect">
+            <a:avLst/>
+          </a:prstGeom>
+          <a:noFill/>
+        </p:spPr>
+        <p:txBody>
+          <a:bodyPr wrap="square" rtlCol="0">
+            <a:spAutoFit/>
+          </a:bodyPr>
+          <a:lstStyle/>
+          <a:p>
+            <a:pPr algn="r"/>
+            <a:r>
+              <a:rPr lang="en-US" sz="1400" i="1" dirty="0" smtClean="0">
+                <a:latin typeface="Times New Roman"/>
+                <a:cs typeface="Times New Roman"/>
+              </a:rPr>
+              <a:t>q1c3</a:t>
+            </a:r>
+            <a:endParaRPr lang="en-US" sz="1400" i="1" dirty="0">
+              <a:latin typeface="Times New Roman"/>
+              <a:cs typeface="Times New Roman"/>
+            </a:endParaRPr>
+          </a:p>
+        </p:txBody>
+      </p:sp>
+      <p:sp>
+        <p:nvSpPr>
+          <p:cNvPr id="44" name="TextBox 43"/>
+          <p:cNvSpPr txBox="1"/>
+          <p:nvPr/>
+        </p:nvSpPr>
+        <p:spPr>
+          <a:xfrm>
+            <a:off x="1404820" y="2708623"/>
+            <a:ext cx="542083" cy="307777"/>
+          </a:xfrm>
+          <a:prstGeom prst="rect">
+            <a:avLst/>
+          </a:prstGeom>
+          <a:noFill/>
+        </p:spPr>
+        <p:txBody>
+          <a:bodyPr wrap="square" rtlCol="0">
+            <a:spAutoFit/>
+          </a:bodyPr>
+          <a:lstStyle/>
+          <a:p>
+            <a:r>
+              <a:rPr lang="en-US" sz="1400" i="1" dirty="0" smtClean="0">
+                <a:latin typeface="Times New Roman"/>
+                <a:cs typeface="Times New Roman"/>
+              </a:rPr>
+              <a:t>q1c2</a:t>
+            </a:r>
+            <a:endParaRPr lang="en-US" sz="1400" i="1" dirty="0">
+              <a:latin typeface="Times New Roman"/>
+              <a:cs typeface="Times New Roman"/>
+            </a:endParaRPr>
+          </a:p>
+        </p:txBody>
+      </p:sp>
+      <p:sp>
+        <p:nvSpPr>
+          <p:cNvPr id="45" name="TextBox 44"/>
+          <p:cNvSpPr txBox="1"/>
+          <p:nvPr/>
+        </p:nvSpPr>
+        <p:spPr>
+          <a:xfrm>
+            <a:off x="1404820" y="2074991"/>
+            <a:ext cx="542083" cy="307777"/>
+          </a:xfrm>
+          <a:prstGeom prst="rect">
+            <a:avLst/>
+          </a:prstGeom>
+          <a:noFill/>
+        </p:spPr>
+        <p:txBody>
+          <a:bodyPr wrap="square" rtlCol="0">
+            <a:spAutoFit/>
+          </a:bodyPr>
+          <a:lstStyle/>
+          <a:p>
+            <a:r>
+              <a:rPr lang="en-US" sz="1400" i="1" dirty="0" smtClean="0">
+                <a:latin typeface="Times New Roman"/>
+                <a:cs typeface="Times New Roman"/>
+              </a:rPr>
+              <a:t>q1c1</a:t>
+            </a:r>
+            <a:endParaRPr lang="en-US" sz="1400" i="1" dirty="0">
+              <a:latin typeface="Times New Roman"/>
+              <a:cs typeface="Times New Roman"/>
+            </a:endParaRPr>
+          </a:p>
+        </p:txBody>
+      </p:sp>
+      <p:cxnSp>
+        <p:nvCxnSpPr>
+          <p:cNvPr id="48" name="Straight Arrow Connector 47"/>
+          <p:cNvCxnSpPr>
+            <a:stCxn id="3" idx="5"/>
+            <a:endCxn id="11" idx="1"/>
+          </p:cNvCxnSpPr>
+          <p:nvPr/>
+        </p:nvCxnSpPr>
+        <p:spPr>
+          <a:xfrm>
+            <a:off x="979141" y="1901977"/>
+            <a:ext cx="1085278" cy="962697"/>
+          </a:xfrm>
+          <a:prstGeom prst="straightConnector1">
+            <a:avLst/>
+          </a:prstGeom>
+          <a:ln>
+            <a:tailEnd type="arrow"/>
+          </a:ln>
+        </p:spPr>
+        <p:style>
+          <a:lnRef idx="2">
+            <a:schemeClr val="accent1"/>
+          </a:lnRef>
+          <a:fillRef idx="0">
+            <a:schemeClr val="accent1"/>
+          </a:fillRef>
+          <a:effectRef idx="1">
+            <a:schemeClr val="accent1"/>
+          </a:effectRef>
+          <a:fontRef idx="minor">
+            <a:schemeClr val="tx1"/>
+          </a:fontRef>
+        </p:style>
+      </p:cxnSp>
+      <p:cxnSp>
+        <p:nvCxnSpPr>
+          <p:cNvPr id="53" name="Straight Arrow Connector 52"/>
+          <p:cNvCxnSpPr>
+            <a:stCxn id="20" idx="7"/>
+            <a:endCxn id="11" idx="3"/>
+          </p:cNvCxnSpPr>
+          <p:nvPr/>
+        </p:nvCxnSpPr>
+        <p:spPr>
+          <a:xfrm flipV="1">
+            <a:off x="1050401" y="3058384"/>
+            <a:ext cx="1014018" cy="922271"/>
+          </a:xfrm>
+          <a:prstGeom prst="straightConnector1">
+            <a:avLst/>
+          </a:prstGeom>
+          <a:ln>
+            <a:tailEnd type="arrow"/>
+          </a:ln>
+        </p:spPr>
+        <p:style>
+          <a:lnRef idx="2">
+            <a:schemeClr val="accent1"/>
+          </a:lnRef>
+          <a:fillRef idx="0">
+            <a:schemeClr val="accent1"/>
+          </a:fillRef>
+          <a:effectRef idx="1">
+            <a:schemeClr val="accent1"/>
+          </a:effectRef>
+          <a:fontRef idx="minor">
+            <a:schemeClr val="tx1"/>
+          </a:fontRef>
+        </p:style>
+      </p:cxnSp>
+      <p:sp>
+        <p:nvSpPr>
+          <p:cNvPr id="21" name="Oval 20"/>
+          <p:cNvSpPr/>
+          <p:nvPr/>
+        </p:nvSpPr>
+        <p:spPr>
+          <a:xfrm>
+            <a:off x="745327" y="538242"/>
+            <a:ext cx="273930" cy="273946"/>
+          </a:xfrm>
+          <a:prstGeom prst="ellipse">
+            <a:avLst/>
+          </a:prstGeom>
+        </p:spPr>
+        <p:style>
+          <a:lnRef idx="3">
+            <a:schemeClr val="lt1"/>
+          </a:lnRef>
+          <a:fillRef idx="1">
+            <a:schemeClr val="accent2"/>
+          </a:fillRef>
+          <a:effectRef idx="1">
+            <a:schemeClr val="accent2"/>
+          </a:effectRef>
+          <a:fontRef idx="minor">
+            <a:schemeClr val="lt1"/>
+          </a:fontRef>
+        </p:style>
+        <p:txBody>
+          <a:bodyPr rtlCol="0" anchor="ctr"/>
+          <a:lstStyle/>
+          <a:p>
+            <a:pPr algn="ctr"/>
+            <a:endParaRPr lang="en-US"/>
+          </a:p>
+        </p:txBody>
+      </p:sp>
+      <p:sp>
+        <p:nvSpPr>
+          <p:cNvPr id="23" name="Oval 22"/>
+          <p:cNvSpPr/>
+          <p:nvPr/>
+        </p:nvSpPr>
+        <p:spPr>
+          <a:xfrm>
+            <a:off x="1993348" y="1666771"/>
+            <a:ext cx="273930" cy="273946"/>
+          </a:xfrm>
+          <a:prstGeom prst="ellipse">
+            <a:avLst/>
+          </a:prstGeom>
+        </p:spPr>
+        <p:style>
+          <a:lnRef idx="3">
+            <a:schemeClr val="lt1"/>
+          </a:lnRef>
+          <a:fillRef idx="1">
+            <a:schemeClr val="accent3"/>
+          </a:fillRef>
+          <a:effectRef idx="1">
+            <a:schemeClr val="accent3"/>
+          </a:effectRef>
+          <a:fontRef idx="minor">
+            <a:schemeClr val="lt1"/>
+          </a:fontRef>
+        </p:style>
+        <p:txBody>
+          <a:bodyPr rtlCol="0" anchor="ctr"/>
+          <a:lstStyle/>
+          <a:p>
+            <a:pPr algn="ctr"/>
+            <a:endParaRPr lang="en-US"/>
+          </a:p>
+        </p:txBody>
+      </p:sp>
+      <p:cxnSp>
+        <p:nvCxnSpPr>
+          <p:cNvPr id="25" name="Straight Arrow Connector 24"/>
+          <p:cNvCxnSpPr>
+            <a:stCxn id="3" idx="6"/>
+            <a:endCxn id="23" idx="2"/>
+          </p:cNvCxnSpPr>
+          <p:nvPr/>
+        </p:nvCxnSpPr>
+        <p:spPr>
+          <a:xfrm flipV="1">
+            <a:off x="1019257" y="1803744"/>
+            <a:ext cx="974091" cy="1378"/>
+          </a:xfrm>
+          <a:prstGeom prst="straightConnector1">
+            <a:avLst/>
+          </a:prstGeom>
+          <a:ln>
+            <a:tailEnd type="arrow"/>
+          </a:ln>
+        </p:spPr>
+        <p:style>
+          <a:lnRef idx="2">
+            <a:schemeClr val="accent1"/>
+          </a:lnRef>
+          <a:fillRef idx="0">
+            <a:schemeClr val="accent1"/>
+          </a:fillRef>
+          <a:effectRef idx="1">
+            <a:schemeClr val="accent1"/>
+          </a:effectRef>
+          <a:fontRef idx="minor">
+            <a:schemeClr val="tx1"/>
+          </a:fontRef>
+        </p:style>
+      </p:cxnSp>
+      <p:cxnSp>
+        <p:nvCxnSpPr>
+          <p:cNvPr id="27" name="Straight Arrow Connector 26"/>
+          <p:cNvCxnSpPr>
+            <a:stCxn id="21" idx="5"/>
+            <a:endCxn id="23" idx="1"/>
+          </p:cNvCxnSpPr>
+          <p:nvPr/>
+        </p:nvCxnSpPr>
+        <p:spPr>
+          <a:xfrm>
+            <a:off x="979141" y="772070"/>
+            <a:ext cx="1054323" cy="934819"/>
+          </a:xfrm>
+          <a:prstGeom prst="straightConnector1">
+            <a:avLst/>
+          </a:prstGeom>
+          <a:ln>
+            <a:tailEnd type="arrow"/>
+          </a:ln>
+        </p:spPr>
+        <p:style>
+          <a:lnRef idx="2">
+            <a:schemeClr val="accent1"/>
+          </a:lnRef>
+          <a:fillRef idx="0">
+            <a:schemeClr val="accent1"/>
+          </a:fillRef>
+          <a:effectRef idx="1">
+            <a:schemeClr val="accent1"/>
+          </a:effectRef>
+          <a:fontRef idx="minor">
+            <a:schemeClr val="tx1"/>
+          </a:fontRef>
+        </p:style>
+      </p:cxnSp>
+      <p:sp>
+        <p:nvSpPr>
+          <p:cNvPr id="22" name="TextBox 21"/>
+          <p:cNvSpPr txBox="1"/>
+          <p:nvPr/>
+        </p:nvSpPr>
+        <p:spPr>
+          <a:xfrm flipH="1">
+            <a:off x="1726508" y="1647157"/>
+            <a:ext cx="812363" cy="276999"/>
+          </a:xfrm>
+          <a:prstGeom prst="rect">
+            <a:avLst/>
+          </a:prstGeom>
+          <a:noFill/>
+        </p:spPr>
+        <p:txBody>
+          <a:bodyPr wrap="square" rtlCol="0">
+            <a:spAutoFit/>
+          </a:bodyPr>
+          <a:lstStyle/>
+          <a:p>
+            <a:pPr algn="ctr"/>
+            <a:r>
+              <a:rPr lang="en-US" sz="1200" b="1" i="1" dirty="0" smtClean="0">
+                <a:latin typeface="Times New Roman"/>
+                <a:cs typeface="Times New Roman"/>
+              </a:rPr>
+              <a:t>Q2</a:t>
+            </a:r>
+            <a:endParaRPr lang="en-US" sz="1200" b="1" i="1" dirty="0">
+              <a:latin typeface="Times New Roman"/>
+              <a:cs typeface="Times New Roman"/>
+            </a:endParaRPr>
+          </a:p>
+        </p:txBody>
+      </p:sp>
+      <p:sp>
+        <p:nvSpPr>
+          <p:cNvPr id="32" name="TextBox 31"/>
+          <p:cNvSpPr txBox="1"/>
+          <p:nvPr/>
+        </p:nvSpPr>
+        <p:spPr>
+          <a:xfrm>
+            <a:off x="161035" y="446641"/>
+            <a:ext cx="542083" cy="369332"/>
+          </a:xfrm>
+          <a:prstGeom prst="rect">
+            <a:avLst/>
+          </a:prstGeom>
+          <a:noFill/>
+        </p:spPr>
+        <p:txBody>
+          <a:bodyPr wrap="square" rtlCol="0">
+            <a:spAutoFit/>
+          </a:bodyPr>
+          <a:lstStyle/>
+          <a:p>
+            <a:pPr algn="ctr"/>
+            <a:r>
+              <a:rPr lang="en-US" i="1" dirty="0" smtClean="0">
+                <a:latin typeface="Times New Roman"/>
+                <a:cs typeface="Times New Roman"/>
+              </a:rPr>
+              <a:t>C0</a:t>
+            </a:r>
+            <a:endParaRPr lang="en-US" i="1" dirty="0">
+              <a:latin typeface="Times New Roman"/>
+              <a:cs typeface="Times New Roman"/>
+            </a:endParaRPr>
+          </a:p>
+        </p:txBody>
+      </p:sp>
+      <p:sp>
+        <p:nvSpPr>
+          <p:cNvPr id="33" name="TextBox 32"/>
+          <p:cNvSpPr txBox="1"/>
+          <p:nvPr/>
+        </p:nvSpPr>
+        <p:spPr>
+          <a:xfrm>
+            <a:off x="1154768" y="1547986"/>
+            <a:ext cx="542083" cy="307777"/>
+          </a:xfrm>
+          <a:prstGeom prst="rect">
+            <a:avLst/>
+          </a:prstGeom>
+          <a:noFill/>
+        </p:spPr>
+        <p:txBody>
+          <a:bodyPr wrap="square" rtlCol="0">
+            <a:spAutoFit/>
+          </a:bodyPr>
+          <a:lstStyle/>
+          <a:p>
+            <a:r>
+              <a:rPr lang="en-US" sz="1400" i="1" dirty="0" smtClean="0">
+                <a:latin typeface="Times New Roman"/>
+                <a:cs typeface="Times New Roman"/>
+              </a:rPr>
+              <a:t>q2c1</a:t>
+            </a:r>
+            <a:endParaRPr lang="en-US" sz="1400" i="1" dirty="0">
+              <a:latin typeface="Times New Roman"/>
+              <a:cs typeface="Times New Roman"/>
+            </a:endParaRPr>
+          </a:p>
+        </p:txBody>
+      </p:sp>
+      <p:sp>
+        <p:nvSpPr>
+          <p:cNvPr id="34" name="TextBox 33"/>
+          <p:cNvSpPr txBox="1"/>
+          <p:nvPr/>
+        </p:nvSpPr>
+        <p:spPr>
+          <a:xfrm>
+            <a:off x="1379070" y="940694"/>
+            <a:ext cx="542083" cy="307777"/>
+          </a:xfrm>
+          <a:prstGeom prst="rect">
+            <a:avLst/>
+          </a:prstGeom>
+          <a:noFill/>
+        </p:spPr>
+        <p:txBody>
+          <a:bodyPr wrap="square" rtlCol="0">
+            <a:spAutoFit/>
+          </a:bodyPr>
+          <a:lstStyle/>
+          <a:p>
+            <a:r>
+              <a:rPr lang="en-US" sz="1400" i="1" dirty="0" smtClean="0">
+                <a:latin typeface="Times New Roman"/>
+                <a:cs typeface="Times New Roman"/>
+              </a:rPr>
+              <a:t>q2c0</a:t>
+            </a:r>
+            <a:endParaRPr lang="en-US" sz="1400" i="1" dirty="0">
+              <a:latin typeface="Times New Roman"/>
+              <a:cs typeface="Times New Roman"/>
+            </a:endParaRPr>
+          </a:p>
+        </p:txBody>
+      </p:sp>
+      <p:sp>
+        <p:nvSpPr>
+          <p:cNvPr id="28" name="Bent-Up Arrow 27"/>
+          <p:cNvSpPr/>
+          <p:nvPr/>
+        </p:nvSpPr>
+        <p:spPr>
+          <a:xfrm flipV="1">
+            <a:off x="2565055" y="1603352"/>
+            <a:ext cx="1842252" cy="2215339"/>
+          </a:xfrm>
+          <a:prstGeom prst="bentUpArrow">
+            <a:avLst>
+              <a:gd name="adj1" fmla="val 15159"/>
+              <a:gd name="adj2" fmla="val 15539"/>
+              <a:gd name="adj3" fmla="val 34084"/>
+            </a:avLst>
+          </a:prstGeom>
+          <a:solidFill>
+            <a:schemeClr val="bg1">
+              <a:lumMod val="65000"/>
+              <a:alpha val="45000"/>
+            </a:schemeClr>
+          </a:solidFill>
+          <a:effectLst>
+            <a:outerShdw blurRad="50800" dist="38100" dir="2700000" algn="tl" rotWithShape="0">
+              <a:prstClr val="black">
+                <a:alpha val="40000"/>
+              </a:prstClr>
+            </a:outerShdw>
+          </a:effectLst>
+        </p:spPr>
+        <p:style>
+          <a:lnRef idx="3">
+            <a:schemeClr val="lt1"/>
+          </a:lnRef>
+          <a:fillRef idx="1">
+            <a:schemeClr val="dk1"/>
+          </a:fillRef>
+          <a:effectRef idx="1">
+            <a:schemeClr val="dk1"/>
+          </a:effectRef>
+          <a:fontRef idx="minor">
+            <a:schemeClr val="lt1"/>
+          </a:fontRef>
+        </p:style>
+        <p:txBody>
+          <a:bodyPr rtlCol="0" anchor="ctr"/>
+          <a:lstStyle/>
+          <a:p>
+            <a:pPr algn="ctr"/>
+            <a:endParaRPr lang="en-US"/>
+          </a:p>
+        </p:txBody>
+      </p:sp>
+      <p:sp>
+        <p:nvSpPr>
+          <p:cNvPr id="29" name="TextBox 28"/>
+          <p:cNvSpPr txBox="1"/>
+          <p:nvPr/>
+        </p:nvSpPr>
+        <p:spPr>
+          <a:xfrm>
+            <a:off x="4789182" y="1753664"/>
+            <a:ext cx="3870580" cy="1200329"/>
+          </a:xfrm>
+          <a:prstGeom prst="rect">
+            <a:avLst/>
+          </a:prstGeom>
+          <a:solidFill>
+            <a:schemeClr val="bg1">
+              <a:lumMod val="95000"/>
+              <a:alpha val="17000"/>
+            </a:schemeClr>
+          </a:solidFill>
+          <a:ln>
+            <a:solidFill>
+              <a:schemeClr val="bg1">
+                <a:lumMod val="85000"/>
+              </a:schemeClr>
+            </a:solidFill>
+          </a:ln>
+        </p:spPr>
+        <p:txBody>
+          <a:bodyPr wrap="square" rtlCol="0">
+            <a:spAutoFit/>
+          </a:bodyPr>
+          <a:lstStyle/>
+          <a:p>
+            <a:r>
+              <a:rPr lang="en-US" i="1" dirty="0" smtClean="0">
+                <a:latin typeface="Times New Roman"/>
+                <a:cs typeface="Times New Roman"/>
+              </a:rPr>
+              <a:t>This translates as</a:t>
+            </a:r>
+          </a:p>
+          <a:p>
+            <a:r>
+              <a:rPr lang="en-US" i="1" dirty="0" smtClean="0">
+                <a:latin typeface="Times New Roman"/>
+                <a:cs typeface="Times New Roman"/>
+              </a:rPr>
+              <a:t>matrix multiplication of</a:t>
+            </a:r>
+          </a:p>
+          <a:p>
+            <a:r>
+              <a:rPr lang="en-US" i="1" dirty="0" err="1" smtClean="0">
+                <a:latin typeface="Times New Roman"/>
+                <a:cs typeface="Times New Roman"/>
+              </a:rPr>
+              <a:t>OrthoFuzz</a:t>
+            </a:r>
+            <a:r>
+              <a:rPr lang="en-US" i="1" dirty="0" smtClean="0">
+                <a:latin typeface="Times New Roman"/>
+                <a:cs typeface="Times New Roman"/>
+              </a:rPr>
+              <a:t> Matrix and</a:t>
+            </a:r>
+          </a:p>
+          <a:p>
+            <a:r>
+              <a:rPr lang="en-US" i="1" dirty="0" err="1" smtClean="0">
+                <a:latin typeface="Times New Roman"/>
+                <a:cs typeface="Times New Roman"/>
+              </a:rPr>
+              <a:t>Contig</a:t>
+            </a:r>
+            <a:r>
+              <a:rPr lang="en-US" i="1" dirty="0" smtClean="0">
+                <a:latin typeface="Times New Roman"/>
+                <a:cs typeface="Times New Roman"/>
+              </a:rPr>
+              <a:t> Expression Vector</a:t>
+            </a:r>
+            <a:endParaRPr lang="en-US" i="1" dirty="0">
+              <a:latin typeface="Times New Roman"/>
+              <a:cs typeface="Times New Roman"/>
+            </a:endParaRPr>
+          </a:p>
+        </p:txBody>
+      </p:sp>
       <p:pic>
         <p:nvPicPr>
-          <p:cNvPr id="2" name="Picture 1"/>
+          <p:cNvPr id="4" name="Picture 3"/>
           <p:cNvPicPr>
             <a:picLocks noChangeAspect="1"/>
           </p:cNvPicPr>
@@ -22540,32 +21387,8 @@
         </p:blipFill>
         <p:spPr>
           <a:xfrm>
-            <a:off x="679804" y="32665"/>
-            <a:ext cx="8204200" cy="2184400"/>
-          </a:xfrm>
-          <a:prstGeom prst="rect">
-            <a:avLst/>
-          </a:prstGeom>
-        </p:spPr>
-      </p:pic>
-      <p:pic>
-        <p:nvPicPr>
-          <p:cNvPr id="3" name="Picture 2"/>
-          <p:cNvPicPr>
-            <a:picLocks noChangeAspect="1"/>
-          </p:cNvPicPr>
-          <p:nvPr/>
-        </p:nvPicPr>
-        <p:blipFill>
-          <a:blip r:embed="rId3"/>
-          <a:stretch>
-            <a:fillRect/>
-          </a:stretch>
-        </p:blipFill>
-        <p:spPr>
-          <a:xfrm>
-            <a:off x="964490" y="2436424"/>
-            <a:ext cx="6362700" cy="2959100"/>
+            <a:off x="421438" y="4214483"/>
+            <a:ext cx="8026400" cy="1397000"/>
           </a:xfrm>
           <a:prstGeom prst="rect">
             <a:avLst/>
@@ -22575,7 +21398,7 @@
     </p:spTree>
     <p:extLst>
       <p:ext uri="{BB962C8B-B14F-4D97-AF65-F5344CB8AC3E}">
-        <p14:creationId xmlns:p14="http://schemas.microsoft.com/office/powerpoint/2010/main" val="3882563729"/>
+        <p14:creationId xmlns:p14="http://schemas.microsoft.com/office/powerpoint/2010/main" val="3117434900"/>
       </p:ext>
     </p:extLst>
   </p:cSld>

--- a/Concepts.pptx
+++ b/Concepts.pptx
@@ -10556,7 +10556,7 @@
               <a:t>Select source </a:t>
             </a:r>
             <a:r>
-              <a:rPr lang="en-US" i="1" smtClean="0">
+              <a:rPr lang="en-US" i="1" dirty="0" err="1" smtClean="0">
                 <a:latin typeface="Times New Roman"/>
                 <a:cs typeface="Times New Roman"/>
               </a:rPr>
@@ -10591,7 +10591,7 @@
           <a:graphicData uri="http://schemas.openxmlformats.org/presentationml/2006/ole">
             <mc:AlternateContent xmlns:mc="http://schemas.openxmlformats.org/markup-compatibility/2006">
               <mc:Choice xmlns:v="urn:schemas-microsoft-com:vml" Requires="v">
-                <p:oleObj spid="_x0000_s2050" name="Document" r:id="rId3" imgW="5638800" imgH="4102100" progId="Word.Document.12">
+                <p:oleObj spid="_x0000_s2052" name="Document" r:id="rId3" imgW="5638800" imgH="4102100" progId="Word.Document.12">
                   <p:embed/>
                 </p:oleObj>
               </mc:Choice>

--- a/Concepts.pptx
+++ b/Concepts.pptx
@@ -10031,6 +10031,86 @@
       </p:grpSpPr>
       <p:sp>
         <p:nvSpPr>
+          <p:cNvPr id="16" name="Rectangle 15"/>
+          <p:cNvSpPr/>
+          <p:nvPr/>
+        </p:nvSpPr>
+        <p:spPr>
+          <a:xfrm>
+            <a:off x="3760986" y="435985"/>
+            <a:ext cx="4542491" cy="958981"/>
+          </a:xfrm>
+          <a:prstGeom prst="rect">
+            <a:avLst/>
+          </a:prstGeom>
+          <a:gradFill flip="none" rotWithShape="1">
+            <a:gsLst>
+              <a:gs pos="0">
+                <a:schemeClr val="accent1">
+                  <a:tint val="50000"/>
+                  <a:satMod val="300000"/>
+                  <a:alpha val="0"/>
+                </a:schemeClr>
+              </a:gs>
+              <a:gs pos="35000">
+                <a:schemeClr val="accent1">
+                  <a:tint val="37000"/>
+                  <a:satMod val="300000"/>
+                  <a:alpha val="0"/>
+                </a:schemeClr>
+              </a:gs>
+              <a:gs pos="100000">
+                <a:schemeClr val="accent1">
+                  <a:tint val="15000"/>
+                  <a:satMod val="350000"/>
+                  <a:alpha val="0"/>
+                </a:schemeClr>
+              </a:gs>
+            </a:gsLst>
+            <a:lin ang="16200000" scaled="1"/>
+            <a:tileRect/>
+          </a:gradFill>
+          <a:ln>
+            <a:solidFill>
+              <a:schemeClr val="tx2">
+                <a:lumMod val="20000"/>
+                <a:lumOff val="80000"/>
+              </a:schemeClr>
+            </a:solidFill>
+          </a:ln>
+          <a:effectLst>
+            <a:outerShdw blurRad="50800" dist="38100" dir="2700000" algn="tl" rotWithShape="0">
+              <a:prstClr val="black">
+                <a:alpha val="40000"/>
+              </a:prstClr>
+            </a:outerShdw>
+          </a:effectLst>
+        </p:spPr>
+        <p:style>
+          <a:lnRef idx="1">
+            <a:schemeClr val="accent1"/>
+          </a:lnRef>
+          <a:fillRef idx="2">
+            <a:schemeClr val="accent1"/>
+          </a:fillRef>
+          <a:effectRef idx="1">
+            <a:schemeClr val="accent1"/>
+          </a:effectRef>
+          <a:fontRef idx="minor">
+            <a:schemeClr val="dk1"/>
+          </a:fontRef>
+        </p:style>
+        <p:txBody>
+          <a:bodyPr rtlCol="0" anchor="ctr"/>
+          <a:lstStyle/>
+          <a:p>
+            <a:pPr algn="ctr"/>
+            <a:endParaRPr lang="en-US"/>
+          </a:p>
+        </p:txBody>
+      </p:sp>
+      <p:sp>
+        <p:nvSpPr>
           <p:cNvPr id="3" name="Oval 2"/>
           <p:cNvSpPr/>
           <p:nvPr/>
@@ -10113,7 +10193,7 @@
         </p:nvSpPr>
         <p:spPr>
           <a:xfrm>
-            <a:off x="6729715" y="556817"/>
+            <a:off x="4086236" y="523202"/>
             <a:ext cx="273930" cy="273946"/>
           </a:xfrm>
           <a:prstGeom prst="ellipse">
@@ -10151,7 +10231,7 @@
         </p:nvSpPr>
         <p:spPr>
           <a:xfrm>
-            <a:off x="7147106" y="473180"/>
+            <a:off x="4503627" y="439565"/>
             <a:ext cx="1996894" cy="307777"/>
           </a:xfrm>
           <a:prstGeom prst="rect">
@@ -10347,7 +10427,7 @@
         </p:nvSpPr>
         <p:spPr>
           <a:xfrm>
-            <a:off x="6745150" y="1049413"/>
+            <a:off x="6051824" y="503342"/>
             <a:ext cx="273930" cy="273946"/>
           </a:xfrm>
           <a:prstGeom prst="ellipse">
@@ -10387,7 +10467,7 @@
         </p:nvSpPr>
         <p:spPr>
           <a:xfrm>
-            <a:off x="7162541" y="965776"/>
+            <a:off x="6469215" y="419705"/>
             <a:ext cx="1996894" cy="307777"/>
           </a:xfrm>
           <a:prstGeom prst="rect">
@@ -10621,7 +10701,7 @@
         </p:nvCxnSpPr>
         <p:spPr>
           <a:xfrm flipH="1">
-            <a:off x="6649061" y="1643126"/>
+            <a:off x="3940711" y="975983"/>
             <a:ext cx="513480" cy="0"/>
           </a:xfrm>
           <a:prstGeom prst="line">
@@ -10660,7 +10740,7 @@
         </p:nvSpPr>
         <p:spPr>
           <a:xfrm>
-            <a:off x="7162541" y="1473849"/>
+            <a:off x="4454191" y="806706"/>
             <a:ext cx="1996894" cy="307777"/>
           </a:xfrm>
           <a:prstGeom prst="rect">
@@ -10696,7 +10776,7 @@
         </p:nvSpPr>
         <p:spPr>
           <a:xfrm>
-            <a:off x="1195336" y="3764065"/>
+            <a:off x="1195336" y="3308225"/>
             <a:ext cx="273930" cy="273946"/>
           </a:xfrm>
           <a:prstGeom prst="ellipse">
@@ -10734,7 +10814,7 @@
         </p:nvSpPr>
         <p:spPr>
           <a:xfrm>
-            <a:off x="2256689" y="3764065"/>
+            <a:off x="2256689" y="3308225"/>
             <a:ext cx="273930" cy="273946"/>
           </a:xfrm>
           <a:prstGeom prst="ellipse">
@@ -10772,7 +10852,7 @@
         </p:nvSpPr>
         <p:spPr>
           <a:xfrm>
-            <a:off x="750069" y="4364742"/>
+            <a:off x="750069" y="3908902"/>
             <a:ext cx="273930" cy="273946"/>
           </a:xfrm>
           <a:prstGeom prst="ellipse">
@@ -10812,7 +10892,7 @@
         </p:nvSpPr>
         <p:spPr>
           <a:xfrm>
-            <a:off x="725167" y="3271931"/>
+            <a:off x="725167" y="2816091"/>
             <a:ext cx="273930" cy="273946"/>
           </a:xfrm>
           <a:prstGeom prst="ellipse">
@@ -10852,7 +10932,7 @@
         </p:nvSpPr>
         <p:spPr>
           <a:xfrm>
-            <a:off x="2734627" y="4437924"/>
+            <a:off x="2734627" y="3982084"/>
             <a:ext cx="273930" cy="273946"/>
           </a:xfrm>
           <a:prstGeom prst="ellipse">
@@ -10892,7 +10972,7 @@
         </p:nvSpPr>
         <p:spPr>
           <a:xfrm>
-            <a:off x="2760490" y="3221357"/>
+            <a:off x="2760490" y="2765517"/>
             <a:ext cx="273930" cy="273946"/>
           </a:xfrm>
           <a:prstGeom prst="ellipse">
@@ -10935,7 +11015,7 @@
         </p:nvCxnSpPr>
         <p:spPr>
           <a:xfrm>
-            <a:off x="958981" y="3505759"/>
+            <a:off x="958981" y="3049919"/>
             <a:ext cx="276471" cy="298424"/>
           </a:xfrm>
           <a:prstGeom prst="line">
@@ -10974,7 +11054,7 @@
         </p:nvCxnSpPr>
         <p:spPr>
           <a:xfrm flipV="1">
-            <a:off x="983883" y="3997893"/>
+            <a:off x="983883" y="3542053"/>
             <a:ext cx="251569" cy="406967"/>
           </a:xfrm>
           <a:prstGeom prst="line">
@@ -11013,7 +11093,7 @@
         </p:nvCxnSpPr>
         <p:spPr>
           <a:xfrm flipH="1">
-            <a:off x="2490503" y="3455185"/>
+            <a:off x="2490503" y="2999345"/>
             <a:ext cx="310103" cy="348998"/>
           </a:xfrm>
           <a:prstGeom prst="line">
@@ -11052,7 +11132,7 @@
         </p:nvCxnSpPr>
         <p:spPr>
           <a:xfrm flipH="1" flipV="1">
-            <a:off x="2490503" y="3997893"/>
+            <a:off x="2490503" y="3542053"/>
             <a:ext cx="284240" cy="480149"/>
           </a:xfrm>
           <a:prstGeom prst="line">
@@ -11091,7 +11171,7 @@
         </p:nvCxnSpPr>
         <p:spPr>
           <a:xfrm flipH="1">
-            <a:off x="1469266" y="3901038"/>
+            <a:off x="1469266" y="3445198"/>
             <a:ext cx="787423" cy="0"/>
           </a:xfrm>
           <a:prstGeom prst="line">
@@ -11127,7 +11207,7 @@
         </p:nvCxnSpPr>
         <p:spPr>
           <a:xfrm flipH="1">
-            <a:off x="6649061" y="2167564"/>
+            <a:off x="6032461" y="983815"/>
             <a:ext cx="513480" cy="0"/>
           </a:xfrm>
           <a:prstGeom prst="line">
@@ -11165,7 +11245,7 @@
         </p:nvSpPr>
         <p:spPr>
           <a:xfrm>
-            <a:off x="7162541" y="1998287"/>
+            <a:off x="6545941" y="798258"/>
             <a:ext cx="1996894" cy="307777"/>
           </a:xfrm>
           <a:prstGeom prst="rect">
@@ -11201,7 +11281,7 @@
         </p:nvSpPr>
         <p:spPr>
           <a:xfrm>
-            <a:off x="448252" y="3159097"/>
+            <a:off x="448252" y="2703257"/>
             <a:ext cx="1195335" cy="1579760"/>
           </a:xfrm>
           <a:prstGeom prst="rect">
@@ -11266,7 +11346,7 @@
         </p:nvSpPr>
         <p:spPr>
           <a:xfrm>
-            <a:off x="2202938" y="3132534"/>
+            <a:off x="2202938" y="2676694"/>
             <a:ext cx="1195335" cy="1668583"/>
           </a:xfrm>
           <a:prstGeom prst="rect">
@@ -11331,7 +11411,7 @@
         </p:nvCxnSpPr>
         <p:spPr>
           <a:xfrm flipH="1">
-            <a:off x="6647472" y="2639847"/>
+            <a:off x="3969590" y="1268572"/>
             <a:ext cx="515069" cy="0"/>
           </a:xfrm>
           <a:prstGeom prst="line">
@@ -11367,7 +11447,7 @@
         </p:nvSpPr>
         <p:spPr>
           <a:xfrm>
-            <a:off x="7314941" y="2458464"/>
+            <a:off x="4637059" y="1087189"/>
             <a:ext cx="1996894" cy="307777"/>
           </a:xfrm>
           <a:prstGeom prst="rect">
@@ -11382,11 +11462,18 @@
           <a:lstStyle/>
           <a:p>
             <a:r>
+              <a:rPr lang="en-US" sz="1400" b="1" i="1" dirty="0" err="1" smtClean="0">
+                <a:latin typeface="Times New Roman"/>
+                <a:cs typeface="Times New Roman"/>
+              </a:rPr>
+              <a:t>Orthofuzz</a:t>
+            </a:r>
+            <a:r>
               <a:rPr lang="en-US" sz="1400" b="1" i="1" dirty="0" smtClean="0">
                 <a:latin typeface="Times New Roman"/>
                 <a:cs typeface="Times New Roman"/>
               </a:rPr>
-              <a:t>Neighbor</a:t>
+              <a:t> Edge</a:t>
             </a:r>
             <a:endParaRPr lang="en-US" sz="1400" b="1" i="1" dirty="0">
               <a:latin typeface="Times New Roman"/>
@@ -11441,7 +11528,7 @@
         </p:nvSpPr>
         <p:spPr>
           <a:xfrm>
-            <a:off x="5915698" y="2985531"/>
+            <a:off x="5978914" y="2143603"/>
             <a:ext cx="1996894" cy="307777"/>
           </a:xfrm>
           <a:prstGeom prst="rect">
@@ -11477,7 +11564,7 @@
         </p:nvSpPr>
         <p:spPr>
           <a:xfrm>
-            <a:off x="3940711" y="3729336"/>
+            <a:off x="4003927" y="2887408"/>
             <a:ext cx="1996894" cy="307777"/>
           </a:xfrm>
           <a:prstGeom prst="rect">
@@ -11513,7 +11600,7 @@
         </p:nvSpPr>
         <p:spPr>
           <a:xfrm>
-            <a:off x="3940711" y="4237582"/>
+            <a:off x="4003927" y="3395654"/>
             <a:ext cx="1996894" cy="307777"/>
           </a:xfrm>
           <a:prstGeom prst="rect">
@@ -11587,7 +11674,7 @@
         </p:nvSpPr>
         <p:spPr>
           <a:xfrm rot="5400000">
-            <a:off x="1691640" y="5052348"/>
+            <a:off x="1691640" y="4596508"/>
             <a:ext cx="336186" cy="307777"/>
           </a:xfrm>
           <a:prstGeom prst="rightArrow">
@@ -11625,7 +11712,7 @@
         </p:nvSpPr>
         <p:spPr>
           <a:xfrm>
-            <a:off x="427982" y="5576121"/>
+            <a:off x="45709" y="4918491"/>
             <a:ext cx="4314457" cy="307777"/>
           </a:xfrm>
           <a:prstGeom prst="rect">
@@ -11644,7 +11731,21 @@
                 <a:latin typeface="Times New Roman"/>
                 <a:cs typeface="Times New Roman"/>
               </a:rPr>
-              <a:t>Is there evidence for protein complexes ?</a:t>
+              <a:t>Is there evidence for </a:t>
+            </a:r>
+            <a:r>
+              <a:rPr lang="en-US" sz="1400" b="1" i="1" dirty="0" smtClean="0">
+                <a:latin typeface="Times New Roman"/>
+                <a:cs typeface="Times New Roman"/>
+              </a:rPr>
+              <a:t>protein interaction clusters </a:t>
+            </a:r>
+            <a:r>
+              <a:rPr lang="en-US" sz="1400" b="1" i="1" dirty="0" smtClean="0">
+                <a:latin typeface="Times New Roman"/>
+                <a:cs typeface="Times New Roman"/>
+              </a:rPr>
+              <a:t>?</a:t>
             </a:r>
             <a:endParaRPr lang="en-US" sz="1400" b="1" i="1" dirty="0">
               <a:latin typeface="Times New Roman"/>
@@ -11661,7 +11762,7 @@
         </p:nvSpPr>
         <p:spPr>
           <a:xfrm>
-            <a:off x="4587921" y="5038143"/>
+            <a:off x="4651137" y="4196215"/>
             <a:ext cx="4314457" cy="738664"/>
           </a:xfrm>
           <a:prstGeom prst="rect">
@@ -11675,21 +11776,72 @@
           </a:bodyPr>
           <a:lstStyle/>
           <a:p>
+            <a:pPr algn="ctr"/>
             <a:r>
               <a:rPr lang="en-US" sz="1400" b="1" i="1" dirty="0" smtClean="0">
                 <a:latin typeface="Times New Roman"/>
                 <a:cs typeface="Times New Roman"/>
               </a:rPr>
-              <a:t>Are there interaction units whose expression levels are changing ?</a:t>
-            </a:r>
-          </a:p>
-          <a:p>
+              <a:t>Are there interaction units </a:t>
+            </a:r>
             <a:r>
               <a:rPr lang="en-US" sz="1400" b="1" i="1" dirty="0" smtClean="0">
                 <a:latin typeface="Times New Roman"/>
                 <a:cs typeface="Times New Roman"/>
               </a:rPr>
-              <a:t>Are they co-expressed ?</a:t>
+              <a:t>whose</a:t>
+            </a:r>
+          </a:p>
+          <a:p>
+            <a:pPr algn="ctr"/>
+            <a:r>
+              <a:rPr lang="en-US" sz="1400" b="1" i="1" dirty="0" smtClean="0">
+                <a:latin typeface="Times New Roman"/>
+                <a:cs typeface="Times New Roman"/>
+              </a:rPr>
+              <a:t> </a:t>
+            </a:r>
+            <a:r>
+              <a:rPr lang="en-US" sz="1400" b="1" i="1" dirty="0" smtClean="0">
+                <a:latin typeface="Times New Roman"/>
+                <a:cs typeface="Times New Roman"/>
+              </a:rPr>
+              <a:t>expression levels </a:t>
+            </a:r>
+            <a:r>
+              <a:rPr lang="en-US" sz="1400" b="1" i="1" dirty="0">
+                <a:latin typeface="Times New Roman"/>
+                <a:cs typeface="Times New Roman"/>
+              </a:rPr>
+              <a:t>v</a:t>
+            </a:r>
+            <a:r>
+              <a:rPr lang="en-US" sz="1400" b="1" i="1" dirty="0" smtClean="0">
+                <a:latin typeface="Times New Roman"/>
+                <a:cs typeface="Times New Roman"/>
+              </a:rPr>
+              <a:t>ary significantly?</a:t>
+            </a:r>
+            <a:endParaRPr lang="en-US" sz="1400" b="1" i="1" dirty="0" smtClean="0">
+              <a:latin typeface="Times New Roman"/>
+              <a:cs typeface="Times New Roman"/>
+            </a:endParaRPr>
+          </a:p>
+          <a:p>
+            <a:pPr algn="ctr"/>
+            <a:r>
+              <a:rPr lang="en-US" sz="1400" b="1" i="1" dirty="0" smtClean="0">
+                <a:latin typeface="Times New Roman"/>
+                <a:cs typeface="Times New Roman"/>
+              </a:rPr>
+              <a:t>Are the predicted units co-expressed </a:t>
+            </a:r>
+            <a:r>
+              <a:rPr lang="en-US" sz="1400" b="1" i="1" dirty="0" smtClean="0">
+                <a:latin typeface="Times New Roman"/>
+                <a:cs typeface="Times New Roman"/>
+              </a:rPr>
+              <a:t>?</a:t>
             </a:r>
             <a:endParaRPr lang="en-US" sz="1400" b="1" i="1" dirty="0">
               <a:latin typeface="Times New Roman"/>
@@ -11706,7 +11858,7 @@
         </p:nvSpPr>
         <p:spPr>
           <a:xfrm rot="5400000">
-            <a:off x="6561621" y="5052349"/>
+            <a:off x="6809267" y="3795132"/>
             <a:ext cx="336186" cy="307777"/>
           </a:xfrm>
           <a:prstGeom prst="rightArrow">
@@ -11745,13 +11897,13 @@
           <p:nvPr>
             <p:extLst>
               <p:ext uri="{D42A27DB-BD31-4B8C-83A1-F6EECF244321}">
-                <p14:modId xmlns:p14="http://schemas.microsoft.com/office/powerpoint/2010/main" val="3009547116"/>
+                <p14:modId xmlns:p14="http://schemas.microsoft.com/office/powerpoint/2010/main" val="1824110131"/>
               </p:ext>
             </p:extLst>
           </p:nvPr>
         </p:nvGraphicFramePr>
         <p:xfrm>
-          <a:off x="5495324" y="3426702"/>
+          <a:off x="5558540" y="2584774"/>
           <a:ext cx="3047511" cy="1097280"/>
         </p:xfrm>
         <a:graphic>
@@ -11777,7 +11929,7 @@
                           <a:latin typeface="Times New Roman"/>
                           <a:cs typeface="Times New Roman"/>
                         </a:rPr>
-                        <a:t>Conditions</a:t>
+                        <a:t>Conditions…</a:t>
                       </a:r>
                       <a:endParaRPr lang="en-US" i="1" dirty="0">
                         <a:latin typeface="Times New Roman"/>
@@ -13282,7 +13434,7 @@
           <a:graphicData uri="http://schemas.openxmlformats.org/presentationml/2006/ole">
             <mc:AlternateContent xmlns:mc="http://schemas.openxmlformats.org/markup-compatibility/2006">
               <mc:Choice xmlns:v="urn:schemas-microsoft-com:vml" Requires="v">
-                <p:oleObj spid="_x0000_s2060" name="Document" r:id="rId3" imgW="5638800" imgH="4102100" progId="Word.Document.12">
+                <p:oleObj spid="_x0000_s2072" name="Document" r:id="rId3" imgW="5638800" imgH="4102100" progId="Word.Document.12">
                   <p:embed/>
                 </p:oleObj>
               </mc:Choice>

--- a/Concepts.pptx
+++ b/Concepts.pptx
@@ -5,7 +5,7 @@
     <p:sldMasterId id="2147483648" r:id="rId1"/>
   </p:sldMasterIdLst>
   <p:notesMasterIdLst>
-    <p:notesMasterId r:id="rId17"/>
+    <p:notesMasterId r:id="rId18"/>
   </p:notesMasterIdLst>
   <p:sldIdLst>
     <p:sldId id="257" r:id="rId2"/>
@@ -23,6 +23,7 @@
     <p:sldId id="275" r:id="rId14"/>
     <p:sldId id="276" r:id="rId15"/>
     <p:sldId id="277" r:id="rId16"/>
+    <p:sldId id="282" r:id="rId17"/>
   </p:sldIdLst>
   <p:sldSz cx="9144000" cy="6858000" type="screen4x3"/>
   <p:notesSz cx="6858000" cy="9144000"/>
@@ -206,7 +207,7 @@
           <a:p>
             <a:fld id="{D29299AB-CDD7-3F46-A9EB-BA7AEE026B70}" type="datetimeFigureOut">
               <a:rPr lang="en-US" smtClean="0"/>
-              <a:t>10/9/15</a:t>
+              <a:t>10/16/15</a:t>
             </a:fld>
             <a:endParaRPr lang="en-US"/>
           </a:p>
@@ -1224,7 +1225,7 @@
           <a:p>
             <a:fld id="{19D55746-69C1-144C-A63C-FF1BCF984DB1}" type="datetimeFigureOut">
               <a:rPr lang="en-US" smtClean="0"/>
-              <a:t>10/9/15</a:t>
+              <a:t>10/16/15</a:t>
             </a:fld>
             <a:endParaRPr lang="en-US"/>
           </a:p>
@@ -1394,7 +1395,7 @@
           <a:p>
             <a:fld id="{19D55746-69C1-144C-A63C-FF1BCF984DB1}" type="datetimeFigureOut">
               <a:rPr lang="en-US" smtClean="0"/>
-              <a:t>10/9/15</a:t>
+              <a:t>10/16/15</a:t>
             </a:fld>
             <a:endParaRPr lang="en-US"/>
           </a:p>
@@ -1574,7 +1575,7 @@
           <a:p>
             <a:fld id="{19D55746-69C1-144C-A63C-FF1BCF984DB1}" type="datetimeFigureOut">
               <a:rPr lang="en-US" smtClean="0"/>
-              <a:t>10/9/15</a:t>
+              <a:t>10/16/15</a:t>
             </a:fld>
             <a:endParaRPr lang="en-US"/>
           </a:p>
@@ -1713,7 +1714,7 @@
             </a:pPr>
             <a:fld id="{6E1BE7C6-9C18-484B-BB26-7206BF4A912E}" type="datetime1">
               <a:rPr lang="en-US" smtClean="0"/>
-              <a:t>10/9/15</a:t>
+              <a:t>10/16/15</a:t>
             </a:fld>
             <a:endParaRPr lang="en-US"/>
           </a:p>
@@ -1918,7 +1919,7 @@
           <a:p>
             <a:fld id="{19D55746-69C1-144C-A63C-FF1BCF984DB1}" type="datetimeFigureOut">
               <a:rPr lang="en-US" smtClean="0"/>
-              <a:t>10/9/15</a:t>
+              <a:t>10/16/15</a:t>
             </a:fld>
             <a:endParaRPr lang="en-US"/>
           </a:p>
@@ -2164,7 +2165,7 @@
           <a:p>
             <a:fld id="{19D55746-69C1-144C-A63C-FF1BCF984DB1}" type="datetimeFigureOut">
               <a:rPr lang="en-US" smtClean="0"/>
-              <a:t>10/9/15</a:t>
+              <a:t>10/16/15</a:t>
             </a:fld>
             <a:endParaRPr lang="en-US"/>
           </a:p>
@@ -2452,7 +2453,7 @@
           <a:p>
             <a:fld id="{19D55746-69C1-144C-A63C-FF1BCF984DB1}" type="datetimeFigureOut">
               <a:rPr lang="en-US" smtClean="0"/>
-              <a:t>10/9/15</a:t>
+              <a:t>10/16/15</a:t>
             </a:fld>
             <a:endParaRPr lang="en-US"/>
           </a:p>
@@ -2874,7 +2875,7 @@
           <a:p>
             <a:fld id="{19D55746-69C1-144C-A63C-FF1BCF984DB1}" type="datetimeFigureOut">
               <a:rPr lang="en-US" smtClean="0"/>
-              <a:t>10/9/15</a:t>
+              <a:t>10/16/15</a:t>
             </a:fld>
             <a:endParaRPr lang="en-US"/>
           </a:p>
@@ -2992,7 +2993,7 @@
           <a:p>
             <a:fld id="{19D55746-69C1-144C-A63C-FF1BCF984DB1}" type="datetimeFigureOut">
               <a:rPr lang="en-US" smtClean="0"/>
-              <a:t>10/9/15</a:t>
+              <a:t>10/16/15</a:t>
             </a:fld>
             <a:endParaRPr lang="en-US"/>
           </a:p>
@@ -3087,7 +3088,7 @@
           <a:p>
             <a:fld id="{19D55746-69C1-144C-A63C-FF1BCF984DB1}" type="datetimeFigureOut">
               <a:rPr lang="en-US" smtClean="0"/>
-              <a:t>10/9/15</a:t>
+              <a:t>10/16/15</a:t>
             </a:fld>
             <a:endParaRPr lang="en-US"/>
           </a:p>
@@ -3364,7 +3365,7 @@
           <a:p>
             <a:fld id="{19D55746-69C1-144C-A63C-FF1BCF984DB1}" type="datetimeFigureOut">
               <a:rPr lang="en-US" smtClean="0"/>
-              <a:t>10/9/15</a:t>
+              <a:t>10/16/15</a:t>
             </a:fld>
             <a:endParaRPr lang="en-US"/>
           </a:p>
@@ -3617,7 +3618,7 @@
           <a:p>
             <a:fld id="{19D55746-69C1-144C-A63C-FF1BCF984DB1}" type="datetimeFigureOut">
               <a:rPr lang="en-US" smtClean="0"/>
-              <a:t>10/9/15</a:t>
+              <a:t>10/16/15</a:t>
             </a:fld>
             <a:endParaRPr lang="en-US"/>
           </a:p>
@@ -3830,7 +3831,7 @@
           <a:p>
             <a:fld id="{19D55746-69C1-144C-A63C-FF1BCF984DB1}" type="datetimeFigureOut">
               <a:rPr lang="en-US" smtClean="0"/>
-              <a:t>10/9/15</a:t>
+              <a:t>10/16/15</a:t>
             </a:fld>
             <a:endParaRPr lang="en-US"/>
           </a:p>
@@ -9903,14 +9904,7 @@
                 <a:latin typeface="Times New Roman"/>
                 <a:cs typeface="Times New Roman"/>
               </a:rPr>
-              <a:t>Curated </a:t>
-            </a:r>
-            <a:r>
-              <a:rPr lang="en-US" sz="1400" b="1" i="1" dirty="0" smtClean="0">
-                <a:latin typeface="Times New Roman"/>
-                <a:cs typeface="Times New Roman"/>
-              </a:rPr>
-              <a:t>Gene-Set  Mappings</a:t>
+              <a:t>Curated Gene-Set  Mappings</a:t>
             </a:r>
             <a:endParaRPr lang="en-US" sz="1400" b="1" i="1" dirty="0">
               <a:latin typeface="Times New Roman"/>
@@ -11731,21 +11725,7 @@
                 <a:latin typeface="Times New Roman"/>
                 <a:cs typeface="Times New Roman"/>
               </a:rPr>
-              <a:t>Is there evidence for </a:t>
-            </a:r>
-            <a:r>
-              <a:rPr lang="en-US" sz="1400" b="1" i="1" dirty="0" smtClean="0">
-                <a:latin typeface="Times New Roman"/>
-                <a:cs typeface="Times New Roman"/>
-              </a:rPr>
-              <a:t>protein interaction clusters </a:t>
-            </a:r>
-            <a:r>
-              <a:rPr lang="en-US" sz="1400" b="1" i="1" dirty="0" smtClean="0">
-                <a:latin typeface="Times New Roman"/>
-                <a:cs typeface="Times New Roman"/>
-              </a:rPr>
-              <a:t>?</a:t>
+              <a:t>Is there evidence for protein interaction clusters ?</a:t>
             </a:r>
             <a:endParaRPr lang="en-US" sz="1400" b="1" i="1" dirty="0">
               <a:latin typeface="Times New Roman"/>
@@ -11782,14 +11762,31 @@
                 <a:latin typeface="Times New Roman"/>
                 <a:cs typeface="Times New Roman"/>
               </a:rPr>
-              <a:t>Are there interaction units </a:t>
-            </a:r>
+              <a:t>Are there interaction units whose</a:t>
+            </a:r>
+          </a:p>
+          <a:p>
+            <a:pPr algn="ctr"/>
             <a:r>
               <a:rPr lang="en-US" sz="1400" b="1" i="1" dirty="0" smtClean="0">
                 <a:latin typeface="Times New Roman"/>
                 <a:cs typeface="Times New Roman"/>
               </a:rPr>
-              <a:t>whose</a:t>
+              <a:t> expression levels </a:t>
+            </a:r>
+            <a:r>
+              <a:rPr lang="en-US" sz="1400" b="1" i="1" dirty="0">
+                <a:latin typeface="Times New Roman"/>
+                <a:cs typeface="Times New Roman"/>
+              </a:rPr>
+              <a:t>v</a:t>
+            </a:r>
+            <a:r>
+              <a:rPr lang="en-US" sz="1400" b="1" i="1" dirty="0" smtClean="0">
+                <a:latin typeface="Times New Roman"/>
+                <a:cs typeface="Times New Roman"/>
+              </a:rPr>
+              <a:t>ary significantly?</a:t>
             </a:r>
           </a:p>
           <a:p>
@@ -11799,49 +11796,7 @@
                 <a:latin typeface="Times New Roman"/>
                 <a:cs typeface="Times New Roman"/>
               </a:rPr>
-              <a:t> </a:t>
-            </a:r>
-            <a:r>
-              <a:rPr lang="en-US" sz="1400" b="1" i="1" dirty="0" smtClean="0">
-                <a:latin typeface="Times New Roman"/>
-                <a:cs typeface="Times New Roman"/>
-              </a:rPr>
-              <a:t>expression levels </a:t>
-            </a:r>
-            <a:r>
-              <a:rPr lang="en-US" sz="1400" b="1" i="1" dirty="0">
-                <a:latin typeface="Times New Roman"/>
-                <a:cs typeface="Times New Roman"/>
-              </a:rPr>
-              <a:t>v</a:t>
-            </a:r>
-            <a:r>
-              <a:rPr lang="en-US" sz="1400" b="1" i="1" dirty="0" smtClean="0">
-                <a:latin typeface="Times New Roman"/>
-                <a:cs typeface="Times New Roman"/>
-              </a:rPr>
-              <a:t>ary significantly?</a:t>
-            </a:r>
-            <a:endParaRPr lang="en-US" sz="1400" b="1" i="1" dirty="0" smtClean="0">
-              <a:latin typeface="Times New Roman"/>
-              <a:cs typeface="Times New Roman"/>
-            </a:endParaRPr>
-          </a:p>
-          <a:p>
-            <a:pPr algn="ctr"/>
-            <a:r>
-              <a:rPr lang="en-US" sz="1400" b="1" i="1" dirty="0" smtClean="0">
-                <a:latin typeface="Times New Roman"/>
-                <a:cs typeface="Times New Roman"/>
-              </a:rPr>
-              <a:t>Are the predicted units co-expressed </a:t>
-            </a:r>
-            <a:r>
-              <a:rPr lang="en-US" sz="1400" b="1" i="1" dirty="0" smtClean="0">
-                <a:latin typeface="Times New Roman"/>
-                <a:cs typeface="Times New Roman"/>
-              </a:rPr>
-              <a:t>?</a:t>
+              <a:t>Are the predicted units co-expressed ?</a:t>
             </a:r>
             <a:endParaRPr lang="en-US" sz="1400" b="1" i="1" dirty="0">
               <a:latin typeface="Times New Roman"/>
@@ -13310,6 +13265,36 @@
 </p:sld>
 </file>
 
+<file path=ppt/slides/slide16.xml><?xml version="1.0" encoding="utf-8"?>
+<p:sld xmlns:a="http://schemas.openxmlformats.org/drawingml/2006/main" xmlns:r="http://schemas.openxmlformats.org/officeDocument/2006/relationships" xmlns:p="http://schemas.openxmlformats.org/presentationml/2006/main">
+  <p:cSld>
+    <p:spTree>
+      <p:nvGrpSpPr>
+        <p:cNvPr id="1" name=""/>
+        <p:cNvGrpSpPr/>
+        <p:nvPr/>
+      </p:nvGrpSpPr>
+      <p:grpSpPr>
+        <a:xfrm>
+          <a:off x="0" y="0"/>
+          <a:ext cx="0" cy="0"/>
+          <a:chOff x="0" y="0"/>
+          <a:chExt cx="0" cy="0"/>
+        </a:xfrm>
+      </p:grpSpPr>
+    </p:spTree>
+    <p:extLst>
+      <p:ext uri="{BB962C8B-B14F-4D97-AF65-F5344CB8AC3E}">
+        <p14:creationId xmlns:p14="http://schemas.microsoft.com/office/powerpoint/2010/main" val="2873803606"/>
+      </p:ext>
+    </p:extLst>
+  </p:cSld>
+  <p:clrMapOvr>
+    <a:masterClrMapping/>
+  </p:clrMapOvr>
+</p:sld>
+</file>
+
 <file path=ppt/slides/slide2.xml><?xml version="1.0" encoding="utf-8"?>
 <p:sld xmlns:a="http://schemas.openxmlformats.org/drawingml/2006/main" xmlns:r="http://schemas.openxmlformats.org/officeDocument/2006/relationships" xmlns:p="http://schemas.openxmlformats.org/presentationml/2006/main">
   <p:cSld>
@@ -13434,7 +13419,7 @@
           <a:graphicData uri="http://schemas.openxmlformats.org/presentationml/2006/ole">
             <mc:AlternateContent xmlns:mc="http://schemas.openxmlformats.org/markup-compatibility/2006">
               <mc:Choice xmlns:v="urn:schemas-microsoft-com:vml" Requires="v">
-                <p:oleObj spid="_x0000_s2072" name="Document" r:id="rId3" imgW="5638800" imgH="4102100" progId="Word.Document.12">
+                <p:oleObj spid="_x0000_s2075" name="Document" r:id="rId3" imgW="5638800" imgH="4102100" progId="Word.Document.12">
                   <p:embed/>
                 </p:oleObj>
               </mc:Choice>
@@ -16187,21 +16172,7 @@
                 <a:latin typeface="Times New Roman"/>
                 <a:cs typeface="Times New Roman"/>
               </a:rPr>
-              <a:t>Figure </a:t>
-            </a:r>
-            <a:r>
-              <a:rPr lang="en-US" i="1" dirty="0" smtClean="0">
-                <a:latin typeface="Times New Roman"/>
-                <a:cs typeface="Times New Roman"/>
-              </a:rPr>
-              <a:t>: </a:t>
-            </a:r>
-            <a:r>
-              <a:rPr lang="en-US" i="1" dirty="0" smtClean="0">
-                <a:latin typeface="Times New Roman"/>
-                <a:cs typeface="Times New Roman"/>
-              </a:rPr>
-              <a:t>Annotation flow network: </a:t>
+              <a:t>Figure : Annotation flow network: </a:t>
             </a:r>
             <a:r>
               <a:rPr lang="en-US" sz="1600" i="1" dirty="0" smtClean="0">
@@ -20706,21 +20677,7 @@
                 <a:latin typeface="Times New Roman"/>
                 <a:cs typeface="Times New Roman"/>
               </a:rPr>
-              <a:t>This translates </a:t>
-            </a:r>
-            <a:r>
-              <a:rPr lang="en-US" i="1" dirty="0" smtClean="0">
-                <a:latin typeface="Times New Roman"/>
-                <a:cs typeface="Times New Roman"/>
-              </a:rPr>
-              <a:t>as matrix </a:t>
-            </a:r>
-            <a:r>
-              <a:rPr lang="en-US" i="1" dirty="0" smtClean="0">
-                <a:latin typeface="Times New Roman"/>
-                <a:cs typeface="Times New Roman"/>
-              </a:rPr>
-              <a:t>multiplication of</a:t>
+              <a:t>This translates as matrix multiplication of</a:t>
             </a:r>
           </a:p>
           <a:p>
@@ -21747,14 +21704,7 @@
                 <a:latin typeface="Times New Roman"/>
                 <a:cs typeface="Times New Roman"/>
               </a:rPr>
-              <a:t>Random Walk</a:t>
-            </a:r>
-            <a:r>
-              <a:rPr lang="en-US" sz="1400" b="1" i="1" dirty="0" smtClean="0">
-                <a:latin typeface="Times New Roman"/>
-                <a:cs typeface="Times New Roman"/>
-              </a:rPr>
-              <a:t> </a:t>
+              <a:t>Random Walk </a:t>
             </a:r>
           </a:p>
           <a:p>
@@ -22528,21 +22478,7 @@
                 <a:latin typeface="Times New Roman"/>
                 <a:cs typeface="Times New Roman"/>
               </a:rPr>
-              <a:t>Figure </a:t>
-            </a:r>
-            <a:r>
-              <a:rPr lang="en-US" i="1" dirty="0" smtClean="0">
-                <a:latin typeface="Times New Roman"/>
-                <a:cs typeface="Times New Roman"/>
-              </a:rPr>
-              <a:t>1: </a:t>
-            </a:r>
-            <a:r>
-              <a:rPr lang="en-US" i="1" dirty="0" smtClean="0">
-                <a:latin typeface="Times New Roman"/>
-                <a:cs typeface="Times New Roman"/>
-              </a:rPr>
-              <a:t>Protocol used for assigning functional annotations to the de-novo assembled contigs</a:t>
+              <a:t>Figure 1: Protocol used for assigning functional annotations to the de-novo assembled contigs</a:t>
             </a:r>
             <a:endParaRPr lang="en-US" i="1" dirty="0">
               <a:latin typeface="Times New Roman"/>
